--- a/Presentations/Presentation_11_11.pptx
+++ b/Presentations/Presentation_11_11.pptx
@@ -6,16 +6,17 @@
     <p:sldMasterId id="2147483672" r:id="rId2"/>
   </p:sldMasterIdLst>
   <p:notesMasterIdLst>
-    <p:notesMasterId r:id="rId10"/>
+    <p:notesMasterId r:id="rId11"/>
   </p:notesMasterIdLst>
   <p:sldIdLst>
     <p:sldId id="259" r:id="rId3"/>
     <p:sldId id="257" r:id="rId4"/>
     <p:sldId id="261" r:id="rId5"/>
     <p:sldId id="260" r:id="rId6"/>
-    <p:sldId id="264" r:id="rId7"/>
-    <p:sldId id="262" r:id="rId8"/>
-    <p:sldId id="263" r:id="rId9"/>
+    <p:sldId id="265" r:id="rId7"/>
+    <p:sldId id="264" r:id="rId8"/>
+    <p:sldId id="262" r:id="rId9"/>
+    <p:sldId id="263" r:id="rId10"/>
   </p:sldIdLst>
   <p:sldSz cx="9144000" cy="6858000" type="screen4x3"/>
   <p:notesSz cx="6858000" cy="9144000"/>
@@ -4938,7 +4939,7 @@
           <a:p>
             <a:fld id="{04A8E563-6835-48EC-ADFB-BC5F26F7F229}" type="datetimeFigureOut">
               <a:rPr lang="it-IT" smtClean="0"/>
-              <a:t>03/11/2022</a:t>
+              <a:t>08/11/2022</a:t>
             </a:fld>
             <a:endParaRPr lang="it-IT"/>
           </a:p>
@@ -5354,7 +5355,7 @@
           <a:p>
             <a:fld id="{BB6912C9-2727-4ECF-B850-59AB2EFCA88F}" type="slidenum">
               <a:rPr lang="it-IT" smtClean="0"/>
-              <a:t>6</a:t>
+              <a:t>7</a:t>
             </a:fld>
             <a:endParaRPr lang="it-IT"/>
           </a:p>
@@ -5438,7 +5439,7 @@
           <a:p>
             <a:fld id="{BB6912C9-2727-4ECF-B850-59AB2EFCA88F}" type="slidenum">
               <a:rPr lang="it-IT" smtClean="0"/>
-              <a:t>7</a:t>
+              <a:t>8</a:t>
             </a:fld>
             <a:endParaRPr lang="it-IT"/>
           </a:p>
@@ -5608,7 +5609,7 @@
           <a:p>
             <a:fld id="{EA69FC31-BD2A-4E5B-B76A-2D9971535754}" type="datetimeFigureOut">
               <a:rPr lang="en-US" smtClean="0"/>
-              <a:t>11/3/2022</a:t>
+              <a:t>11/8/2022</a:t>
             </a:fld>
             <a:endParaRPr lang="en-US"/>
           </a:p>
@@ -6055,7 +6056,7 @@
             <a:fld id="{887BFEE1-39F5-4CF4-8A4D-3FDEE8C64F0F}" type="datetimeFigureOut">
               <a:rPr lang="en-US" smtClean="0"/>
               <a:pPr/>
-              <a:t>11/3/2022</a:t>
+              <a:t>11/8/2022</a:t>
             </a:fld>
             <a:endParaRPr lang="en-US"/>
           </a:p>
@@ -6247,7 +6248,7 @@
           <a:p>
             <a:fld id="{EA69FC31-BD2A-4E5B-B76A-2D9971535754}" type="datetimeFigureOut">
               <a:rPr lang="en-US" smtClean="0"/>
-              <a:t>11/3/2022</a:t>
+              <a:t>11/8/2022</a:t>
             </a:fld>
             <a:endParaRPr lang="en-US"/>
           </a:p>
@@ -6523,7 +6524,7 @@
           <a:p>
             <a:fld id="{EA69FC31-BD2A-4E5B-B76A-2D9971535754}" type="datetimeFigureOut">
               <a:rPr lang="en-US" smtClean="0"/>
-              <a:t>11/3/2022</a:t>
+              <a:t>11/8/2022</a:t>
             </a:fld>
             <a:endParaRPr lang="en-US"/>
           </a:p>
@@ -7288,7 +7289,7 @@
           <a:p>
             <a:fld id="{EA69FC31-BD2A-4E5B-B76A-2D9971535754}" type="datetimeFigureOut">
               <a:rPr lang="en-US" smtClean="0"/>
-              <a:t>11/3/2022</a:t>
+              <a:t>11/8/2022</a:t>
             </a:fld>
             <a:endParaRPr lang="en-US"/>
           </a:p>
@@ -7781,7 +7782,7 @@
           <a:p>
             <a:fld id="{EA69FC31-BD2A-4E5B-B76A-2D9971535754}" type="datetimeFigureOut">
               <a:rPr lang="en-US" smtClean="0"/>
-              <a:t>11/3/2022</a:t>
+              <a:t>11/8/2022</a:t>
             </a:fld>
             <a:endParaRPr lang="en-US"/>
           </a:p>
@@ -11065,6 +11066,111 @@
           </a:prstGeom>
         </p:spPr>
       </p:pic>
+      <p:sp>
+        <p:nvSpPr>
+          <p:cNvPr id="6" name="Rectangle 5">
+            <a:extLst>
+              <a:ext uri="{FF2B5EF4-FFF2-40B4-BE49-F238E27FC236}">
+                <a16:creationId xmlns:a16="http://schemas.microsoft.com/office/drawing/2014/main" id="{32828A60-01F3-72C4-AF95-A8629B2F131C}"/>
+              </a:ext>
+            </a:extLst>
+          </p:cNvPr>
+          <p:cNvSpPr/>
+          <p:nvPr/>
+        </p:nvSpPr>
+        <p:spPr>
+          <a:xfrm>
+            <a:off x="601089" y="1311035"/>
+            <a:ext cx="4000501" cy="2394065"/>
+          </a:xfrm>
+          <a:prstGeom prst="rect">
+            <a:avLst/>
+          </a:prstGeom>
+          <a:solidFill>
+            <a:schemeClr val="accent1">
+              <a:lumMod val="75000"/>
+              <a:alpha val="51373"/>
+            </a:schemeClr>
+          </a:solidFill>
+        </p:spPr>
+        <p:style>
+          <a:lnRef idx="2">
+            <a:schemeClr val="accent1">
+              <a:shade val="50000"/>
+            </a:schemeClr>
+          </a:lnRef>
+          <a:fillRef idx="1">
+            <a:schemeClr val="accent1"/>
+          </a:fillRef>
+          <a:effectRef idx="0">
+            <a:schemeClr val="accent1"/>
+          </a:effectRef>
+          <a:fontRef idx="minor">
+            <a:schemeClr val="lt1"/>
+          </a:fontRef>
+        </p:style>
+        <p:txBody>
+          <a:bodyPr rtlCol="0" anchor="ctr"/>
+          <a:lstStyle/>
+          <a:p>
+            <a:pPr algn="ctr"/>
+            <a:endParaRPr lang="en-GB" dirty="0"/>
+          </a:p>
+        </p:txBody>
+      </p:sp>
+      <p:sp>
+        <p:nvSpPr>
+          <p:cNvPr id="7" name="Rectangle 6">
+            <a:extLst>
+              <a:ext uri="{FF2B5EF4-FFF2-40B4-BE49-F238E27FC236}">
+                <a16:creationId xmlns:a16="http://schemas.microsoft.com/office/drawing/2014/main" id="{D1E846E7-BC1C-ACC2-3556-6FDC7E9FDE78}"/>
+              </a:ext>
+            </a:extLst>
+          </p:cNvPr>
+          <p:cNvSpPr/>
+          <p:nvPr/>
+        </p:nvSpPr>
+        <p:spPr>
+          <a:xfrm>
+            <a:off x="601090" y="3705100"/>
+            <a:ext cx="4000500" cy="2612573"/>
+          </a:xfrm>
+          <a:prstGeom prst="rect">
+            <a:avLst/>
+          </a:prstGeom>
+          <a:solidFill>
+            <a:schemeClr val="accent1">
+              <a:lumMod val="40000"/>
+              <a:lumOff val="60000"/>
+              <a:alpha val="51373"/>
+            </a:schemeClr>
+          </a:solidFill>
+        </p:spPr>
+        <p:style>
+          <a:lnRef idx="2">
+            <a:schemeClr val="accent1">
+              <a:shade val="50000"/>
+            </a:schemeClr>
+          </a:lnRef>
+          <a:fillRef idx="1">
+            <a:schemeClr val="accent1"/>
+          </a:fillRef>
+          <a:effectRef idx="0">
+            <a:schemeClr val="accent1"/>
+          </a:effectRef>
+          <a:fontRef idx="minor">
+            <a:schemeClr val="lt1"/>
+          </a:fontRef>
+        </p:style>
+        <p:txBody>
+          <a:bodyPr rtlCol="0" anchor="ctr"/>
+          <a:lstStyle/>
+          <a:p>
+            <a:pPr algn="ctr"/>
+            <a:endParaRPr lang="en-GB"/>
+          </a:p>
+        </p:txBody>
+      </p:sp>
       <mc:AlternateContent xmlns:mc="http://schemas.openxmlformats.org/markup-compatibility/2006">
         <mc:Choice xmlns:a14="http://schemas.microsoft.com/office/drawing/2010/main" Requires="a14">
           <p:sp>
@@ -11081,8 +11187,8 @@
             </p:nvSpPr>
             <p:spPr>
               <a:xfrm>
-                <a:off x="658240" y="1311036"/>
-                <a:ext cx="4057650" cy="5632311"/>
+                <a:off x="658240" y="1273890"/>
+                <a:ext cx="4057650" cy="7571303"/>
               </a:xfrm>
               <a:prstGeom prst="rect">
                 <a:avLst/>
@@ -11180,7 +11286,7 @@
                             <a:latin typeface="Cambria Math" panose="02040503050406030204" pitchFamily="18" charset="0"/>
                             <a:ea typeface="Cambria Math" panose="02040503050406030204" pitchFamily="18" charset="0"/>
                           </a:rPr>
-                          <m:t>𝑌</m:t>
+                          <m:t>𝑥</m:t>
                         </m:r>
                       </m:e>
                       <m:sub>
@@ -11390,7 +11496,7 @@
                       </m:sub>
                     </m:sSub>
                     <m:r>
-                      <a:rPr lang="it-IT" b="0" i="0" smtClean="0">
+                      <a:rPr lang="it-IT">
                         <a:latin typeface="Cambria Math" panose="02040503050406030204" pitchFamily="18" charset="0"/>
                         <a:ea typeface="Cambria Math" panose="02040503050406030204" pitchFamily="18" charset="0"/>
                       </a:rPr>
@@ -11400,14 +11506,14 @@
                       <m:rPr>
                         <m:sty m:val="p"/>
                       </m:rPr>
-                      <a:rPr lang="it-IT" b="0" i="0" smtClean="0">
+                      <a:rPr lang="it-IT">
                         <a:latin typeface="Cambria Math" panose="02040503050406030204" pitchFamily="18" charset="0"/>
                         <a:ea typeface="Cambria Math" panose="02040503050406030204" pitchFamily="18" charset="0"/>
                       </a:rPr>
                       <m:t>t</m:t>
                     </m:r>
                     <m:r>
-                      <a:rPr lang="it-IT" b="0" i="0" smtClean="0">
+                      <a:rPr lang="it-IT">
                         <a:latin typeface="Cambria Math" panose="02040503050406030204" pitchFamily="18" charset="0"/>
                         <a:ea typeface="Cambria Math" panose="02040503050406030204" pitchFamily="18" charset="0"/>
                       </a:rPr>
@@ -11477,11 +11583,35 @@
                         </m:sSub>
                       </m:e>
                     </m:acc>
+                    <m:r>
+                      <a:rPr lang="it-IT">
+                        <a:latin typeface="Cambria Math" panose="02040503050406030204" pitchFamily="18" charset="0"/>
+                        <a:ea typeface="Cambria Math" panose="02040503050406030204" pitchFamily="18" charset="0"/>
+                      </a:rPr>
+                      <m:t>(</m:t>
+                    </m:r>
+                    <m:r>
+                      <m:rPr>
+                        <m:sty m:val="p"/>
+                      </m:rPr>
+                      <a:rPr lang="it-IT">
+                        <a:latin typeface="Cambria Math" panose="02040503050406030204" pitchFamily="18" charset="0"/>
+                        <a:ea typeface="Cambria Math" panose="02040503050406030204" pitchFamily="18" charset="0"/>
+                      </a:rPr>
+                      <m:t>t</m:t>
+                    </m:r>
+                    <m:r>
+                      <a:rPr lang="it-IT">
+                        <a:latin typeface="Cambria Math" panose="02040503050406030204" pitchFamily="18" charset="0"/>
+                        <a:ea typeface="Cambria Math" panose="02040503050406030204" pitchFamily="18" charset="0"/>
+                      </a:rPr>
+                      <m:t>)</m:t>
+                    </m:r>
                   </m:oMath>
                 </a14:m>
                 <a:r>
                   <a:rPr lang="it-IT" dirty="0"/>
-                  <a:t>      angular speed of the </a:t>
+                  <a:t> angular speed of the </a:t>
                 </a:r>
                 <a:r>
                   <a:rPr lang="it-IT" dirty="0" err="1"/>
@@ -11541,11 +11671,35 @@
                         </m:sSub>
                       </m:e>
                     </m:acc>
+                    <m:r>
+                      <a:rPr lang="it-IT">
+                        <a:latin typeface="Cambria Math" panose="02040503050406030204" pitchFamily="18" charset="0"/>
+                        <a:ea typeface="Cambria Math" panose="02040503050406030204" pitchFamily="18" charset="0"/>
+                      </a:rPr>
+                      <m:t>(</m:t>
+                    </m:r>
+                    <m:r>
+                      <m:rPr>
+                        <m:sty m:val="p"/>
+                      </m:rPr>
+                      <a:rPr lang="it-IT">
+                        <a:latin typeface="Cambria Math" panose="02040503050406030204" pitchFamily="18" charset="0"/>
+                        <a:ea typeface="Cambria Math" panose="02040503050406030204" pitchFamily="18" charset="0"/>
+                      </a:rPr>
+                      <m:t>t</m:t>
+                    </m:r>
+                    <m:r>
+                      <a:rPr lang="it-IT">
+                        <a:latin typeface="Cambria Math" panose="02040503050406030204" pitchFamily="18" charset="0"/>
+                        <a:ea typeface="Cambria Math" panose="02040503050406030204" pitchFamily="18" charset="0"/>
+                      </a:rPr>
+                      <m:t>)</m:t>
+                    </m:r>
                   </m:oMath>
                 </a14:m>
                 <a:r>
                   <a:rPr lang="it-IT" dirty="0"/>
-                  <a:t>      angular speed of the </a:t>
+                  <a:t> angular speed of the </a:t>
                 </a:r>
                 <a:r>
                   <a:rPr lang="it-IT" dirty="0" err="1"/>
@@ -11560,6 +11714,55 @@
                   <a:t>wheel</a:t>
                 </a:r>
                 <a:endParaRPr lang="it-IT" dirty="0"/>
+              </a:p>
+              <a:p>
+                <a14:m>
+                  <m:oMath xmlns:m="http://schemas.openxmlformats.org/officeDocument/2006/math">
+                    <m:r>
+                      <a:rPr lang="it-IT" b="0" i="1" smtClean="0">
+                        <a:latin typeface="Cambria Math" panose="02040503050406030204" pitchFamily="18" charset="0"/>
+                        <a:ea typeface="Cambria Math" panose="02040503050406030204" pitchFamily="18" charset="0"/>
+                      </a:rPr>
+                      <m:t>𝑟</m:t>
+                    </m:r>
+                    <m:r>
+                      <a:rPr lang="it-IT">
+                        <a:latin typeface="Cambria Math" panose="02040503050406030204" pitchFamily="18" charset="0"/>
+                        <a:ea typeface="Cambria Math" panose="02040503050406030204" pitchFamily="18" charset="0"/>
+                      </a:rPr>
+                      <m:t>(</m:t>
+                    </m:r>
+                    <m:r>
+                      <m:rPr>
+                        <m:sty m:val="p"/>
+                      </m:rPr>
+                      <a:rPr lang="it-IT">
+                        <a:latin typeface="Cambria Math" panose="02040503050406030204" pitchFamily="18" charset="0"/>
+                        <a:ea typeface="Cambria Math" panose="02040503050406030204" pitchFamily="18" charset="0"/>
+                      </a:rPr>
+                      <m:t>t</m:t>
+                    </m:r>
+                    <m:r>
+                      <a:rPr lang="it-IT">
+                        <a:latin typeface="Cambria Math" panose="02040503050406030204" pitchFamily="18" charset="0"/>
+                        <a:ea typeface="Cambria Math" panose="02040503050406030204" pitchFamily="18" charset="0"/>
+                      </a:rPr>
+                      <m:t>)</m:t>
+                    </m:r>
+                  </m:oMath>
+                </a14:m>
+                <a:r>
+                  <a:rPr lang="it-IT" dirty="0"/>
+                  <a:t>   </a:t>
+                </a:r>
+                <a:r>
+                  <a:rPr lang="it-IT" dirty="0" err="1"/>
+                  <a:t>distance</a:t>
+                </a:r>
+                <a:r>
+                  <a:rPr lang="it-IT" dirty="0"/>
+                  <a:t> from a target point</a:t>
+                </a:r>
               </a:p>
               <a:p>
                 <a:endParaRPr lang="it-IT" dirty="0"/>
@@ -11580,12 +11783,8 @@
               </a:p>
               <a:p>
                 <a:r>
-                  <a:rPr lang="it-IT" dirty="0" err="1"/>
-                  <a:t>R</a:t>
-                </a:r>
-                <a:r>
                   <a:rPr lang="it-IT" dirty="0"/>
-                  <a:t>        </a:t>
+                  <a:t>R        </a:t>
                 </a:r>
                 <a:r>
                   <a:rPr lang="it-IT" dirty="0" err="1"/>
@@ -11612,7 +11811,7 @@
                 </a:r>
                 <a:r>
                   <a:rPr lang="en-GB" baseline="-25000" dirty="0"/>
-                  <a:t>.           </a:t>
+                  <a:t>.          </a:t>
                 </a:r>
                 <a:r>
                   <a:rPr lang="en-GB" dirty="0"/>
@@ -11630,7 +11829,7 @@
                 </a:r>
                 <a:r>
                   <a:rPr lang="en-GB" baseline="-25000" dirty="0"/>
-                  <a:t>.          </a:t>
+                  <a:t>.         </a:t>
                 </a:r>
                 <a:r>
                   <a:rPr lang="en-GB" dirty="0"/>
@@ -11680,6 +11879,193 @@
                 </a:r>
               </a:p>
               <a:p>
+                <a:pPr/>
+                <a14:m>
+                  <m:oMath xmlns:m="http://schemas.openxmlformats.org/officeDocument/2006/math">
+                    <m:acc>
+                      <m:accPr>
+                        <m:chr m:val="̅"/>
+                        <m:ctrlPr>
+                          <a:rPr lang="it-IT" sz="1800" i="1" smtClean="0">
+                            <a:effectLst/>
+                            <a:latin typeface="Cambria Math" panose="02040503050406030204" pitchFamily="18" charset="0"/>
+                            <a:ea typeface="Calibri" panose="020F0502020204030204" pitchFamily="34" charset="0"/>
+                            <a:cs typeface="Times New Roman" panose="02020603050405020304" pitchFamily="18" charset="0"/>
+                          </a:rPr>
+                        </m:ctrlPr>
+                      </m:accPr>
+                      <m:e>
+                        <m:sSub>
+                          <m:sSubPr>
+                            <m:ctrlPr>
+                              <a:rPr lang="it-IT" sz="1800" i="1">
+                                <a:effectLst/>
+                                <a:latin typeface="Cambria Math" panose="02040503050406030204" pitchFamily="18" charset="0"/>
+                                <a:ea typeface="Calibri" panose="020F0502020204030204" pitchFamily="34" charset="0"/>
+                                <a:cs typeface="Times New Roman" panose="02020603050405020304" pitchFamily="18" charset="0"/>
+                              </a:rPr>
+                            </m:ctrlPr>
+                          </m:sSubPr>
+                          <m:e>
+                            <m:r>
+                              <a:rPr lang="it-IT" sz="1800" i="1">
+                                <a:effectLst/>
+                                <a:latin typeface="Cambria Math" panose="02040503050406030204" pitchFamily="18" charset="0"/>
+                                <a:ea typeface="Calibri" panose="020F0502020204030204" pitchFamily="34" charset="0"/>
+                                <a:cs typeface="Times New Roman" panose="02020603050405020304" pitchFamily="18" charset="0"/>
+                              </a:rPr>
+                              <m:t>𝜏</m:t>
+                            </m:r>
+                          </m:e>
+                          <m:sub>
+                            <m:r>
+                              <a:rPr lang="it-IT" sz="1800" i="1">
+                                <a:effectLst/>
+                                <a:latin typeface="Cambria Math" panose="02040503050406030204" pitchFamily="18" charset="0"/>
+                                <a:ea typeface="Calibri" panose="020F0502020204030204" pitchFamily="34" charset="0"/>
+                                <a:cs typeface="Times New Roman" panose="02020603050405020304" pitchFamily="18" charset="0"/>
+                              </a:rPr>
+                              <m:t>𝑟</m:t>
+                            </m:r>
+                          </m:sub>
+                        </m:sSub>
+                      </m:e>
+                    </m:acc>
+                  </m:oMath>
+                </a14:m>
+                <a:r>
+                  <a:rPr lang="it-IT" sz="1800" dirty="0">
+                    <a:effectLst/>
+                    <a:latin typeface="Calibri" panose="020F0502020204030204" pitchFamily="34" charset="0"/>
+                    <a:ea typeface="Calibri" panose="020F0502020204030204" pitchFamily="34" charset="0"/>
+                    <a:cs typeface="Times New Roman" panose="02020603050405020304" pitchFamily="18" charset="0"/>
+                  </a:rPr>
+                  <a:t>      maximum </a:t>
+                </a:r>
+                <a:r>
+                  <a:rPr lang="it-IT" sz="1800" dirty="0" err="1">
+                    <a:effectLst/>
+                    <a:latin typeface="Calibri" panose="020F0502020204030204" pitchFamily="34" charset="0"/>
+                    <a:ea typeface="Calibri" panose="020F0502020204030204" pitchFamily="34" charset="0"/>
+                    <a:cs typeface="Times New Roman" panose="02020603050405020304" pitchFamily="18" charset="0"/>
+                  </a:rPr>
+                  <a:t>right</a:t>
+                </a:r>
+                <a:r>
+                  <a:rPr lang="it-IT" sz="1800" dirty="0">
+                    <a:effectLst/>
+                    <a:latin typeface="Calibri" panose="020F0502020204030204" pitchFamily="34" charset="0"/>
+                    <a:ea typeface="Calibri" panose="020F0502020204030204" pitchFamily="34" charset="0"/>
+                    <a:cs typeface="Times New Roman" panose="02020603050405020304" pitchFamily="18" charset="0"/>
+                  </a:rPr>
+                  <a:t> torque</a:t>
+                </a:r>
+              </a:p>
+              <a:p>
+                <a:pPr/>
+                <a14:m>
+                  <m:oMath xmlns:m="http://schemas.openxmlformats.org/officeDocument/2006/math">
+                    <m:acc>
+                      <m:accPr>
+                        <m:chr m:val="̅"/>
+                        <m:ctrlPr>
+                          <a:rPr lang="it-IT" sz="1800" i="1" smtClean="0">
+                            <a:effectLst/>
+                            <a:latin typeface="Cambria Math" panose="02040503050406030204" pitchFamily="18" charset="0"/>
+                            <a:ea typeface="Calibri" panose="020F0502020204030204" pitchFamily="34" charset="0"/>
+                            <a:cs typeface="Times New Roman" panose="02020603050405020304" pitchFamily="18" charset="0"/>
+                          </a:rPr>
+                        </m:ctrlPr>
+                      </m:accPr>
+                      <m:e>
+                        <m:sSub>
+                          <m:sSubPr>
+                            <m:ctrlPr>
+                              <a:rPr lang="it-IT" sz="1800" i="1">
+                                <a:effectLst/>
+                                <a:latin typeface="Cambria Math" panose="02040503050406030204" pitchFamily="18" charset="0"/>
+                                <a:ea typeface="Calibri" panose="020F0502020204030204" pitchFamily="34" charset="0"/>
+                                <a:cs typeface="Times New Roman" panose="02020603050405020304" pitchFamily="18" charset="0"/>
+                              </a:rPr>
+                            </m:ctrlPr>
+                          </m:sSubPr>
+                          <m:e>
+                            <m:r>
+                              <a:rPr lang="it-IT" sz="1800" i="1">
+                                <a:effectLst/>
+                                <a:latin typeface="Cambria Math" panose="02040503050406030204" pitchFamily="18" charset="0"/>
+                                <a:ea typeface="Calibri" panose="020F0502020204030204" pitchFamily="34" charset="0"/>
+                                <a:cs typeface="Times New Roman" panose="02020603050405020304" pitchFamily="18" charset="0"/>
+                              </a:rPr>
+                              <m:t>𝜏</m:t>
+                            </m:r>
+                          </m:e>
+                          <m:sub>
+                            <m:r>
+                              <a:rPr lang="it-IT" sz="1800" b="0" i="1" smtClean="0">
+                                <a:effectLst/>
+                                <a:latin typeface="Cambria Math" panose="02040503050406030204" pitchFamily="18" charset="0"/>
+                                <a:ea typeface="Calibri" panose="020F0502020204030204" pitchFamily="34" charset="0"/>
+                                <a:cs typeface="Times New Roman" panose="02020603050405020304" pitchFamily="18" charset="0"/>
+                              </a:rPr>
+                              <m:t>𝑙</m:t>
+                            </m:r>
+                          </m:sub>
+                        </m:sSub>
+                      </m:e>
+                    </m:acc>
+                  </m:oMath>
+                </a14:m>
+                <a:r>
+                  <a:rPr lang="it-IT" sz="1800" dirty="0">
+                    <a:effectLst/>
+                    <a:latin typeface="Calibri" panose="020F0502020204030204" pitchFamily="34" charset="0"/>
+                    <a:ea typeface="Calibri" panose="020F0502020204030204" pitchFamily="34" charset="0"/>
+                    <a:cs typeface="Times New Roman" panose="02020603050405020304" pitchFamily="18" charset="0"/>
+                  </a:rPr>
+                  <a:t>      maximum </a:t>
+                </a:r>
+                <a:r>
+                  <a:rPr lang="it-IT" sz="1800" dirty="0" err="1">
+                    <a:effectLst/>
+                    <a:latin typeface="Calibri" panose="020F0502020204030204" pitchFamily="34" charset="0"/>
+                    <a:ea typeface="Calibri" panose="020F0502020204030204" pitchFamily="34" charset="0"/>
+                    <a:cs typeface="Times New Roman" panose="02020603050405020304" pitchFamily="18" charset="0"/>
+                  </a:rPr>
+                  <a:t>left</a:t>
+                </a:r>
+                <a:r>
+                  <a:rPr lang="it-IT" sz="1800" dirty="0">
+                    <a:effectLst/>
+                    <a:latin typeface="Calibri" panose="020F0502020204030204" pitchFamily="34" charset="0"/>
+                    <a:ea typeface="Calibri" panose="020F0502020204030204" pitchFamily="34" charset="0"/>
+                    <a:cs typeface="Times New Roman" panose="02020603050405020304" pitchFamily="18" charset="0"/>
+                  </a:rPr>
+                  <a:t> torque</a:t>
+                </a:r>
+              </a:p>
+              <a:p>
+                <a:pPr/>
+                <a:endParaRPr lang="it-IT" sz="1800" dirty="0">
+                  <a:effectLst/>
+                  <a:latin typeface="Calibri" panose="020F0502020204030204" pitchFamily="34" charset="0"/>
+                  <a:ea typeface="Calibri" panose="020F0502020204030204" pitchFamily="34" charset="0"/>
+                  <a:cs typeface="Times New Roman" panose="02020603050405020304" pitchFamily="18" charset="0"/>
+                </a:endParaRPr>
+              </a:p>
+              <a:p>
+                <a:pPr/>
+                <a:endParaRPr lang="it-IT" sz="1800" dirty="0">
+                  <a:effectLst/>
+                  <a:latin typeface="Calibri" panose="020F0502020204030204" pitchFamily="34" charset="0"/>
+                  <a:ea typeface="Calibri" panose="020F0502020204030204" pitchFamily="34" charset="0"/>
+                  <a:cs typeface="Times New Roman" panose="02020603050405020304" pitchFamily="18" charset="0"/>
+                </a:endParaRPr>
+              </a:p>
+              <a:p>
+                <a:endParaRPr lang="en-GB" dirty="0"/>
+              </a:p>
+              <a:p>
                 <a:endParaRPr lang="en-GB" b="0" i="0" dirty="0">
                   <a:effectLst/>
                   <a:latin typeface="Menlo" panose="020B0609030804020204" pitchFamily="49" charset="0"/>
@@ -11717,8 +12103,8 @@
             </p:nvSpPr>
             <p:spPr>
               <a:xfrm>
-                <a:off x="658240" y="1311036"/>
-                <a:ext cx="4057650" cy="5632311"/>
+                <a:off x="658240" y="1273890"/>
+                <a:ext cx="4057650" cy="7571303"/>
               </a:xfrm>
               <a:prstGeom prst="rect">
                 <a:avLst/>
@@ -11726,7 +12112,7 @@
               <a:blipFill>
                 <a:blip r:embed="rId3"/>
                 <a:stretch>
-                  <a:fillRect l="-1351" t="-541"/>
+                  <a:fillRect l="-1351" t="-483"/>
                 </a:stretch>
               </a:blipFill>
             </p:spPr>
@@ -11745,111 +12131,6 @@
           </p:sp>
         </mc:Fallback>
       </mc:AlternateContent>
-      <p:sp>
-        <p:nvSpPr>
-          <p:cNvPr id="6" name="Rectangle 5">
-            <a:extLst>
-              <a:ext uri="{FF2B5EF4-FFF2-40B4-BE49-F238E27FC236}">
-                <a16:creationId xmlns:a16="http://schemas.microsoft.com/office/drawing/2014/main" id="{32828A60-01F3-72C4-AF95-A8629B2F131C}"/>
-              </a:ext>
-            </a:extLst>
-          </p:cNvPr>
-          <p:cNvSpPr/>
-          <p:nvPr/>
-        </p:nvSpPr>
-        <p:spPr>
-          <a:xfrm>
-            <a:off x="601089" y="1311036"/>
-            <a:ext cx="4000501" cy="2148840"/>
-          </a:xfrm>
-          <a:prstGeom prst="rect">
-            <a:avLst/>
-          </a:prstGeom>
-          <a:solidFill>
-            <a:schemeClr val="accent1">
-              <a:lumMod val="75000"/>
-              <a:alpha val="51373"/>
-            </a:schemeClr>
-          </a:solidFill>
-        </p:spPr>
-        <p:style>
-          <a:lnRef idx="2">
-            <a:schemeClr val="accent1">
-              <a:shade val="50000"/>
-            </a:schemeClr>
-          </a:lnRef>
-          <a:fillRef idx="1">
-            <a:schemeClr val="accent1"/>
-          </a:fillRef>
-          <a:effectRef idx="0">
-            <a:schemeClr val="accent1"/>
-          </a:effectRef>
-          <a:fontRef idx="minor">
-            <a:schemeClr val="lt1"/>
-          </a:fontRef>
-        </p:style>
-        <p:txBody>
-          <a:bodyPr rtlCol="0" anchor="ctr"/>
-          <a:lstStyle/>
-          <a:p>
-            <a:pPr algn="ctr"/>
-            <a:endParaRPr lang="en-GB" dirty="0"/>
-          </a:p>
-        </p:txBody>
-      </p:sp>
-      <p:sp>
-        <p:nvSpPr>
-          <p:cNvPr id="7" name="Rectangle 6">
-            <a:extLst>
-              <a:ext uri="{FF2B5EF4-FFF2-40B4-BE49-F238E27FC236}">
-                <a16:creationId xmlns:a16="http://schemas.microsoft.com/office/drawing/2014/main" id="{D1E846E7-BC1C-ACC2-3556-6FDC7E9FDE78}"/>
-              </a:ext>
-            </a:extLst>
-          </p:cNvPr>
-          <p:cNvSpPr/>
-          <p:nvPr/>
-        </p:nvSpPr>
-        <p:spPr>
-          <a:xfrm>
-            <a:off x="601090" y="3457437"/>
-            <a:ext cx="4000500" cy="2148840"/>
-          </a:xfrm>
-          <a:prstGeom prst="rect">
-            <a:avLst/>
-          </a:prstGeom>
-          <a:solidFill>
-            <a:schemeClr val="accent1">
-              <a:lumMod val="40000"/>
-              <a:lumOff val="60000"/>
-              <a:alpha val="51373"/>
-            </a:schemeClr>
-          </a:solidFill>
-        </p:spPr>
-        <p:style>
-          <a:lnRef idx="2">
-            <a:schemeClr val="accent1">
-              <a:shade val="50000"/>
-            </a:schemeClr>
-          </a:lnRef>
-          <a:fillRef idx="1">
-            <a:schemeClr val="accent1"/>
-          </a:fillRef>
-          <a:effectRef idx="0">
-            <a:schemeClr val="accent1"/>
-          </a:effectRef>
-          <a:fontRef idx="minor">
-            <a:schemeClr val="lt1"/>
-          </a:fontRef>
-        </p:style>
-        <p:txBody>
-          <a:bodyPr rtlCol="0" anchor="ctr"/>
-          <a:lstStyle/>
-          <a:p>
-            <a:pPr algn="ctr"/>
-            <a:endParaRPr lang="en-GB"/>
-          </a:p>
-        </p:txBody>
-      </p:sp>
       <p:sp>
         <p:nvSpPr>
           <p:cNvPr id="9" name="TextBox 8">
@@ -11899,7 +12180,7 @@
         </p:nvSpPr>
         <p:spPr>
           <a:xfrm rot="16200000">
-            <a:off x="-330353" y="4347191"/>
+            <a:off x="-327204" y="4576062"/>
             <a:ext cx="1379255" cy="369332"/>
           </a:xfrm>
           <a:prstGeom prst="rect">
@@ -12043,6 +12324,3648 @@
     </p:spTree>
     <p:extLst>
       <p:ext uri="{BB962C8B-B14F-4D97-AF65-F5344CB8AC3E}">
+        <p14:creationId xmlns:p14="http://schemas.microsoft.com/office/powerpoint/2010/main" val="4233094777"/>
+      </p:ext>
+    </p:extLst>
+  </p:cSld>
+  <p:clrMapOvr>
+    <a:masterClrMapping/>
+  </p:clrMapOvr>
+</p:sld>
+</file>
+
+<file path=ppt/slides/slide6.xml><?xml version="1.0" encoding="utf-8"?>
+<p:sld xmlns:a="http://schemas.openxmlformats.org/drawingml/2006/main" xmlns:r="http://schemas.openxmlformats.org/officeDocument/2006/relationships" xmlns:p="http://schemas.openxmlformats.org/presentationml/2006/main">
+  <p:cSld>
+    <p:spTree>
+      <p:nvGrpSpPr>
+        <p:cNvPr id="1" name=""/>
+        <p:cNvGrpSpPr/>
+        <p:nvPr/>
+      </p:nvGrpSpPr>
+      <p:grpSpPr>
+        <a:xfrm>
+          <a:off x="0" y="0"/>
+          <a:ext cx="0" cy="0"/>
+          <a:chOff x="0" y="0"/>
+          <a:chExt cx="0" cy="0"/>
+        </a:xfrm>
+      </p:grpSpPr>
+      <p:pic>
+        <p:nvPicPr>
+          <p:cNvPr id="3" name="Picture 2" descr="Diagram, engineering drawing&#10;&#10;Description automatically generated">
+            <a:extLst>
+              <a:ext uri="{FF2B5EF4-FFF2-40B4-BE49-F238E27FC236}">
+                <a16:creationId xmlns:a16="http://schemas.microsoft.com/office/drawing/2014/main" id="{1DC884B9-4B2C-DB03-86CD-5E7B62EFD82E}"/>
+              </a:ext>
+            </a:extLst>
+          </p:cNvPr>
+          <p:cNvPicPr>
+            <a:picLocks noChangeAspect="1"/>
+          </p:cNvPicPr>
+          <p:nvPr/>
+        </p:nvPicPr>
+        <p:blipFill>
+          <a:blip r:embed="rId2">
+            <a:extLst>
+              <a:ext uri="{28A0092B-C50C-407E-A947-70E740481C1C}">
+                <a14:useLocalDpi xmlns:a14="http://schemas.microsoft.com/office/drawing/2010/main" val="0"/>
+              </a:ext>
+            </a:extLst>
+          </a:blip>
+          <a:stretch>
+            <a:fillRect/>
+          </a:stretch>
+        </p:blipFill>
+        <p:spPr>
+          <a:xfrm>
+            <a:off x="4748743" y="2372969"/>
+            <a:ext cx="4226229" cy="2975610"/>
+          </a:xfrm>
+          <a:prstGeom prst="rect">
+            <a:avLst/>
+          </a:prstGeom>
+        </p:spPr>
+      </p:pic>
+      <p:sp>
+        <p:nvSpPr>
+          <p:cNvPr id="2" name="Google Shape;680;p3">
+            <a:extLst>
+              <a:ext uri="{FF2B5EF4-FFF2-40B4-BE49-F238E27FC236}">
+                <a16:creationId xmlns:a16="http://schemas.microsoft.com/office/drawing/2014/main" id="{E29B2160-8264-4386-74BA-A545E571CC8C}"/>
+              </a:ext>
+            </a:extLst>
+          </p:cNvPr>
+          <p:cNvSpPr txBox="1"/>
+          <p:nvPr/>
+        </p:nvSpPr>
+        <p:spPr>
+          <a:xfrm>
+            <a:off x="2810974" y="41297"/>
+            <a:ext cx="3522051" cy="646290"/>
+          </a:xfrm>
+          <a:prstGeom prst="rect">
+            <a:avLst/>
+          </a:prstGeom>
+          <a:noFill/>
+          <a:ln>
+            <a:noFill/>
+          </a:ln>
+        </p:spPr>
+        <p:txBody>
+          <a:bodyPr spcFirstLastPara="1" wrap="square" lIns="91425" tIns="45700" rIns="91425" bIns="45700" anchor="t" anchorCtr="0">
+            <a:spAutoFit/>
+          </a:bodyPr>
+          <a:lstStyle/>
+          <a:p>
+            <a:r>
+              <a:rPr lang="en-GB" sz="3600" b="1" dirty="0">
+                <a:solidFill>
+                  <a:schemeClr val="accent1">
+                    <a:lumMod val="75000"/>
+                  </a:schemeClr>
+                </a:solidFill>
+              </a:rPr>
+              <a:t>Cost Function</a:t>
+            </a:r>
+          </a:p>
+        </p:txBody>
+      </p:sp>
+      <p:sp>
+        <p:nvSpPr>
+          <p:cNvPr id="8" name="CasellaDiTesto 7">
+            <a:extLst>
+              <a:ext uri="{FF2B5EF4-FFF2-40B4-BE49-F238E27FC236}">
+                <a16:creationId xmlns:a16="http://schemas.microsoft.com/office/drawing/2014/main" id="{FB49CA07-0485-87B4-D046-F5BA2C12BDCD}"/>
+              </a:ext>
+            </a:extLst>
+          </p:cNvPr>
+          <p:cNvSpPr txBox="1"/>
+          <p:nvPr/>
+        </p:nvSpPr>
+        <p:spPr>
+          <a:xfrm>
+            <a:off x="0" y="6588696"/>
+            <a:ext cx="3562597" cy="269304"/>
+          </a:xfrm>
+          <a:prstGeom prst="rect">
+            <a:avLst/>
+          </a:prstGeom>
+          <a:solidFill>
+            <a:schemeClr val="bg1"/>
+          </a:solidFill>
+        </p:spPr>
+        <p:txBody>
+          <a:bodyPr wrap="square" rtlCol="0">
+            <a:spAutoFit/>
+          </a:bodyPr>
+          <a:lstStyle/>
+          <a:p>
+            <a:r>
+              <a:rPr lang="it-IT" sz="1150" dirty="0"/>
+              <a:t>Cataldo, Giacomelli, Gottardini</a:t>
+            </a:r>
+          </a:p>
+        </p:txBody>
+      </p:sp>
+      <p:pic>
+        <p:nvPicPr>
+          <p:cNvPr id="10" name="Elemento grafico 9" descr="Robot contorno">
+            <a:extLst>
+              <a:ext uri="{FF2B5EF4-FFF2-40B4-BE49-F238E27FC236}">
+                <a16:creationId xmlns:a16="http://schemas.microsoft.com/office/drawing/2014/main" id="{5983B9A4-D0AA-4DF5-80E2-FD8411F0D5F5}"/>
+              </a:ext>
+            </a:extLst>
+          </p:cNvPr>
+          <p:cNvPicPr>
+            <a:picLocks noChangeAspect="1"/>
+          </p:cNvPicPr>
+          <p:nvPr/>
+        </p:nvPicPr>
+        <p:blipFill>
+          <a:blip r:embed="rId3" cstate="print">
+            <a:extLst>
+              <a:ext uri="{28A0092B-C50C-407E-A947-70E740481C1C}">
+                <a14:useLocalDpi xmlns:a14="http://schemas.microsoft.com/office/drawing/2010/main" val="0"/>
+              </a:ext>
+              <a:ext uri="{96DAC541-7B7A-43D3-8B79-37D633B846F1}">
+                <asvg:svgBlip xmlns:asvg="http://schemas.microsoft.com/office/drawing/2016/SVG/main" r:embed="rId4"/>
+              </a:ext>
+            </a:extLst>
+          </a:blip>
+          <a:stretch>
+            <a:fillRect/>
+          </a:stretch>
+        </p:blipFill>
+        <p:spPr>
+          <a:xfrm>
+            <a:off x="8542186" y="31286"/>
+            <a:ext cx="494935" cy="494935"/>
+          </a:xfrm>
+          <a:prstGeom prst="rect">
+            <a:avLst/>
+          </a:prstGeom>
+        </p:spPr>
+      </p:pic>
+      <mc:AlternateContent xmlns:mc="http://schemas.openxmlformats.org/markup-compatibility/2006">
+        <mc:Choice xmlns:a14="http://schemas.microsoft.com/office/drawing/2010/main" Requires="a14">
+          <p:sp>
+            <p:nvSpPr>
+              <p:cNvPr id="14" name="CasellaDiTesto 13">
+                <a:extLst>
+                  <a:ext uri="{FF2B5EF4-FFF2-40B4-BE49-F238E27FC236}">
+                    <a16:creationId xmlns:a16="http://schemas.microsoft.com/office/drawing/2014/main" id="{3F08E864-4F29-1E2C-5010-97F851DE2719}"/>
+                  </a:ext>
+                </a:extLst>
+              </p:cNvPr>
+              <p:cNvSpPr txBox="1"/>
+              <p:nvPr/>
+            </p:nvSpPr>
+            <p:spPr>
+              <a:xfrm>
+                <a:off x="362198" y="2784164"/>
+                <a:ext cx="2190997" cy="369332"/>
+              </a:xfrm>
+              <a:prstGeom prst="rect">
+                <a:avLst/>
+              </a:prstGeom>
+              <a:noFill/>
+            </p:spPr>
+            <p:txBody>
+              <a:bodyPr wrap="square">
+                <a:spAutoFit/>
+              </a:bodyPr>
+              <a:lstStyle/>
+              <a:p>
+                <a:pPr/>
+                <a14:m>
+                  <m:oMath xmlns:m="http://schemas.openxmlformats.org/officeDocument/2006/math">
+                    <m:acc>
+                      <m:accPr>
+                        <m:chr m:val="̇"/>
+                        <m:ctrlPr>
+                          <a:rPr lang="it-IT" i="1" smtClean="0">
+                            <a:solidFill>
+                              <a:srgbClr val="836967"/>
+                            </a:solidFill>
+                            <a:latin typeface="Cambria Math" panose="02040503050406030204" pitchFamily="18" charset="0"/>
+                          </a:rPr>
+                        </m:ctrlPr>
+                      </m:accPr>
+                      <m:e>
+                        <m:r>
+                          <a:rPr lang="it-IT" i="1">
+                            <a:latin typeface="Cambria Math" panose="02040503050406030204" pitchFamily="18" charset="0"/>
+                          </a:rPr>
+                          <m:t>𝑧</m:t>
+                        </m:r>
+                      </m:e>
+                    </m:acc>
+                    <m:d>
+                      <m:dPr>
+                        <m:ctrlPr>
+                          <a:rPr lang="it-IT" i="1">
+                            <a:latin typeface="Cambria Math" panose="02040503050406030204" pitchFamily="18" charset="0"/>
+                          </a:rPr>
+                        </m:ctrlPr>
+                      </m:dPr>
+                      <m:e>
+                        <m:r>
+                          <a:rPr lang="it-IT" i="1">
+                            <a:latin typeface="Cambria Math" panose="02040503050406030204" pitchFamily="18" charset="0"/>
+                          </a:rPr>
+                          <m:t>𝑡</m:t>
+                        </m:r>
+                      </m:e>
+                    </m:d>
+                    <m:r>
+                      <a:rPr lang="it-IT" i="0">
+                        <a:latin typeface="Cambria Math" panose="02040503050406030204" pitchFamily="18" charset="0"/>
+                      </a:rPr>
+                      <m:t>=</m:t>
+                    </m:r>
+                    <m:sSub>
+                      <m:sSubPr>
+                        <m:ctrlPr>
+                          <a:rPr lang="it-IT" i="1">
+                            <a:solidFill>
+                              <a:srgbClr val="836967"/>
+                            </a:solidFill>
+                            <a:latin typeface="Cambria Math" panose="02040503050406030204" pitchFamily="18" charset="0"/>
+                          </a:rPr>
+                        </m:ctrlPr>
+                      </m:sSubPr>
+                      <m:e>
+                        <m:r>
+                          <a:rPr lang="it-IT" i="1">
+                            <a:latin typeface="Cambria Math" panose="02040503050406030204" pitchFamily="18" charset="0"/>
+                          </a:rPr>
+                          <m:t>𝑓</m:t>
+                        </m:r>
+                      </m:e>
+                      <m:sub>
+                        <m:r>
+                          <a:rPr lang="it-IT" i="1">
+                            <a:latin typeface="Cambria Math" panose="02040503050406030204" pitchFamily="18" charset="0"/>
+                          </a:rPr>
+                          <m:t>𝑧</m:t>
+                        </m:r>
+                      </m:sub>
+                    </m:sSub>
+                    <m:r>
+                      <a:rPr lang="it-IT" b="0" i="1" smtClean="0">
+                        <a:latin typeface="Cambria Math" panose="02040503050406030204" pitchFamily="18" charset="0"/>
+                      </a:rPr>
+                      <m:t>(</m:t>
+                    </m:r>
+                  </m:oMath>
+                </a14:m>
+                <a:r>
+                  <a:rPr lang="it-IT" dirty="0"/>
+                  <a:t>z(t),u(t), x)</a:t>
+                </a:r>
+              </a:p>
+            </p:txBody>
+          </p:sp>
+        </mc:Choice>
+        <mc:Fallback>
+          <p:sp>
+            <p:nvSpPr>
+              <p:cNvPr id="14" name="CasellaDiTesto 13">
+                <a:extLst>
+                  <a:ext uri="{FF2B5EF4-FFF2-40B4-BE49-F238E27FC236}">
+                    <a16:creationId xmlns:a16="http://schemas.microsoft.com/office/drawing/2014/main" id="{3F08E864-4F29-1E2C-5010-97F851DE2719}"/>
+                  </a:ext>
+                </a:extLst>
+              </p:cNvPr>
+              <p:cNvSpPr txBox="1">
+                <a:spLocks noRot="1" noChangeAspect="1" noMove="1" noResize="1" noEditPoints="1" noAdjustHandles="1" noChangeArrowheads="1" noChangeShapeType="1" noTextEdit="1"/>
+              </p:cNvSpPr>
+              <p:nvPr/>
+            </p:nvSpPr>
+            <p:spPr>
+              <a:xfrm>
+                <a:off x="362198" y="2784164"/>
+                <a:ext cx="2190997" cy="369332"/>
+              </a:xfrm>
+              <a:prstGeom prst="rect">
+                <a:avLst/>
+              </a:prstGeom>
+              <a:blipFill>
+                <a:blip r:embed="rId5"/>
+                <a:stretch>
+                  <a:fillRect t="-10000" b="-26667"/>
+                </a:stretch>
+              </a:blipFill>
+            </p:spPr>
+            <p:txBody>
+              <a:bodyPr/>
+              <a:lstStyle/>
+              <a:p>
+                <a:r>
+                  <a:rPr lang="it-IT">
+                    <a:noFill/>
+                  </a:rPr>
+                  <a:t> </a:t>
+                </a:r>
+              </a:p>
+            </p:txBody>
+          </p:sp>
+        </mc:Fallback>
+      </mc:AlternateContent>
+      <mc:AlternateContent xmlns:mc="http://schemas.openxmlformats.org/markup-compatibility/2006">
+        <mc:Choice xmlns:a14="http://schemas.microsoft.com/office/drawing/2010/main" Requires="a14">
+          <p:sp>
+            <p:nvSpPr>
+              <p:cNvPr id="15" name="CasellaDiTesto 14">
+                <a:extLst>
+                  <a:ext uri="{FF2B5EF4-FFF2-40B4-BE49-F238E27FC236}">
+                    <a16:creationId xmlns:a16="http://schemas.microsoft.com/office/drawing/2014/main" id="{F81FAFA1-EAF3-88BA-6285-CEF900FD94F2}"/>
+                  </a:ext>
+                </a:extLst>
+              </p:cNvPr>
+              <p:cNvSpPr txBox="1"/>
+              <p:nvPr/>
+            </p:nvSpPr>
+            <p:spPr>
+              <a:xfrm>
+                <a:off x="356136" y="2356429"/>
+                <a:ext cx="4595750" cy="369332"/>
+              </a:xfrm>
+              <a:prstGeom prst="rect">
+                <a:avLst/>
+              </a:prstGeom>
+              <a:noFill/>
+            </p:spPr>
+            <p:txBody>
+              <a:bodyPr wrap="square">
+                <a:spAutoFit/>
+              </a:bodyPr>
+              <a:lstStyle/>
+              <a:p>
+                <a:pPr/>
+                <a14:m>
+                  <m:oMathPara xmlns:m="http://schemas.openxmlformats.org/officeDocument/2006/math">
+                    <m:oMathParaPr>
+                      <m:jc m:val="left"/>
+                    </m:oMathParaPr>
+                    <m:oMath xmlns:m="http://schemas.openxmlformats.org/officeDocument/2006/math">
+                      <m:r>
+                        <a:rPr lang="it-IT" i="1" smtClean="0">
+                          <a:solidFill>
+                            <a:srgbClr val="836967"/>
+                          </a:solidFill>
+                          <a:latin typeface="Cambria Math" panose="02040503050406030204" pitchFamily="18" charset="0"/>
+                        </a:rPr>
+                        <m:t>𝑆</m:t>
+                      </m:r>
+                      <m:r>
+                        <a:rPr lang="it-IT" b="0" i="1" smtClean="0">
+                          <a:solidFill>
+                            <a:srgbClr val="836967"/>
+                          </a:solidFill>
+                          <a:latin typeface="Cambria Math" panose="02040503050406030204" pitchFamily="18" charset="0"/>
+                        </a:rPr>
+                        <m:t>.</m:t>
+                      </m:r>
+                      <m:r>
+                        <a:rPr lang="it-IT" b="0" i="1" smtClean="0">
+                          <a:solidFill>
+                            <a:srgbClr val="836967"/>
+                          </a:solidFill>
+                          <a:latin typeface="Cambria Math" panose="02040503050406030204" pitchFamily="18" charset="0"/>
+                        </a:rPr>
+                        <m:t>𝑇</m:t>
+                      </m:r>
+                      <m:r>
+                        <a:rPr lang="it-IT" b="0" i="1" smtClean="0">
+                          <a:solidFill>
+                            <a:srgbClr val="836967"/>
+                          </a:solidFill>
+                          <a:latin typeface="Cambria Math" panose="02040503050406030204" pitchFamily="18" charset="0"/>
+                        </a:rPr>
+                        <m:t>.</m:t>
+                      </m:r>
+                    </m:oMath>
+                  </m:oMathPara>
+                </a14:m>
+                <a:endParaRPr lang="it-IT" dirty="0"/>
+              </a:p>
+            </p:txBody>
+          </p:sp>
+        </mc:Choice>
+        <mc:Fallback>
+          <p:sp>
+            <p:nvSpPr>
+              <p:cNvPr id="15" name="CasellaDiTesto 14">
+                <a:extLst>
+                  <a:ext uri="{FF2B5EF4-FFF2-40B4-BE49-F238E27FC236}">
+                    <a16:creationId xmlns:a16="http://schemas.microsoft.com/office/drawing/2014/main" id="{F81FAFA1-EAF3-88BA-6285-CEF900FD94F2}"/>
+                  </a:ext>
+                </a:extLst>
+              </p:cNvPr>
+              <p:cNvSpPr txBox="1">
+                <a:spLocks noRot="1" noChangeAspect="1" noMove="1" noResize="1" noEditPoints="1" noAdjustHandles="1" noChangeArrowheads="1" noChangeShapeType="1" noTextEdit="1"/>
+              </p:cNvSpPr>
+              <p:nvPr/>
+            </p:nvSpPr>
+            <p:spPr>
+              <a:xfrm>
+                <a:off x="356136" y="2356429"/>
+                <a:ext cx="4595750" cy="369332"/>
+              </a:xfrm>
+              <a:prstGeom prst="rect">
+                <a:avLst/>
+              </a:prstGeom>
+              <a:blipFill>
+                <a:blip r:embed="rId6"/>
+                <a:stretch>
+                  <a:fillRect/>
+                </a:stretch>
+              </a:blipFill>
+            </p:spPr>
+            <p:txBody>
+              <a:bodyPr/>
+              <a:lstStyle/>
+              <a:p>
+                <a:r>
+                  <a:rPr lang="it-IT">
+                    <a:noFill/>
+                  </a:rPr>
+                  <a:t> </a:t>
+                </a:r>
+              </a:p>
+            </p:txBody>
+          </p:sp>
+        </mc:Fallback>
+      </mc:AlternateContent>
+      <p:sp>
+        <p:nvSpPr>
+          <p:cNvPr id="16" name="Sottotitolo 2">
+            <a:extLst>
+              <a:ext uri="{FF2B5EF4-FFF2-40B4-BE49-F238E27FC236}">
+                <a16:creationId xmlns:a16="http://schemas.microsoft.com/office/drawing/2014/main" id="{5C27FE01-3D2D-4502-8499-0A1D258F93F1}"/>
+              </a:ext>
+            </a:extLst>
+          </p:cNvPr>
+          <p:cNvSpPr>
+            <a:spLocks noGrp="1"/>
+          </p:cNvSpPr>
+          <p:nvPr>
+            <p:ph type="subTitle" idx="1"/>
+          </p:nvPr>
+        </p:nvSpPr>
+        <p:spPr>
+          <a:xfrm>
+            <a:off x="2729939" y="2784164"/>
+            <a:ext cx="1842060" cy="432861"/>
+          </a:xfrm>
+        </p:spPr>
+        <p:txBody>
+          <a:bodyPr>
+            <a:normAutofit/>
+          </a:bodyPr>
+          <a:lstStyle/>
+          <a:p>
+            <a:pPr algn="l"/>
+            <a:r>
+              <a:rPr lang="en-US" sz="1800" dirty="0"/>
+              <a:t>Model Equations</a:t>
+            </a:r>
+          </a:p>
+        </p:txBody>
+      </p:sp>
+      <mc:AlternateContent xmlns:mc="http://schemas.openxmlformats.org/markup-compatibility/2006">
+        <mc:Choice xmlns:a14="http://schemas.microsoft.com/office/drawing/2010/main" Requires="a14">
+          <p:sp>
+            <p:nvSpPr>
+              <p:cNvPr id="17" name="CasellaDiTesto 16">
+                <a:extLst>
+                  <a:ext uri="{FF2B5EF4-FFF2-40B4-BE49-F238E27FC236}">
+                    <a16:creationId xmlns:a16="http://schemas.microsoft.com/office/drawing/2014/main" id="{E9A37DD2-6443-E0BB-0934-E59DD487EBAF}"/>
+                  </a:ext>
+                </a:extLst>
+              </p:cNvPr>
+              <p:cNvSpPr txBox="1"/>
+              <p:nvPr/>
+            </p:nvSpPr>
+            <p:spPr>
+              <a:xfrm>
+                <a:off x="348047" y="4203593"/>
+                <a:ext cx="2190997" cy="369332"/>
+              </a:xfrm>
+              <a:prstGeom prst="rect">
+                <a:avLst/>
+              </a:prstGeom>
+              <a:noFill/>
+            </p:spPr>
+            <p:txBody>
+              <a:bodyPr wrap="square">
+                <a:spAutoFit/>
+              </a:bodyPr>
+              <a:lstStyle/>
+              <a:p>
+                <a:pPr/>
+                <a14:m>
+                  <m:oMathPara xmlns:m="http://schemas.openxmlformats.org/officeDocument/2006/math">
+                    <m:oMathParaPr>
+                      <m:jc m:val="left"/>
+                    </m:oMathParaPr>
+                    <m:oMath xmlns:m="http://schemas.openxmlformats.org/officeDocument/2006/math">
+                      <m:r>
+                        <a:rPr lang="it-IT" i="1">
+                          <a:latin typeface="Cambria Math" panose="02040503050406030204" pitchFamily="18" charset="0"/>
+                        </a:rPr>
+                        <m:t>𝑧</m:t>
+                      </m:r>
+                      <m:d>
+                        <m:dPr>
+                          <m:ctrlPr>
+                            <a:rPr lang="it-IT" i="1">
+                              <a:latin typeface="Cambria Math" panose="02040503050406030204" pitchFamily="18" charset="0"/>
+                            </a:rPr>
+                          </m:ctrlPr>
+                        </m:dPr>
+                        <m:e>
+                          <m:r>
+                            <a:rPr lang="it-IT" i="1">
+                              <a:latin typeface="Cambria Math" panose="02040503050406030204" pitchFamily="18" charset="0"/>
+                            </a:rPr>
+                            <m:t>0</m:t>
+                          </m:r>
+                        </m:e>
+                      </m:d>
+                      <m:r>
+                        <a:rPr lang="it-IT">
+                          <a:latin typeface="Cambria Math" panose="02040503050406030204" pitchFamily="18" charset="0"/>
+                        </a:rPr>
+                        <m:t>=</m:t>
+                      </m:r>
+                      <m:sSub>
+                        <m:sSubPr>
+                          <m:ctrlPr>
+                            <a:rPr lang="it-IT" b="0" i="1" smtClean="0">
+                              <a:latin typeface="Cambria Math" panose="02040503050406030204" pitchFamily="18" charset="0"/>
+                            </a:rPr>
+                          </m:ctrlPr>
+                        </m:sSubPr>
+                        <m:e>
+                          <m:r>
+                            <a:rPr lang="it-IT" b="0" i="1" smtClean="0">
+                              <a:latin typeface="Cambria Math" panose="02040503050406030204" pitchFamily="18" charset="0"/>
+                            </a:rPr>
+                            <m:t>𝑧</m:t>
+                          </m:r>
+                        </m:e>
+                        <m:sub>
+                          <m:r>
+                            <a:rPr lang="it-IT" b="0" i="1" smtClean="0">
+                              <a:latin typeface="Cambria Math" panose="02040503050406030204" pitchFamily="18" charset="0"/>
+                            </a:rPr>
+                            <m:t>0</m:t>
+                          </m:r>
+                        </m:sub>
+                      </m:sSub>
+                    </m:oMath>
+                  </m:oMathPara>
+                </a14:m>
+                <a:endParaRPr lang="it-IT" dirty="0"/>
+              </a:p>
+            </p:txBody>
+          </p:sp>
+        </mc:Choice>
+        <mc:Fallback>
+          <p:sp>
+            <p:nvSpPr>
+              <p:cNvPr id="17" name="CasellaDiTesto 16">
+                <a:extLst>
+                  <a:ext uri="{FF2B5EF4-FFF2-40B4-BE49-F238E27FC236}">
+                    <a16:creationId xmlns:a16="http://schemas.microsoft.com/office/drawing/2014/main" id="{E9A37DD2-6443-E0BB-0934-E59DD487EBAF}"/>
+                  </a:ext>
+                </a:extLst>
+              </p:cNvPr>
+              <p:cNvSpPr txBox="1">
+                <a:spLocks noRot="1" noChangeAspect="1" noMove="1" noResize="1" noEditPoints="1" noAdjustHandles="1" noChangeArrowheads="1" noChangeShapeType="1" noTextEdit="1"/>
+              </p:cNvSpPr>
+              <p:nvPr/>
+            </p:nvSpPr>
+            <p:spPr>
+              <a:xfrm>
+                <a:off x="348047" y="4203593"/>
+                <a:ext cx="2190997" cy="369332"/>
+              </a:xfrm>
+              <a:prstGeom prst="rect">
+                <a:avLst/>
+              </a:prstGeom>
+              <a:blipFill>
+                <a:blip r:embed="rId7"/>
+                <a:stretch>
+                  <a:fillRect/>
+                </a:stretch>
+              </a:blipFill>
+            </p:spPr>
+            <p:txBody>
+              <a:bodyPr/>
+              <a:lstStyle/>
+              <a:p>
+                <a:r>
+                  <a:rPr lang="it-IT">
+                    <a:noFill/>
+                  </a:rPr>
+                  <a:t> </a:t>
+                </a:r>
+              </a:p>
+            </p:txBody>
+          </p:sp>
+        </mc:Fallback>
+      </mc:AlternateContent>
+      <p:sp>
+        <p:nvSpPr>
+          <p:cNvPr id="18" name="Sottotitolo 2">
+            <a:extLst>
+              <a:ext uri="{FF2B5EF4-FFF2-40B4-BE49-F238E27FC236}">
+                <a16:creationId xmlns:a16="http://schemas.microsoft.com/office/drawing/2014/main" id="{EEF93233-0DB3-809F-A388-FC5A4BDF54D4}"/>
+              </a:ext>
+            </a:extLst>
+          </p:cNvPr>
+          <p:cNvSpPr txBox="1">
+            <a:spLocks/>
+          </p:cNvSpPr>
+          <p:nvPr/>
+        </p:nvSpPr>
+        <p:spPr>
+          <a:xfrm>
+            <a:off x="2736507" y="4275688"/>
+            <a:ext cx="1842060" cy="432861"/>
+          </a:xfrm>
+          <a:prstGeom prst="rect">
+            <a:avLst/>
+          </a:prstGeom>
+        </p:spPr>
+        <p:txBody>
+          <a:bodyPr vert="horz" lIns="91440" tIns="45720" rIns="91440" bIns="45720" rtlCol="0">
+            <a:normAutofit/>
+          </a:bodyPr>
+          <a:lstStyle>
+            <a:lvl1pPr marL="0" indent="0" algn="ctr" defTabSz="914400" rtl="0" eaLnBrk="1" latinLnBrk="0" hangingPunct="1">
+              <a:lnSpc>
+                <a:spcPct val="90000"/>
+              </a:lnSpc>
+              <a:spcBef>
+                <a:spcPts val="1000"/>
+              </a:spcBef>
+              <a:buFont typeface="Arial" panose="020B0604020202020204" pitchFamily="34" charset="0"/>
+              <a:buNone/>
+              <a:defRPr sz="2400" kern="1200">
+                <a:solidFill>
+                  <a:schemeClr val="tx2">
+                    <a:lumMod val="50000"/>
+                  </a:schemeClr>
+                </a:solidFill>
+                <a:latin typeface="+mn-lt"/>
+                <a:ea typeface="+mn-ea"/>
+                <a:cs typeface="+mn-cs"/>
+              </a:defRPr>
+            </a:lvl1pPr>
+            <a:lvl2pPr marL="457200" indent="0" algn="ctr" defTabSz="914400" rtl="0" eaLnBrk="1" latinLnBrk="0" hangingPunct="1">
+              <a:lnSpc>
+                <a:spcPct val="90000"/>
+              </a:lnSpc>
+              <a:spcBef>
+                <a:spcPts val="500"/>
+              </a:spcBef>
+              <a:buFont typeface="Arial" panose="020B0604020202020204" pitchFamily="34" charset="0"/>
+              <a:buNone/>
+              <a:defRPr sz="2000" kern="1200">
+                <a:solidFill>
+                  <a:schemeClr val="tx2">
+                    <a:lumMod val="50000"/>
+                  </a:schemeClr>
+                </a:solidFill>
+                <a:latin typeface="+mn-lt"/>
+                <a:ea typeface="+mn-ea"/>
+                <a:cs typeface="+mn-cs"/>
+              </a:defRPr>
+            </a:lvl2pPr>
+            <a:lvl3pPr marL="914400" indent="0" algn="ctr" defTabSz="914400" rtl="0" eaLnBrk="1" latinLnBrk="0" hangingPunct="1">
+              <a:lnSpc>
+                <a:spcPct val="90000"/>
+              </a:lnSpc>
+              <a:spcBef>
+                <a:spcPts val="500"/>
+              </a:spcBef>
+              <a:buFont typeface="Arial" panose="020B0604020202020204" pitchFamily="34" charset="0"/>
+              <a:buNone/>
+              <a:defRPr sz="1800" kern="1200">
+                <a:solidFill>
+                  <a:schemeClr val="tx2">
+                    <a:lumMod val="50000"/>
+                  </a:schemeClr>
+                </a:solidFill>
+                <a:latin typeface="+mn-lt"/>
+                <a:ea typeface="+mn-ea"/>
+                <a:cs typeface="+mn-cs"/>
+              </a:defRPr>
+            </a:lvl3pPr>
+            <a:lvl4pPr marL="1371600" indent="0" algn="ctr" defTabSz="914400" rtl="0" eaLnBrk="1" latinLnBrk="0" hangingPunct="1">
+              <a:lnSpc>
+                <a:spcPct val="90000"/>
+              </a:lnSpc>
+              <a:spcBef>
+                <a:spcPts val="500"/>
+              </a:spcBef>
+              <a:buFont typeface="Arial" panose="020B0604020202020204" pitchFamily="34" charset="0"/>
+              <a:buNone/>
+              <a:defRPr sz="1600" kern="1200">
+                <a:solidFill>
+                  <a:schemeClr val="tx2">
+                    <a:lumMod val="50000"/>
+                  </a:schemeClr>
+                </a:solidFill>
+                <a:latin typeface="+mn-lt"/>
+                <a:ea typeface="+mn-ea"/>
+                <a:cs typeface="+mn-cs"/>
+              </a:defRPr>
+            </a:lvl4pPr>
+            <a:lvl5pPr marL="1828800" indent="0" algn="ctr" defTabSz="914400" rtl="0" eaLnBrk="1" latinLnBrk="0" hangingPunct="1">
+              <a:lnSpc>
+                <a:spcPct val="90000"/>
+              </a:lnSpc>
+              <a:spcBef>
+                <a:spcPts val="500"/>
+              </a:spcBef>
+              <a:buFont typeface="Arial" panose="020B0604020202020204" pitchFamily="34" charset="0"/>
+              <a:buNone/>
+              <a:defRPr sz="1600" kern="1200">
+                <a:solidFill>
+                  <a:schemeClr val="tx2">
+                    <a:lumMod val="50000"/>
+                  </a:schemeClr>
+                </a:solidFill>
+                <a:latin typeface="+mn-lt"/>
+                <a:ea typeface="+mn-ea"/>
+                <a:cs typeface="+mn-cs"/>
+              </a:defRPr>
+            </a:lvl5pPr>
+            <a:lvl6pPr marL="2286000" indent="0" algn="ctr" defTabSz="914400" rtl="0" eaLnBrk="1" latinLnBrk="0" hangingPunct="1">
+              <a:lnSpc>
+                <a:spcPct val="90000"/>
+              </a:lnSpc>
+              <a:spcBef>
+                <a:spcPts val="500"/>
+              </a:spcBef>
+              <a:buFont typeface="Arial" panose="020B0604020202020204" pitchFamily="34" charset="0"/>
+              <a:buNone/>
+              <a:defRPr sz="1600" kern="1200">
+                <a:solidFill>
+                  <a:schemeClr val="tx1"/>
+                </a:solidFill>
+                <a:latin typeface="+mn-lt"/>
+                <a:ea typeface="+mn-ea"/>
+                <a:cs typeface="+mn-cs"/>
+              </a:defRPr>
+            </a:lvl6pPr>
+            <a:lvl7pPr marL="2743200" indent="0" algn="ctr" defTabSz="914400" rtl="0" eaLnBrk="1" latinLnBrk="0" hangingPunct="1">
+              <a:lnSpc>
+                <a:spcPct val="90000"/>
+              </a:lnSpc>
+              <a:spcBef>
+                <a:spcPts val="500"/>
+              </a:spcBef>
+              <a:buFont typeface="Arial" panose="020B0604020202020204" pitchFamily="34" charset="0"/>
+              <a:buNone/>
+              <a:defRPr sz="1600" kern="1200">
+                <a:solidFill>
+                  <a:schemeClr val="tx1"/>
+                </a:solidFill>
+                <a:latin typeface="+mn-lt"/>
+                <a:ea typeface="+mn-ea"/>
+                <a:cs typeface="+mn-cs"/>
+              </a:defRPr>
+            </a:lvl7pPr>
+            <a:lvl8pPr marL="3200400" indent="0" algn="ctr" defTabSz="914400" rtl="0" eaLnBrk="1" latinLnBrk="0" hangingPunct="1">
+              <a:lnSpc>
+                <a:spcPct val="90000"/>
+              </a:lnSpc>
+              <a:spcBef>
+                <a:spcPts val="500"/>
+              </a:spcBef>
+              <a:buFont typeface="Arial" panose="020B0604020202020204" pitchFamily="34" charset="0"/>
+              <a:buNone/>
+              <a:defRPr sz="1600" kern="1200">
+                <a:solidFill>
+                  <a:schemeClr val="tx1"/>
+                </a:solidFill>
+                <a:latin typeface="+mn-lt"/>
+                <a:ea typeface="+mn-ea"/>
+                <a:cs typeface="+mn-cs"/>
+              </a:defRPr>
+            </a:lvl8pPr>
+            <a:lvl9pPr marL="3657600" indent="0" algn="ctr" defTabSz="914400" rtl="0" eaLnBrk="1" latinLnBrk="0" hangingPunct="1">
+              <a:lnSpc>
+                <a:spcPct val="90000"/>
+              </a:lnSpc>
+              <a:spcBef>
+                <a:spcPts val="500"/>
+              </a:spcBef>
+              <a:buFont typeface="Arial" panose="020B0604020202020204" pitchFamily="34" charset="0"/>
+              <a:buNone/>
+              <a:defRPr sz="1600" kern="1200">
+                <a:solidFill>
+                  <a:schemeClr val="tx1"/>
+                </a:solidFill>
+                <a:latin typeface="+mn-lt"/>
+                <a:ea typeface="+mn-ea"/>
+                <a:cs typeface="+mn-cs"/>
+              </a:defRPr>
+            </a:lvl9pPr>
+          </a:lstStyle>
+          <a:p>
+            <a:pPr algn="l"/>
+            <a:r>
+              <a:rPr lang="en-US" sz="1800" dirty="0"/>
+              <a:t>Initial State</a:t>
+            </a:r>
+          </a:p>
+        </p:txBody>
+      </p:sp>
+      <p:sp>
+        <p:nvSpPr>
+          <p:cNvPr id="20" name="Sottotitolo 2">
+            <a:extLst>
+              <a:ext uri="{FF2B5EF4-FFF2-40B4-BE49-F238E27FC236}">
+                <a16:creationId xmlns:a16="http://schemas.microsoft.com/office/drawing/2014/main" id="{F6D66C62-E81F-B4D3-D7BC-3E6609774D1A}"/>
+              </a:ext>
+            </a:extLst>
+          </p:cNvPr>
+          <p:cNvSpPr txBox="1">
+            <a:spLocks/>
+          </p:cNvSpPr>
+          <p:nvPr/>
+        </p:nvSpPr>
+        <p:spPr>
+          <a:xfrm>
+            <a:off x="2729939" y="4735134"/>
+            <a:ext cx="1842060" cy="432861"/>
+          </a:xfrm>
+          <a:prstGeom prst="rect">
+            <a:avLst/>
+          </a:prstGeom>
+        </p:spPr>
+        <p:txBody>
+          <a:bodyPr vert="horz" lIns="91440" tIns="45720" rIns="91440" bIns="45720" rtlCol="0">
+            <a:normAutofit/>
+          </a:bodyPr>
+          <a:lstStyle>
+            <a:lvl1pPr marL="0" indent="0" algn="ctr" defTabSz="914400" rtl="0" eaLnBrk="1" latinLnBrk="0" hangingPunct="1">
+              <a:lnSpc>
+                <a:spcPct val="90000"/>
+              </a:lnSpc>
+              <a:spcBef>
+                <a:spcPts val="1000"/>
+              </a:spcBef>
+              <a:buFont typeface="Arial" panose="020B0604020202020204" pitchFamily="34" charset="0"/>
+              <a:buNone/>
+              <a:defRPr sz="2400" kern="1200">
+                <a:solidFill>
+                  <a:schemeClr val="tx2">
+                    <a:lumMod val="50000"/>
+                  </a:schemeClr>
+                </a:solidFill>
+                <a:latin typeface="+mn-lt"/>
+                <a:ea typeface="+mn-ea"/>
+                <a:cs typeface="+mn-cs"/>
+              </a:defRPr>
+            </a:lvl1pPr>
+            <a:lvl2pPr marL="457200" indent="0" algn="ctr" defTabSz="914400" rtl="0" eaLnBrk="1" latinLnBrk="0" hangingPunct="1">
+              <a:lnSpc>
+                <a:spcPct val="90000"/>
+              </a:lnSpc>
+              <a:spcBef>
+                <a:spcPts val="500"/>
+              </a:spcBef>
+              <a:buFont typeface="Arial" panose="020B0604020202020204" pitchFamily="34" charset="0"/>
+              <a:buNone/>
+              <a:defRPr sz="2000" kern="1200">
+                <a:solidFill>
+                  <a:schemeClr val="tx2">
+                    <a:lumMod val="50000"/>
+                  </a:schemeClr>
+                </a:solidFill>
+                <a:latin typeface="+mn-lt"/>
+                <a:ea typeface="+mn-ea"/>
+                <a:cs typeface="+mn-cs"/>
+              </a:defRPr>
+            </a:lvl2pPr>
+            <a:lvl3pPr marL="914400" indent="0" algn="ctr" defTabSz="914400" rtl="0" eaLnBrk="1" latinLnBrk="0" hangingPunct="1">
+              <a:lnSpc>
+                <a:spcPct val="90000"/>
+              </a:lnSpc>
+              <a:spcBef>
+                <a:spcPts val="500"/>
+              </a:spcBef>
+              <a:buFont typeface="Arial" panose="020B0604020202020204" pitchFamily="34" charset="0"/>
+              <a:buNone/>
+              <a:defRPr sz="1800" kern="1200">
+                <a:solidFill>
+                  <a:schemeClr val="tx2">
+                    <a:lumMod val="50000"/>
+                  </a:schemeClr>
+                </a:solidFill>
+                <a:latin typeface="+mn-lt"/>
+                <a:ea typeface="+mn-ea"/>
+                <a:cs typeface="+mn-cs"/>
+              </a:defRPr>
+            </a:lvl3pPr>
+            <a:lvl4pPr marL="1371600" indent="0" algn="ctr" defTabSz="914400" rtl="0" eaLnBrk="1" latinLnBrk="0" hangingPunct="1">
+              <a:lnSpc>
+                <a:spcPct val="90000"/>
+              </a:lnSpc>
+              <a:spcBef>
+                <a:spcPts val="500"/>
+              </a:spcBef>
+              <a:buFont typeface="Arial" panose="020B0604020202020204" pitchFamily="34" charset="0"/>
+              <a:buNone/>
+              <a:defRPr sz="1600" kern="1200">
+                <a:solidFill>
+                  <a:schemeClr val="tx2">
+                    <a:lumMod val="50000"/>
+                  </a:schemeClr>
+                </a:solidFill>
+                <a:latin typeface="+mn-lt"/>
+                <a:ea typeface="+mn-ea"/>
+                <a:cs typeface="+mn-cs"/>
+              </a:defRPr>
+            </a:lvl4pPr>
+            <a:lvl5pPr marL="1828800" indent="0" algn="ctr" defTabSz="914400" rtl="0" eaLnBrk="1" latinLnBrk="0" hangingPunct="1">
+              <a:lnSpc>
+                <a:spcPct val="90000"/>
+              </a:lnSpc>
+              <a:spcBef>
+                <a:spcPts val="500"/>
+              </a:spcBef>
+              <a:buFont typeface="Arial" panose="020B0604020202020204" pitchFamily="34" charset="0"/>
+              <a:buNone/>
+              <a:defRPr sz="1600" kern="1200">
+                <a:solidFill>
+                  <a:schemeClr val="tx2">
+                    <a:lumMod val="50000"/>
+                  </a:schemeClr>
+                </a:solidFill>
+                <a:latin typeface="+mn-lt"/>
+                <a:ea typeface="+mn-ea"/>
+                <a:cs typeface="+mn-cs"/>
+              </a:defRPr>
+            </a:lvl5pPr>
+            <a:lvl6pPr marL="2286000" indent="0" algn="ctr" defTabSz="914400" rtl="0" eaLnBrk="1" latinLnBrk="0" hangingPunct="1">
+              <a:lnSpc>
+                <a:spcPct val="90000"/>
+              </a:lnSpc>
+              <a:spcBef>
+                <a:spcPts val="500"/>
+              </a:spcBef>
+              <a:buFont typeface="Arial" panose="020B0604020202020204" pitchFamily="34" charset="0"/>
+              <a:buNone/>
+              <a:defRPr sz="1600" kern="1200">
+                <a:solidFill>
+                  <a:schemeClr val="tx1"/>
+                </a:solidFill>
+                <a:latin typeface="+mn-lt"/>
+                <a:ea typeface="+mn-ea"/>
+                <a:cs typeface="+mn-cs"/>
+              </a:defRPr>
+            </a:lvl6pPr>
+            <a:lvl7pPr marL="2743200" indent="0" algn="ctr" defTabSz="914400" rtl="0" eaLnBrk="1" latinLnBrk="0" hangingPunct="1">
+              <a:lnSpc>
+                <a:spcPct val="90000"/>
+              </a:lnSpc>
+              <a:spcBef>
+                <a:spcPts val="500"/>
+              </a:spcBef>
+              <a:buFont typeface="Arial" panose="020B0604020202020204" pitchFamily="34" charset="0"/>
+              <a:buNone/>
+              <a:defRPr sz="1600" kern="1200">
+                <a:solidFill>
+                  <a:schemeClr val="tx1"/>
+                </a:solidFill>
+                <a:latin typeface="+mn-lt"/>
+                <a:ea typeface="+mn-ea"/>
+                <a:cs typeface="+mn-cs"/>
+              </a:defRPr>
+            </a:lvl7pPr>
+            <a:lvl8pPr marL="3200400" indent="0" algn="ctr" defTabSz="914400" rtl="0" eaLnBrk="1" latinLnBrk="0" hangingPunct="1">
+              <a:lnSpc>
+                <a:spcPct val="90000"/>
+              </a:lnSpc>
+              <a:spcBef>
+                <a:spcPts val="500"/>
+              </a:spcBef>
+              <a:buFont typeface="Arial" panose="020B0604020202020204" pitchFamily="34" charset="0"/>
+              <a:buNone/>
+              <a:defRPr sz="1600" kern="1200">
+                <a:solidFill>
+                  <a:schemeClr val="tx1"/>
+                </a:solidFill>
+                <a:latin typeface="+mn-lt"/>
+                <a:ea typeface="+mn-ea"/>
+                <a:cs typeface="+mn-cs"/>
+              </a:defRPr>
+            </a:lvl8pPr>
+            <a:lvl9pPr marL="3657600" indent="0" algn="ctr" defTabSz="914400" rtl="0" eaLnBrk="1" latinLnBrk="0" hangingPunct="1">
+              <a:lnSpc>
+                <a:spcPct val="90000"/>
+              </a:lnSpc>
+              <a:spcBef>
+                <a:spcPts val="500"/>
+              </a:spcBef>
+              <a:buFont typeface="Arial" panose="020B0604020202020204" pitchFamily="34" charset="0"/>
+              <a:buNone/>
+              <a:defRPr sz="1600" kern="1200">
+                <a:solidFill>
+                  <a:schemeClr val="tx1"/>
+                </a:solidFill>
+                <a:latin typeface="+mn-lt"/>
+                <a:ea typeface="+mn-ea"/>
+                <a:cs typeface="+mn-cs"/>
+              </a:defRPr>
+            </a:lvl9pPr>
+          </a:lstStyle>
+          <a:p>
+            <a:pPr algn="l"/>
+            <a:r>
+              <a:rPr lang="en-US" sz="1800" dirty="0"/>
+              <a:t>Final State</a:t>
+            </a:r>
+          </a:p>
+        </p:txBody>
+      </p:sp>
+      <mc:AlternateContent xmlns:mc="http://schemas.openxmlformats.org/markup-compatibility/2006">
+        <mc:Choice xmlns:a14="http://schemas.microsoft.com/office/drawing/2010/main" Requires="a14">
+          <p:sp>
+            <p:nvSpPr>
+              <p:cNvPr id="21" name="CasellaDiTesto 20">
+                <a:extLst>
+                  <a:ext uri="{FF2B5EF4-FFF2-40B4-BE49-F238E27FC236}">
+                    <a16:creationId xmlns:a16="http://schemas.microsoft.com/office/drawing/2014/main" id="{E44374F8-9EC9-E4E1-04AE-598967533A39}"/>
+                  </a:ext>
+                </a:extLst>
+              </p:cNvPr>
+              <p:cNvSpPr txBox="1"/>
+              <p:nvPr/>
+            </p:nvSpPr>
+            <p:spPr>
+              <a:xfrm>
+                <a:off x="356136" y="4650562"/>
+                <a:ext cx="2190997" cy="391582"/>
+              </a:xfrm>
+              <a:prstGeom prst="rect">
+                <a:avLst/>
+              </a:prstGeom>
+              <a:noFill/>
+            </p:spPr>
+            <p:txBody>
+              <a:bodyPr wrap="square">
+                <a:spAutoFit/>
+              </a:bodyPr>
+              <a:lstStyle/>
+              <a:p>
+                <a:pPr/>
+                <a14:m>
+                  <m:oMathPara xmlns:m="http://schemas.openxmlformats.org/officeDocument/2006/math">
+                    <m:oMathParaPr>
+                      <m:jc m:val="left"/>
+                    </m:oMathParaPr>
+                    <m:oMath xmlns:m="http://schemas.openxmlformats.org/officeDocument/2006/math">
+                      <m:r>
+                        <a:rPr lang="it-IT" i="1" smtClean="0">
+                          <a:latin typeface="Cambria Math" panose="02040503050406030204" pitchFamily="18" charset="0"/>
+                        </a:rPr>
+                        <m:t>𝑧</m:t>
+                      </m:r>
+                      <m:d>
+                        <m:dPr>
+                          <m:ctrlPr>
+                            <a:rPr lang="it-IT" i="1">
+                              <a:latin typeface="Cambria Math" panose="02040503050406030204" pitchFamily="18" charset="0"/>
+                            </a:rPr>
+                          </m:ctrlPr>
+                        </m:dPr>
+                        <m:e>
+                          <m:r>
+                            <a:rPr lang="it-IT" b="0" i="1" smtClean="0">
+                              <a:latin typeface="Cambria Math" panose="02040503050406030204" pitchFamily="18" charset="0"/>
+                            </a:rPr>
+                            <m:t>𝑇</m:t>
+                          </m:r>
+                        </m:e>
+                      </m:d>
+                      <m:r>
+                        <a:rPr lang="it-IT">
+                          <a:latin typeface="Cambria Math" panose="02040503050406030204" pitchFamily="18" charset="0"/>
+                        </a:rPr>
+                        <m:t>=</m:t>
+                      </m:r>
+                      <m:sSub>
+                        <m:sSubPr>
+                          <m:ctrlPr>
+                            <a:rPr lang="it-IT" b="0" i="1" smtClean="0">
+                              <a:latin typeface="Cambria Math" panose="02040503050406030204" pitchFamily="18" charset="0"/>
+                            </a:rPr>
+                          </m:ctrlPr>
+                        </m:sSubPr>
+                        <m:e>
+                          <m:r>
+                            <a:rPr lang="it-IT" b="0" i="1" smtClean="0">
+                              <a:latin typeface="Cambria Math" panose="02040503050406030204" pitchFamily="18" charset="0"/>
+                            </a:rPr>
+                            <m:t>𝑧</m:t>
+                          </m:r>
+                        </m:e>
+                        <m:sub>
+                          <m:r>
+                            <a:rPr lang="it-IT" b="0" i="1" smtClean="0">
+                              <a:latin typeface="Cambria Math" panose="02040503050406030204" pitchFamily="18" charset="0"/>
+                            </a:rPr>
+                            <m:t>𝑓𝑖𝑛𝑎𝑙</m:t>
+                          </m:r>
+                        </m:sub>
+                      </m:sSub>
+                    </m:oMath>
+                  </m:oMathPara>
+                </a14:m>
+                <a:endParaRPr lang="it-IT" dirty="0"/>
+              </a:p>
+            </p:txBody>
+          </p:sp>
+        </mc:Choice>
+        <mc:Fallback>
+          <p:sp>
+            <p:nvSpPr>
+              <p:cNvPr id="21" name="CasellaDiTesto 20">
+                <a:extLst>
+                  <a:ext uri="{FF2B5EF4-FFF2-40B4-BE49-F238E27FC236}">
+                    <a16:creationId xmlns:a16="http://schemas.microsoft.com/office/drawing/2014/main" id="{E44374F8-9EC9-E4E1-04AE-598967533A39}"/>
+                  </a:ext>
+                </a:extLst>
+              </p:cNvPr>
+              <p:cNvSpPr txBox="1">
+                <a:spLocks noRot="1" noChangeAspect="1" noMove="1" noResize="1" noEditPoints="1" noAdjustHandles="1" noChangeArrowheads="1" noChangeShapeType="1" noTextEdit="1"/>
+              </p:cNvSpPr>
+              <p:nvPr/>
+            </p:nvSpPr>
+            <p:spPr>
+              <a:xfrm>
+                <a:off x="356136" y="4650562"/>
+                <a:ext cx="2190997" cy="391582"/>
+              </a:xfrm>
+              <a:prstGeom prst="rect">
+                <a:avLst/>
+              </a:prstGeom>
+              <a:blipFill>
+                <a:blip r:embed="rId8"/>
+                <a:stretch>
+                  <a:fillRect b="-10938"/>
+                </a:stretch>
+              </a:blipFill>
+            </p:spPr>
+            <p:txBody>
+              <a:bodyPr/>
+              <a:lstStyle/>
+              <a:p>
+                <a:r>
+                  <a:rPr lang="it-IT">
+                    <a:noFill/>
+                  </a:rPr>
+                  <a:t> </a:t>
+                </a:r>
+              </a:p>
+            </p:txBody>
+          </p:sp>
+        </mc:Fallback>
+      </mc:AlternateContent>
+      <mc:AlternateContent xmlns:mc="http://schemas.openxmlformats.org/markup-compatibility/2006">
+        <mc:Choice xmlns:a14="http://schemas.microsoft.com/office/drawing/2010/main" Requires="a14">
+          <p:sp>
+            <p:nvSpPr>
+              <p:cNvPr id="22" name="CasellaDiTesto 21">
+                <a:extLst>
+                  <a:ext uri="{FF2B5EF4-FFF2-40B4-BE49-F238E27FC236}">
+                    <a16:creationId xmlns:a16="http://schemas.microsoft.com/office/drawing/2014/main" id="{741A4107-7EAF-5284-78BD-B29F8DCC89BD}"/>
+                  </a:ext>
+                </a:extLst>
+              </p:cNvPr>
+              <p:cNvSpPr txBox="1"/>
+              <p:nvPr/>
+            </p:nvSpPr>
+            <p:spPr>
+              <a:xfrm>
+                <a:off x="344510" y="3257307"/>
+                <a:ext cx="2190997" cy="369332"/>
+              </a:xfrm>
+              <a:prstGeom prst="rect">
+                <a:avLst/>
+              </a:prstGeom>
+              <a:noFill/>
+            </p:spPr>
+            <p:txBody>
+              <a:bodyPr wrap="square">
+                <a:spAutoFit/>
+              </a:bodyPr>
+              <a:lstStyle/>
+              <a:p>
+                <a:pPr/>
+                <a14:m>
+                  <m:oMathPara xmlns:m="http://schemas.openxmlformats.org/officeDocument/2006/math">
+                    <m:oMathParaPr>
+                      <m:jc m:val="left"/>
+                    </m:oMathParaPr>
+                    <m:oMath xmlns:m="http://schemas.openxmlformats.org/officeDocument/2006/math">
+                      <m:r>
+                        <a:rPr lang="it-IT" b="0" i="1" smtClean="0">
+                          <a:latin typeface="Cambria Math" panose="02040503050406030204" pitchFamily="18" charset="0"/>
+                          <a:ea typeface="Cambria Math" panose="02040503050406030204" pitchFamily="18" charset="0"/>
+                        </a:rPr>
+                        <m:t>𝑟</m:t>
+                      </m:r>
+                      <m:r>
+                        <a:rPr lang="it-IT" b="0" i="1" smtClean="0">
+                          <a:latin typeface="Cambria Math" panose="02040503050406030204" pitchFamily="18" charset="0"/>
+                          <a:ea typeface="Cambria Math" panose="02040503050406030204" pitchFamily="18" charset="0"/>
+                        </a:rPr>
+                        <m:t>(</m:t>
+                      </m:r>
+                      <m:r>
+                        <a:rPr lang="it-IT" b="0" i="1" smtClean="0">
+                          <a:latin typeface="Cambria Math" panose="02040503050406030204" pitchFamily="18" charset="0"/>
+                          <a:ea typeface="Cambria Math" panose="02040503050406030204" pitchFamily="18" charset="0"/>
+                        </a:rPr>
+                        <m:t>𝑡</m:t>
+                      </m:r>
+                      <m:r>
+                        <a:rPr lang="it-IT" b="0" i="1" smtClean="0">
+                          <a:latin typeface="Cambria Math" panose="02040503050406030204" pitchFamily="18" charset="0"/>
+                          <a:ea typeface="Cambria Math" panose="02040503050406030204" pitchFamily="18" charset="0"/>
+                        </a:rPr>
+                        <m:t>)≥ </m:t>
+                      </m:r>
+                      <m:bar>
+                        <m:barPr>
+                          <m:pos m:val="top"/>
+                          <m:ctrlPr>
+                            <a:rPr lang="it-IT" b="0" i="1" smtClean="0">
+                              <a:latin typeface="Cambria Math" panose="02040503050406030204" pitchFamily="18" charset="0"/>
+                              <a:ea typeface="Cambria Math" panose="02040503050406030204" pitchFamily="18" charset="0"/>
+                            </a:rPr>
+                          </m:ctrlPr>
+                        </m:barPr>
+                        <m:e>
+                          <m:r>
+                            <a:rPr lang="it-IT" b="0" i="1" smtClean="0">
+                              <a:latin typeface="Cambria Math" panose="02040503050406030204" pitchFamily="18" charset="0"/>
+                              <a:ea typeface="Cambria Math" panose="02040503050406030204" pitchFamily="18" charset="0"/>
+                            </a:rPr>
+                            <m:t>𝑟</m:t>
+                          </m:r>
+                        </m:e>
+                      </m:bar>
+                    </m:oMath>
+                  </m:oMathPara>
+                </a14:m>
+                <a:endParaRPr lang="it-IT" dirty="0"/>
+              </a:p>
+            </p:txBody>
+          </p:sp>
+        </mc:Choice>
+        <mc:Fallback>
+          <p:sp>
+            <p:nvSpPr>
+              <p:cNvPr id="22" name="CasellaDiTesto 21">
+                <a:extLst>
+                  <a:ext uri="{FF2B5EF4-FFF2-40B4-BE49-F238E27FC236}">
+                    <a16:creationId xmlns:a16="http://schemas.microsoft.com/office/drawing/2014/main" id="{741A4107-7EAF-5284-78BD-B29F8DCC89BD}"/>
+                  </a:ext>
+                </a:extLst>
+              </p:cNvPr>
+              <p:cNvSpPr txBox="1">
+                <a:spLocks noRot="1" noChangeAspect="1" noMove="1" noResize="1" noEditPoints="1" noAdjustHandles="1" noChangeArrowheads="1" noChangeShapeType="1" noTextEdit="1"/>
+              </p:cNvSpPr>
+              <p:nvPr/>
+            </p:nvSpPr>
+            <p:spPr>
+              <a:xfrm>
+                <a:off x="344510" y="3257307"/>
+                <a:ext cx="2190997" cy="369332"/>
+              </a:xfrm>
+              <a:prstGeom prst="rect">
+                <a:avLst/>
+              </a:prstGeom>
+              <a:blipFill>
+                <a:blip r:embed="rId9"/>
+                <a:stretch>
+                  <a:fillRect b="-13115"/>
+                </a:stretch>
+              </a:blipFill>
+            </p:spPr>
+            <p:txBody>
+              <a:bodyPr/>
+              <a:lstStyle/>
+              <a:p>
+                <a:r>
+                  <a:rPr lang="it-IT">
+                    <a:noFill/>
+                  </a:rPr>
+                  <a:t> </a:t>
+                </a:r>
+              </a:p>
+            </p:txBody>
+          </p:sp>
+        </mc:Fallback>
+      </mc:AlternateContent>
+      <p:sp>
+        <p:nvSpPr>
+          <p:cNvPr id="23" name="Sottotitolo 2">
+            <a:extLst>
+              <a:ext uri="{FF2B5EF4-FFF2-40B4-BE49-F238E27FC236}">
+                <a16:creationId xmlns:a16="http://schemas.microsoft.com/office/drawing/2014/main" id="{21841571-11EA-47E1-FE16-DDB693284E7B}"/>
+              </a:ext>
+            </a:extLst>
+          </p:cNvPr>
+          <p:cNvSpPr txBox="1">
+            <a:spLocks/>
+          </p:cNvSpPr>
+          <p:nvPr/>
+        </p:nvSpPr>
+        <p:spPr>
+          <a:xfrm>
+            <a:off x="2729939" y="3293160"/>
+            <a:ext cx="1842060" cy="432861"/>
+          </a:xfrm>
+          <a:prstGeom prst="rect">
+            <a:avLst/>
+          </a:prstGeom>
+        </p:spPr>
+        <p:txBody>
+          <a:bodyPr vert="horz" lIns="91440" tIns="45720" rIns="91440" bIns="45720" rtlCol="0">
+            <a:normAutofit fontScale="85000" lnSpcReduction="20000"/>
+          </a:bodyPr>
+          <a:lstStyle>
+            <a:lvl1pPr marL="0" indent="0" algn="ctr" defTabSz="914400" rtl="0" eaLnBrk="1" latinLnBrk="0" hangingPunct="1">
+              <a:lnSpc>
+                <a:spcPct val="90000"/>
+              </a:lnSpc>
+              <a:spcBef>
+                <a:spcPts val="1000"/>
+              </a:spcBef>
+              <a:buFont typeface="Arial" panose="020B0604020202020204" pitchFamily="34" charset="0"/>
+              <a:buNone/>
+              <a:defRPr sz="2400" kern="1200">
+                <a:solidFill>
+                  <a:schemeClr val="tx2">
+                    <a:lumMod val="50000"/>
+                  </a:schemeClr>
+                </a:solidFill>
+                <a:latin typeface="+mn-lt"/>
+                <a:ea typeface="+mn-ea"/>
+                <a:cs typeface="+mn-cs"/>
+              </a:defRPr>
+            </a:lvl1pPr>
+            <a:lvl2pPr marL="457200" indent="0" algn="ctr" defTabSz="914400" rtl="0" eaLnBrk="1" latinLnBrk="0" hangingPunct="1">
+              <a:lnSpc>
+                <a:spcPct val="90000"/>
+              </a:lnSpc>
+              <a:spcBef>
+                <a:spcPts val="500"/>
+              </a:spcBef>
+              <a:buFont typeface="Arial" panose="020B0604020202020204" pitchFamily="34" charset="0"/>
+              <a:buNone/>
+              <a:defRPr sz="2000" kern="1200">
+                <a:solidFill>
+                  <a:schemeClr val="tx2">
+                    <a:lumMod val="50000"/>
+                  </a:schemeClr>
+                </a:solidFill>
+                <a:latin typeface="+mn-lt"/>
+                <a:ea typeface="+mn-ea"/>
+                <a:cs typeface="+mn-cs"/>
+              </a:defRPr>
+            </a:lvl2pPr>
+            <a:lvl3pPr marL="914400" indent="0" algn="ctr" defTabSz="914400" rtl="0" eaLnBrk="1" latinLnBrk="0" hangingPunct="1">
+              <a:lnSpc>
+                <a:spcPct val="90000"/>
+              </a:lnSpc>
+              <a:spcBef>
+                <a:spcPts val="500"/>
+              </a:spcBef>
+              <a:buFont typeface="Arial" panose="020B0604020202020204" pitchFamily="34" charset="0"/>
+              <a:buNone/>
+              <a:defRPr sz="1800" kern="1200">
+                <a:solidFill>
+                  <a:schemeClr val="tx2">
+                    <a:lumMod val="50000"/>
+                  </a:schemeClr>
+                </a:solidFill>
+                <a:latin typeface="+mn-lt"/>
+                <a:ea typeface="+mn-ea"/>
+                <a:cs typeface="+mn-cs"/>
+              </a:defRPr>
+            </a:lvl3pPr>
+            <a:lvl4pPr marL="1371600" indent="0" algn="ctr" defTabSz="914400" rtl="0" eaLnBrk="1" latinLnBrk="0" hangingPunct="1">
+              <a:lnSpc>
+                <a:spcPct val="90000"/>
+              </a:lnSpc>
+              <a:spcBef>
+                <a:spcPts val="500"/>
+              </a:spcBef>
+              <a:buFont typeface="Arial" panose="020B0604020202020204" pitchFamily="34" charset="0"/>
+              <a:buNone/>
+              <a:defRPr sz="1600" kern="1200">
+                <a:solidFill>
+                  <a:schemeClr val="tx2">
+                    <a:lumMod val="50000"/>
+                  </a:schemeClr>
+                </a:solidFill>
+                <a:latin typeface="+mn-lt"/>
+                <a:ea typeface="+mn-ea"/>
+                <a:cs typeface="+mn-cs"/>
+              </a:defRPr>
+            </a:lvl4pPr>
+            <a:lvl5pPr marL="1828800" indent="0" algn="ctr" defTabSz="914400" rtl="0" eaLnBrk="1" latinLnBrk="0" hangingPunct="1">
+              <a:lnSpc>
+                <a:spcPct val="90000"/>
+              </a:lnSpc>
+              <a:spcBef>
+                <a:spcPts val="500"/>
+              </a:spcBef>
+              <a:buFont typeface="Arial" panose="020B0604020202020204" pitchFamily="34" charset="0"/>
+              <a:buNone/>
+              <a:defRPr sz="1600" kern="1200">
+                <a:solidFill>
+                  <a:schemeClr val="tx2">
+                    <a:lumMod val="50000"/>
+                  </a:schemeClr>
+                </a:solidFill>
+                <a:latin typeface="+mn-lt"/>
+                <a:ea typeface="+mn-ea"/>
+                <a:cs typeface="+mn-cs"/>
+              </a:defRPr>
+            </a:lvl5pPr>
+            <a:lvl6pPr marL="2286000" indent="0" algn="ctr" defTabSz="914400" rtl="0" eaLnBrk="1" latinLnBrk="0" hangingPunct="1">
+              <a:lnSpc>
+                <a:spcPct val="90000"/>
+              </a:lnSpc>
+              <a:spcBef>
+                <a:spcPts val="500"/>
+              </a:spcBef>
+              <a:buFont typeface="Arial" panose="020B0604020202020204" pitchFamily="34" charset="0"/>
+              <a:buNone/>
+              <a:defRPr sz="1600" kern="1200">
+                <a:solidFill>
+                  <a:schemeClr val="tx1"/>
+                </a:solidFill>
+                <a:latin typeface="+mn-lt"/>
+                <a:ea typeface="+mn-ea"/>
+                <a:cs typeface="+mn-cs"/>
+              </a:defRPr>
+            </a:lvl6pPr>
+            <a:lvl7pPr marL="2743200" indent="0" algn="ctr" defTabSz="914400" rtl="0" eaLnBrk="1" latinLnBrk="0" hangingPunct="1">
+              <a:lnSpc>
+                <a:spcPct val="90000"/>
+              </a:lnSpc>
+              <a:spcBef>
+                <a:spcPts val="500"/>
+              </a:spcBef>
+              <a:buFont typeface="Arial" panose="020B0604020202020204" pitchFamily="34" charset="0"/>
+              <a:buNone/>
+              <a:defRPr sz="1600" kern="1200">
+                <a:solidFill>
+                  <a:schemeClr val="tx1"/>
+                </a:solidFill>
+                <a:latin typeface="+mn-lt"/>
+                <a:ea typeface="+mn-ea"/>
+                <a:cs typeface="+mn-cs"/>
+              </a:defRPr>
+            </a:lvl7pPr>
+            <a:lvl8pPr marL="3200400" indent="0" algn="ctr" defTabSz="914400" rtl="0" eaLnBrk="1" latinLnBrk="0" hangingPunct="1">
+              <a:lnSpc>
+                <a:spcPct val="90000"/>
+              </a:lnSpc>
+              <a:spcBef>
+                <a:spcPts val="500"/>
+              </a:spcBef>
+              <a:buFont typeface="Arial" panose="020B0604020202020204" pitchFamily="34" charset="0"/>
+              <a:buNone/>
+              <a:defRPr sz="1600" kern="1200">
+                <a:solidFill>
+                  <a:schemeClr val="tx1"/>
+                </a:solidFill>
+                <a:latin typeface="+mn-lt"/>
+                <a:ea typeface="+mn-ea"/>
+                <a:cs typeface="+mn-cs"/>
+              </a:defRPr>
+            </a:lvl8pPr>
+            <a:lvl9pPr marL="3657600" indent="0" algn="ctr" defTabSz="914400" rtl="0" eaLnBrk="1" latinLnBrk="0" hangingPunct="1">
+              <a:lnSpc>
+                <a:spcPct val="90000"/>
+              </a:lnSpc>
+              <a:spcBef>
+                <a:spcPts val="500"/>
+              </a:spcBef>
+              <a:buFont typeface="Arial" panose="020B0604020202020204" pitchFamily="34" charset="0"/>
+              <a:buNone/>
+              <a:defRPr sz="1600" kern="1200">
+                <a:solidFill>
+                  <a:schemeClr val="tx1"/>
+                </a:solidFill>
+                <a:latin typeface="+mn-lt"/>
+                <a:ea typeface="+mn-ea"/>
+                <a:cs typeface="+mn-cs"/>
+              </a:defRPr>
+            </a:lvl9pPr>
+          </a:lstStyle>
+          <a:p>
+            <a:pPr algn="l"/>
+            <a:r>
+              <a:rPr lang="en-US" sz="1800" dirty="0"/>
+              <a:t>Distance from a target point</a:t>
+            </a:r>
+          </a:p>
+        </p:txBody>
+      </p:sp>
+      <mc:AlternateContent xmlns:mc="http://schemas.openxmlformats.org/markup-compatibility/2006">
+        <mc:Choice xmlns:a14="http://schemas.microsoft.com/office/drawing/2010/main" Requires="a14">
+          <p:sp>
+            <p:nvSpPr>
+              <p:cNvPr id="24" name="CasellaDiTesto 23">
+                <a:extLst>
+                  <a:ext uri="{FF2B5EF4-FFF2-40B4-BE49-F238E27FC236}">
+                    <a16:creationId xmlns:a16="http://schemas.microsoft.com/office/drawing/2014/main" id="{3A8CD7FD-0F6E-2DF3-4A56-AB34AA4ABEFD}"/>
+                  </a:ext>
+                </a:extLst>
+              </p:cNvPr>
+              <p:cNvSpPr txBox="1"/>
+              <p:nvPr/>
+            </p:nvSpPr>
+            <p:spPr>
+              <a:xfrm>
+                <a:off x="344509" y="3730450"/>
+                <a:ext cx="2190997" cy="369332"/>
+              </a:xfrm>
+              <a:prstGeom prst="rect">
+                <a:avLst/>
+              </a:prstGeom>
+              <a:noFill/>
+            </p:spPr>
+            <p:txBody>
+              <a:bodyPr wrap="square">
+                <a:spAutoFit/>
+              </a:bodyPr>
+              <a:lstStyle/>
+              <a:p>
+                <a:pPr/>
+                <a14:m>
+                  <m:oMathPara xmlns:m="http://schemas.openxmlformats.org/officeDocument/2006/math">
+                    <m:oMathParaPr>
+                      <m:jc m:val="left"/>
+                    </m:oMathParaPr>
+                    <m:oMath xmlns:m="http://schemas.openxmlformats.org/officeDocument/2006/math">
+                      <m:r>
+                        <a:rPr lang="it-IT" b="0" i="1" smtClean="0">
+                          <a:latin typeface="Cambria Math" panose="02040503050406030204" pitchFamily="18" charset="0"/>
+                          <a:ea typeface="Cambria Math" panose="02040503050406030204" pitchFamily="18" charset="0"/>
+                        </a:rPr>
+                        <m:t>𝜏</m:t>
+                      </m:r>
+                      <m:r>
+                        <a:rPr lang="it-IT" b="0" i="1" smtClean="0">
+                          <a:latin typeface="Cambria Math" panose="02040503050406030204" pitchFamily="18" charset="0"/>
+                          <a:ea typeface="Cambria Math" panose="02040503050406030204" pitchFamily="18" charset="0"/>
+                        </a:rPr>
+                        <m:t>(</m:t>
+                      </m:r>
+                      <m:r>
+                        <a:rPr lang="it-IT" b="0" i="1" smtClean="0">
+                          <a:latin typeface="Cambria Math" panose="02040503050406030204" pitchFamily="18" charset="0"/>
+                          <a:ea typeface="Cambria Math" panose="02040503050406030204" pitchFamily="18" charset="0"/>
+                        </a:rPr>
+                        <m:t>𝑡</m:t>
+                      </m:r>
+                      <m:r>
+                        <a:rPr lang="it-IT" b="0" i="1" smtClean="0">
+                          <a:latin typeface="Cambria Math" panose="02040503050406030204" pitchFamily="18" charset="0"/>
+                          <a:ea typeface="Cambria Math" panose="02040503050406030204" pitchFamily="18" charset="0"/>
+                        </a:rPr>
+                        <m:t>)≤ </m:t>
+                      </m:r>
+                      <m:bar>
+                        <m:barPr>
+                          <m:pos m:val="top"/>
+                          <m:ctrlPr>
+                            <a:rPr lang="it-IT" b="0" i="1" smtClean="0">
+                              <a:latin typeface="Cambria Math" panose="02040503050406030204" pitchFamily="18" charset="0"/>
+                              <a:ea typeface="Cambria Math" panose="02040503050406030204" pitchFamily="18" charset="0"/>
+                            </a:rPr>
+                          </m:ctrlPr>
+                        </m:barPr>
+                        <m:e>
+                          <m:r>
+                            <a:rPr lang="it-IT" b="0" i="1" smtClean="0">
+                              <a:latin typeface="Cambria Math" panose="02040503050406030204" pitchFamily="18" charset="0"/>
+                              <a:ea typeface="Cambria Math" panose="02040503050406030204" pitchFamily="18" charset="0"/>
+                            </a:rPr>
+                            <m:t>𝜏</m:t>
+                          </m:r>
+                        </m:e>
+                      </m:bar>
+                    </m:oMath>
+                  </m:oMathPara>
+                </a14:m>
+                <a:endParaRPr lang="it-IT" dirty="0"/>
+              </a:p>
+            </p:txBody>
+          </p:sp>
+        </mc:Choice>
+        <mc:Fallback>
+          <p:sp>
+            <p:nvSpPr>
+              <p:cNvPr id="24" name="CasellaDiTesto 23">
+                <a:extLst>
+                  <a:ext uri="{FF2B5EF4-FFF2-40B4-BE49-F238E27FC236}">
+                    <a16:creationId xmlns:a16="http://schemas.microsoft.com/office/drawing/2014/main" id="{3A8CD7FD-0F6E-2DF3-4A56-AB34AA4ABEFD}"/>
+                  </a:ext>
+                </a:extLst>
+              </p:cNvPr>
+              <p:cNvSpPr txBox="1">
+                <a:spLocks noRot="1" noChangeAspect="1" noMove="1" noResize="1" noEditPoints="1" noAdjustHandles="1" noChangeArrowheads="1" noChangeShapeType="1" noTextEdit="1"/>
+              </p:cNvSpPr>
+              <p:nvPr/>
+            </p:nvSpPr>
+            <p:spPr>
+              <a:xfrm>
+                <a:off x="344509" y="3730450"/>
+                <a:ext cx="2190997" cy="369332"/>
+              </a:xfrm>
+              <a:prstGeom prst="rect">
+                <a:avLst/>
+              </a:prstGeom>
+              <a:blipFill>
+                <a:blip r:embed="rId10"/>
+                <a:stretch>
+                  <a:fillRect b="-11475"/>
+                </a:stretch>
+              </a:blipFill>
+            </p:spPr>
+            <p:txBody>
+              <a:bodyPr/>
+              <a:lstStyle/>
+              <a:p>
+                <a:r>
+                  <a:rPr lang="it-IT">
+                    <a:noFill/>
+                  </a:rPr>
+                  <a:t> </a:t>
+                </a:r>
+              </a:p>
+            </p:txBody>
+          </p:sp>
+        </mc:Fallback>
+      </mc:AlternateContent>
+      <p:sp>
+        <p:nvSpPr>
+          <p:cNvPr id="25" name="Sottotitolo 2">
+            <a:extLst>
+              <a:ext uri="{FF2B5EF4-FFF2-40B4-BE49-F238E27FC236}">
+                <a16:creationId xmlns:a16="http://schemas.microsoft.com/office/drawing/2014/main" id="{A4AEA166-46A3-EBE8-466D-A0E9F3148EC3}"/>
+              </a:ext>
+            </a:extLst>
+          </p:cNvPr>
+          <p:cNvSpPr txBox="1">
+            <a:spLocks/>
+          </p:cNvSpPr>
+          <p:nvPr/>
+        </p:nvSpPr>
+        <p:spPr>
+          <a:xfrm>
+            <a:off x="2729939" y="3784424"/>
+            <a:ext cx="1842060" cy="432861"/>
+          </a:xfrm>
+          <a:prstGeom prst="rect">
+            <a:avLst/>
+          </a:prstGeom>
+        </p:spPr>
+        <p:txBody>
+          <a:bodyPr vert="horz" lIns="91440" tIns="45720" rIns="91440" bIns="45720" rtlCol="0">
+            <a:normAutofit fontScale="92500"/>
+          </a:bodyPr>
+          <a:lstStyle>
+            <a:lvl1pPr marL="0" indent="0" algn="ctr" defTabSz="914400" rtl="0" eaLnBrk="1" latinLnBrk="0" hangingPunct="1">
+              <a:lnSpc>
+                <a:spcPct val="90000"/>
+              </a:lnSpc>
+              <a:spcBef>
+                <a:spcPts val="1000"/>
+              </a:spcBef>
+              <a:buFont typeface="Arial" panose="020B0604020202020204" pitchFamily="34" charset="0"/>
+              <a:buNone/>
+              <a:defRPr sz="2400" kern="1200">
+                <a:solidFill>
+                  <a:schemeClr val="tx2">
+                    <a:lumMod val="50000"/>
+                  </a:schemeClr>
+                </a:solidFill>
+                <a:latin typeface="+mn-lt"/>
+                <a:ea typeface="+mn-ea"/>
+                <a:cs typeface="+mn-cs"/>
+              </a:defRPr>
+            </a:lvl1pPr>
+            <a:lvl2pPr marL="457200" indent="0" algn="ctr" defTabSz="914400" rtl="0" eaLnBrk="1" latinLnBrk="0" hangingPunct="1">
+              <a:lnSpc>
+                <a:spcPct val="90000"/>
+              </a:lnSpc>
+              <a:spcBef>
+                <a:spcPts val="500"/>
+              </a:spcBef>
+              <a:buFont typeface="Arial" panose="020B0604020202020204" pitchFamily="34" charset="0"/>
+              <a:buNone/>
+              <a:defRPr sz="2000" kern="1200">
+                <a:solidFill>
+                  <a:schemeClr val="tx2">
+                    <a:lumMod val="50000"/>
+                  </a:schemeClr>
+                </a:solidFill>
+                <a:latin typeface="+mn-lt"/>
+                <a:ea typeface="+mn-ea"/>
+                <a:cs typeface="+mn-cs"/>
+              </a:defRPr>
+            </a:lvl2pPr>
+            <a:lvl3pPr marL="914400" indent="0" algn="ctr" defTabSz="914400" rtl="0" eaLnBrk="1" latinLnBrk="0" hangingPunct="1">
+              <a:lnSpc>
+                <a:spcPct val="90000"/>
+              </a:lnSpc>
+              <a:spcBef>
+                <a:spcPts val="500"/>
+              </a:spcBef>
+              <a:buFont typeface="Arial" panose="020B0604020202020204" pitchFamily="34" charset="0"/>
+              <a:buNone/>
+              <a:defRPr sz="1800" kern="1200">
+                <a:solidFill>
+                  <a:schemeClr val="tx2">
+                    <a:lumMod val="50000"/>
+                  </a:schemeClr>
+                </a:solidFill>
+                <a:latin typeface="+mn-lt"/>
+                <a:ea typeface="+mn-ea"/>
+                <a:cs typeface="+mn-cs"/>
+              </a:defRPr>
+            </a:lvl3pPr>
+            <a:lvl4pPr marL="1371600" indent="0" algn="ctr" defTabSz="914400" rtl="0" eaLnBrk="1" latinLnBrk="0" hangingPunct="1">
+              <a:lnSpc>
+                <a:spcPct val="90000"/>
+              </a:lnSpc>
+              <a:spcBef>
+                <a:spcPts val="500"/>
+              </a:spcBef>
+              <a:buFont typeface="Arial" panose="020B0604020202020204" pitchFamily="34" charset="0"/>
+              <a:buNone/>
+              <a:defRPr sz="1600" kern="1200">
+                <a:solidFill>
+                  <a:schemeClr val="tx2">
+                    <a:lumMod val="50000"/>
+                  </a:schemeClr>
+                </a:solidFill>
+                <a:latin typeface="+mn-lt"/>
+                <a:ea typeface="+mn-ea"/>
+                <a:cs typeface="+mn-cs"/>
+              </a:defRPr>
+            </a:lvl4pPr>
+            <a:lvl5pPr marL="1828800" indent="0" algn="ctr" defTabSz="914400" rtl="0" eaLnBrk="1" latinLnBrk="0" hangingPunct="1">
+              <a:lnSpc>
+                <a:spcPct val="90000"/>
+              </a:lnSpc>
+              <a:spcBef>
+                <a:spcPts val="500"/>
+              </a:spcBef>
+              <a:buFont typeface="Arial" panose="020B0604020202020204" pitchFamily="34" charset="0"/>
+              <a:buNone/>
+              <a:defRPr sz="1600" kern="1200">
+                <a:solidFill>
+                  <a:schemeClr val="tx2">
+                    <a:lumMod val="50000"/>
+                  </a:schemeClr>
+                </a:solidFill>
+                <a:latin typeface="+mn-lt"/>
+                <a:ea typeface="+mn-ea"/>
+                <a:cs typeface="+mn-cs"/>
+              </a:defRPr>
+            </a:lvl5pPr>
+            <a:lvl6pPr marL="2286000" indent="0" algn="ctr" defTabSz="914400" rtl="0" eaLnBrk="1" latinLnBrk="0" hangingPunct="1">
+              <a:lnSpc>
+                <a:spcPct val="90000"/>
+              </a:lnSpc>
+              <a:spcBef>
+                <a:spcPts val="500"/>
+              </a:spcBef>
+              <a:buFont typeface="Arial" panose="020B0604020202020204" pitchFamily="34" charset="0"/>
+              <a:buNone/>
+              <a:defRPr sz="1600" kern="1200">
+                <a:solidFill>
+                  <a:schemeClr val="tx1"/>
+                </a:solidFill>
+                <a:latin typeface="+mn-lt"/>
+                <a:ea typeface="+mn-ea"/>
+                <a:cs typeface="+mn-cs"/>
+              </a:defRPr>
+            </a:lvl6pPr>
+            <a:lvl7pPr marL="2743200" indent="0" algn="ctr" defTabSz="914400" rtl="0" eaLnBrk="1" latinLnBrk="0" hangingPunct="1">
+              <a:lnSpc>
+                <a:spcPct val="90000"/>
+              </a:lnSpc>
+              <a:spcBef>
+                <a:spcPts val="500"/>
+              </a:spcBef>
+              <a:buFont typeface="Arial" panose="020B0604020202020204" pitchFamily="34" charset="0"/>
+              <a:buNone/>
+              <a:defRPr sz="1600" kern="1200">
+                <a:solidFill>
+                  <a:schemeClr val="tx1"/>
+                </a:solidFill>
+                <a:latin typeface="+mn-lt"/>
+                <a:ea typeface="+mn-ea"/>
+                <a:cs typeface="+mn-cs"/>
+              </a:defRPr>
+            </a:lvl7pPr>
+            <a:lvl8pPr marL="3200400" indent="0" algn="ctr" defTabSz="914400" rtl="0" eaLnBrk="1" latinLnBrk="0" hangingPunct="1">
+              <a:lnSpc>
+                <a:spcPct val="90000"/>
+              </a:lnSpc>
+              <a:spcBef>
+                <a:spcPts val="500"/>
+              </a:spcBef>
+              <a:buFont typeface="Arial" panose="020B0604020202020204" pitchFamily="34" charset="0"/>
+              <a:buNone/>
+              <a:defRPr sz="1600" kern="1200">
+                <a:solidFill>
+                  <a:schemeClr val="tx1"/>
+                </a:solidFill>
+                <a:latin typeface="+mn-lt"/>
+                <a:ea typeface="+mn-ea"/>
+                <a:cs typeface="+mn-cs"/>
+              </a:defRPr>
+            </a:lvl8pPr>
+            <a:lvl9pPr marL="3657600" indent="0" algn="ctr" defTabSz="914400" rtl="0" eaLnBrk="1" latinLnBrk="0" hangingPunct="1">
+              <a:lnSpc>
+                <a:spcPct val="90000"/>
+              </a:lnSpc>
+              <a:spcBef>
+                <a:spcPts val="500"/>
+              </a:spcBef>
+              <a:buFont typeface="Arial" panose="020B0604020202020204" pitchFamily="34" charset="0"/>
+              <a:buNone/>
+              <a:defRPr sz="1600" kern="1200">
+                <a:solidFill>
+                  <a:schemeClr val="tx1"/>
+                </a:solidFill>
+                <a:latin typeface="+mn-lt"/>
+                <a:ea typeface="+mn-ea"/>
+                <a:cs typeface="+mn-cs"/>
+              </a:defRPr>
+            </a:lvl9pPr>
+          </a:lstStyle>
+          <a:p>
+            <a:pPr algn="l"/>
+            <a:r>
+              <a:rPr lang="en-US" sz="1800" dirty="0"/>
+              <a:t>Maximum Torques</a:t>
+            </a:r>
+          </a:p>
+        </p:txBody>
+      </p:sp>
+      <mc:AlternateContent xmlns:mc="http://schemas.openxmlformats.org/markup-compatibility/2006">
+        <mc:Choice xmlns:a14="http://schemas.microsoft.com/office/drawing/2010/main" Requires="a14">
+          <p:sp>
+            <p:nvSpPr>
+              <p:cNvPr id="29" name="CasellaDiTesto 28">
+                <a:extLst>
+                  <a:ext uri="{FF2B5EF4-FFF2-40B4-BE49-F238E27FC236}">
+                    <a16:creationId xmlns:a16="http://schemas.microsoft.com/office/drawing/2014/main" id="{B01E1842-88B9-D032-9B6D-EFF972AFE731}"/>
+                  </a:ext>
+                </a:extLst>
+              </p:cNvPr>
+              <p:cNvSpPr txBox="1"/>
+              <p:nvPr/>
+            </p:nvSpPr>
+            <p:spPr>
+              <a:xfrm>
+                <a:off x="896587" y="1045901"/>
+                <a:ext cx="6715496" cy="871457"/>
+              </a:xfrm>
+              <a:prstGeom prst="rect">
+                <a:avLst/>
+              </a:prstGeom>
+              <a:noFill/>
+            </p:spPr>
+            <p:txBody>
+              <a:bodyPr wrap="square">
+                <a:spAutoFit/>
+              </a:bodyPr>
+              <a:lstStyle/>
+              <a:p>
+                <a:pPr/>
+                <a14:m>
+                  <m:oMathPara xmlns:m="http://schemas.openxmlformats.org/officeDocument/2006/math">
+                    <m:oMathParaPr>
+                      <m:jc m:val="centerGroup"/>
+                    </m:oMathParaPr>
+                    <m:oMath xmlns:m="http://schemas.openxmlformats.org/officeDocument/2006/math">
+                      <m:r>
+                        <a:rPr lang="it-IT" i="1" smtClean="0">
+                          <a:latin typeface="Cambria Math" panose="02040503050406030204" pitchFamily="18" charset="0"/>
+                        </a:rPr>
+                        <m:t>𝑚𝑖𝑛</m:t>
+                      </m:r>
+                      <m:nary>
+                        <m:naryPr>
+                          <m:chr m:val="∑"/>
+                          <m:limLoc m:val="undOvr"/>
+                          <m:ctrlPr>
+                            <a:rPr lang="it-IT" i="1">
+                              <a:latin typeface="Cambria Math" panose="02040503050406030204" pitchFamily="18" charset="0"/>
+                            </a:rPr>
+                          </m:ctrlPr>
+                        </m:naryPr>
+                        <m:sub>
+                          <m:r>
+                            <a:rPr lang="it-IT" i="1">
+                              <a:latin typeface="Cambria Math" panose="02040503050406030204" pitchFamily="18" charset="0"/>
+                            </a:rPr>
+                            <m:t>𝑡</m:t>
+                          </m:r>
+                          <m:r>
+                            <a:rPr lang="it-IT" i="0">
+                              <a:latin typeface="Cambria Math" panose="02040503050406030204" pitchFamily="18" charset="0"/>
+                            </a:rPr>
+                            <m:t>=0</m:t>
+                          </m:r>
+                        </m:sub>
+                        <m:sup>
+                          <m:r>
+                            <a:rPr lang="it-IT" i="1">
+                              <a:latin typeface="Cambria Math" panose="02040503050406030204" pitchFamily="18" charset="0"/>
+                            </a:rPr>
+                            <m:t>𝑇</m:t>
+                          </m:r>
+                        </m:sup>
+                        <m:e>
+                          <m:r>
+                            <a:rPr lang="it-IT" i="1" smtClean="0">
+                              <a:solidFill>
+                                <a:srgbClr val="FF0000"/>
+                              </a:solidFill>
+                              <a:latin typeface="Cambria Math" panose="02040503050406030204" pitchFamily="18" charset="0"/>
+                            </a:rPr>
+                            <m:t>𝛼</m:t>
+                          </m:r>
+                          <m:r>
+                            <a:rPr lang="it-IT" i="1">
+                              <a:latin typeface="Cambria Math" panose="02040503050406030204" pitchFamily="18" charset="0"/>
+                            </a:rPr>
+                            <m:t>𝑇</m:t>
+                          </m:r>
+                          <m:r>
+                            <a:rPr lang="it-IT" i="0">
+                              <a:latin typeface="Cambria Math" panose="02040503050406030204" pitchFamily="18" charset="0"/>
+                            </a:rPr>
+                            <m:t>+</m:t>
+                          </m:r>
+                        </m:e>
+                      </m:nary>
+                      <m:r>
+                        <a:rPr lang="it-IT" i="1" smtClean="0">
+                          <a:solidFill>
+                            <a:srgbClr val="FFC000"/>
+                          </a:solidFill>
+                          <a:latin typeface="Cambria Math" panose="02040503050406030204" pitchFamily="18" charset="0"/>
+                        </a:rPr>
+                        <m:t>𝛽</m:t>
+                      </m:r>
+                      <m:d>
+                        <m:dPr>
+                          <m:begChr m:val="‖"/>
+                          <m:endChr m:val="‖"/>
+                          <m:ctrlPr>
+                            <a:rPr lang="it-IT" i="1">
+                              <a:solidFill>
+                                <a:srgbClr val="836967"/>
+                              </a:solidFill>
+                              <a:latin typeface="Cambria Math" panose="02040503050406030204" pitchFamily="18" charset="0"/>
+                            </a:rPr>
+                          </m:ctrlPr>
+                        </m:dPr>
+                        <m:e>
+                          <m:sSup>
+                            <m:sSupPr>
+                              <m:ctrlPr>
+                                <a:rPr lang="it-IT" i="1">
+                                  <a:solidFill>
+                                    <a:srgbClr val="836967"/>
+                                  </a:solidFill>
+                                  <a:latin typeface="Cambria Math" panose="02040503050406030204" pitchFamily="18" charset="0"/>
+                                </a:rPr>
+                              </m:ctrlPr>
+                            </m:sSupPr>
+                            <m:e>
+                              <m:d>
+                                <m:dPr>
+                                  <m:ctrlPr>
+                                    <a:rPr lang="it-IT" i="1">
+                                      <a:solidFill>
+                                        <a:srgbClr val="836967"/>
+                                      </a:solidFill>
+                                      <a:latin typeface="Cambria Math" panose="02040503050406030204" pitchFamily="18" charset="0"/>
+                                    </a:rPr>
+                                  </m:ctrlPr>
+                                </m:dPr>
+                                <m:e>
+                                  <m:sSub>
+                                    <m:sSubPr>
+                                      <m:ctrlPr>
+                                        <a:rPr lang="it-IT" i="1">
+                                          <a:solidFill>
+                                            <a:srgbClr val="836967"/>
+                                          </a:solidFill>
+                                          <a:latin typeface="Cambria Math" panose="02040503050406030204" pitchFamily="18" charset="0"/>
+                                        </a:rPr>
+                                      </m:ctrlPr>
+                                    </m:sSubPr>
+                                    <m:e>
+                                      <m:r>
+                                        <a:rPr lang="it-IT" i="1">
+                                          <a:latin typeface="Cambria Math" panose="02040503050406030204" pitchFamily="18" charset="0"/>
+                                        </a:rPr>
+                                        <m:t>𝑥</m:t>
+                                      </m:r>
+                                    </m:e>
+                                    <m:sub>
+                                      <m:r>
+                                        <a:rPr lang="it-IT" i="1">
+                                          <a:latin typeface="Cambria Math" panose="02040503050406030204" pitchFamily="18" charset="0"/>
+                                        </a:rPr>
+                                        <m:t>𝑟𝑒𝑓</m:t>
+                                      </m:r>
+                                    </m:sub>
+                                  </m:sSub>
+                                  <m:r>
+                                    <a:rPr lang="it-IT" i="0">
+                                      <a:latin typeface="Cambria Math" panose="02040503050406030204" pitchFamily="18" charset="0"/>
+                                    </a:rPr>
+                                    <m:t>−</m:t>
+                                  </m:r>
+                                  <m:sSub>
+                                    <m:sSubPr>
+                                      <m:ctrlPr>
+                                        <a:rPr lang="it-IT" i="1" smtClean="0">
+                                          <a:latin typeface="Cambria Math" panose="02040503050406030204" pitchFamily="18" charset="0"/>
+                                        </a:rPr>
+                                      </m:ctrlPr>
+                                    </m:sSubPr>
+                                    <m:e>
+                                      <m:r>
+                                        <a:rPr lang="it-IT" b="0" i="1" smtClean="0">
+                                          <a:latin typeface="Cambria Math" panose="02040503050406030204" pitchFamily="18" charset="0"/>
+                                        </a:rPr>
+                                        <m:t>𝑥</m:t>
+                                      </m:r>
+                                    </m:e>
+                                    <m:sub>
+                                      <m:r>
+                                        <a:rPr lang="it-IT" b="0" i="1" smtClean="0">
+                                          <a:latin typeface="Cambria Math" panose="02040503050406030204" pitchFamily="18" charset="0"/>
+                                        </a:rPr>
+                                        <m:t>𝑐</m:t>
+                                      </m:r>
+                                    </m:sub>
+                                  </m:sSub>
+                                </m:e>
+                              </m:d>
+                            </m:e>
+                            <m:sup>
+                              <m:r>
+                                <a:rPr lang="it-IT" i="0">
+                                  <a:latin typeface="Cambria Math" panose="02040503050406030204" pitchFamily="18" charset="0"/>
+                                </a:rPr>
+                                <m:t>2</m:t>
+                              </m:r>
+                            </m:sup>
+                          </m:sSup>
+                          <m:r>
+                            <a:rPr lang="it-IT" i="0">
+                              <a:latin typeface="Cambria Math" panose="02040503050406030204" pitchFamily="18" charset="0"/>
+                            </a:rPr>
+                            <m:t>+</m:t>
+                          </m:r>
+                          <m:sSup>
+                            <m:sSupPr>
+                              <m:ctrlPr>
+                                <a:rPr lang="it-IT" i="1">
+                                  <a:solidFill>
+                                    <a:srgbClr val="836967"/>
+                                  </a:solidFill>
+                                  <a:latin typeface="Cambria Math" panose="02040503050406030204" pitchFamily="18" charset="0"/>
+                                </a:rPr>
+                              </m:ctrlPr>
+                            </m:sSupPr>
+                            <m:e>
+                              <m:d>
+                                <m:dPr>
+                                  <m:ctrlPr>
+                                    <a:rPr lang="it-IT" i="1">
+                                      <a:solidFill>
+                                        <a:srgbClr val="836967"/>
+                                      </a:solidFill>
+                                      <a:latin typeface="Cambria Math" panose="02040503050406030204" pitchFamily="18" charset="0"/>
+                                    </a:rPr>
+                                  </m:ctrlPr>
+                                </m:dPr>
+                                <m:e>
+                                  <m:sSub>
+                                    <m:sSubPr>
+                                      <m:ctrlPr>
+                                        <a:rPr lang="it-IT" i="1">
+                                          <a:solidFill>
+                                            <a:srgbClr val="836967"/>
+                                          </a:solidFill>
+                                          <a:latin typeface="Cambria Math" panose="02040503050406030204" pitchFamily="18" charset="0"/>
+                                        </a:rPr>
+                                      </m:ctrlPr>
+                                    </m:sSubPr>
+                                    <m:e>
+                                      <m:r>
+                                        <a:rPr lang="it-IT" i="1">
+                                          <a:latin typeface="Cambria Math" panose="02040503050406030204" pitchFamily="18" charset="0"/>
+                                        </a:rPr>
+                                        <m:t>𝑦</m:t>
+                                      </m:r>
+                                    </m:e>
+                                    <m:sub>
+                                      <m:r>
+                                        <a:rPr lang="it-IT" i="1">
+                                          <a:latin typeface="Cambria Math" panose="02040503050406030204" pitchFamily="18" charset="0"/>
+                                        </a:rPr>
+                                        <m:t>𝑟𝑒𝑓</m:t>
+                                      </m:r>
+                                    </m:sub>
+                                  </m:sSub>
+                                  <m:r>
+                                    <a:rPr lang="it-IT" i="0">
+                                      <a:latin typeface="Cambria Math" panose="02040503050406030204" pitchFamily="18" charset="0"/>
+                                    </a:rPr>
+                                    <m:t>−</m:t>
+                                  </m:r>
+                                  <m:sSub>
+                                    <m:sSubPr>
+                                      <m:ctrlPr>
+                                        <a:rPr lang="it-IT" i="1" smtClean="0">
+                                          <a:latin typeface="Cambria Math" panose="02040503050406030204" pitchFamily="18" charset="0"/>
+                                        </a:rPr>
+                                      </m:ctrlPr>
+                                    </m:sSubPr>
+                                    <m:e>
+                                      <m:r>
+                                        <a:rPr lang="it-IT" b="0" i="1" smtClean="0">
+                                          <a:latin typeface="Cambria Math" panose="02040503050406030204" pitchFamily="18" charset="0"/>
+                                        </a:rPr>
+                                        <m:t>𝑦</m:t>
+                                      </m:r>
+                                    </m:e>
+                                    <m:sub>
+                                      <m:r>
+                                        <a:rPr lang="it-IT" b="0" i="1" smtClean="0">
+                                          <a:latin typeface="Cambria Math" panose="02040503050406030204" pitchFamily="18" charset="0"/>
+                                        </a:rPr>
+                                        <m:t>𝑐</m:t>
+                                      </m:r>
+                                    </m:sub>
+                                  </m:sSub>
+                                </m:e>
+                              </m:d>
+                            </m:e>
+                            <m:sup>
+                              <m:r>
+                                <a:rPr lang="it-IT" i="0">
+                                  <a:latin typeface="Cambria Math" panose="02040503050406030204" pitchFamily="18" charset="0"/>
+                                </a:rPr>
+                                <m:t>2</m:t>
+                              </m:r>
+                            </m:sup>
+                          </m:sSup>
+                        </m:e>
+                      </m:d>
+                      <m:r>
+                        <a:rPr lang="it-IT" i="0">
+                          <a:latin typeface="Cambria Math" panose="02040503050406030204" pitchFamily="18" charset="0"/>
+                        </a:rPr>
+                        <m:t>+</m:t>
+                      </m:r>
+                      <m:r>
+                        <a:rPr lang="it-IT" i="1" smtClean="0">
+                          <a:solidFill>
+                            <a:srgbClr val="92D050"/>
+                          </a:solidFill>
+                          <a:latin typeface="Cambria Math" panose="02040503050406030204" pitchFamily="18" charset="0"/>
+                        </a:rPr>
+                        <m:t>𝛾</m:t>
+                      </m:r>
+                      <m:d>
+                        <m:dPr>
+                          <m:ctrlPr>
+                            <a:rPr lang="it-IT" i="1">
+                              <a:latin typeface="Cambria Math" panose="02040503050406030204" pitchFamily="18" charset="0"/>
+                            </a:rPr>
+                          </m:ctrlPr>
+                        </m:dPr>
+                        <m:e>
+                          <m:r>
+                            <a:rPr lang="it-IT" i="1">
+                              <a:latin typeface="Cambria Math" panose="02040503050406030204" pitchFamily="18" charset="0"/>
+                            </a:rPr>
+                            <m:t>𝑒𝑛𝑒𝑟𝑔𝑦</m:t>
+                          </m:r>
+                        </m:e>
+                      </m:d>
+                    </m:oMath>
+                  </m:oMathPara>
+                </a14:m>
+                <a:endParaRPr lang="it-IT" dirty="0"/>
+              </a:p>
+            </p:txBody>
+          </p:sp>
+        </mc:Choice>
+        <mc:Fallback>
+          <p:sp>
+            <p:nvSpPr>
+              <p:cNvPr id="29" name="CasellaDiTesto 28">
+                <a:extLst>
+                  <a:ext uri="{FF2B5EF4-FFF2-40B4-BE49-F238E27FC236}">
+                    <a16:creationId xmlns:a16="http://schemas.microsoft.com/office/drawing/2014/main" id="{B01E1842-88B9-D032-9B6D-EFF972AFE731}"/>
+                  </a:ext>
+                </a:extLst>
+              </p:cNvPr>
+              <p:cNvSpPr txBox="1">
+                <a:spLocks noRot="1" noChangeAspect="1" noMove="1" noResize="1" noEditPoints="1" noAdjustHandles="1" noChangeArrowheads="1" noChangeShapeType="1" noTextEdit="1"/>
+              </p:cNvSpPr>
+              <p:nvPr/>
+            </p:nvSpPr>
+            <p:spPr>
+              <a:xfrm>
+                <a:off x="896587" y="1045901"/>
+                <a:ext cx="6715496" cy="871457"/>
+              </a:xfrm>
+              <a:prstGeom prst="rect">
+                <a:avLst/>
+              </a:prstGeom>
+              <a:blipFill>
+                <a:blip r:embed="rId11"/>
+                <a:stretch>
+                  <a:fillRect/>
+                </a:stretch>
+              </a:blipFill>
+            </p:spPr>
+            <p:txBody>
+              <a:bodyPr/>
+              <a:lstStyle/>
+              <a:p>
+                <a:r>
+                  <a:rPr lang="it-IT">
+                    <a:noFill/>
+                  </a:rPr>
+                  <a:t> </a:t>
+                </a:r>
+              </a:p>
+            </p:txBody>
+          </p:sp>
+        </mc:Fallback>
+      </mc:AlternateContent>
+      <p:cxnSp>
+        <p:nvCxnSpPr>
+          <p:cNvPr id="31" name="Connettore 2 30">
+            <a:extLst>
+              <a:ext uri="{FF2B5EF4-FFF2-40B4-BE49-F238E27FC236}">
+                <a16:creationId xmlns:a16="http://schemas.microsoft.com/office/drawing/2014/main" id="{BD3C8FCC-6847-F27D-F3B0-8971E3394A36}"/>
+              </a:ext>
+            </a:extLst>
+          </p:cNvPr>
+          <p:cNvCxnSpPr>
+            <a:cxnSpLocks/>
+          </p:cNvCxnSpPr>
+          <p:nvPr/>
+        </p:nvCxnSpPr>
+        <p:spPr>
+          <a:xfrm>
+            <a:off x="2303813" y="1045901"/>
+            <a:ext cx="0" cy="236634"/>
+          </a:xfrm>
+          <a:prstGeom prst="straightConnector1">
+            <a:avLst/>
+          </a:prstGeom>
+          <a:ln>
+            <a:solidFill>
+              <a:srgbClr val="FF0000"/>
+            </a:solidFill>
+            <a:tailEnd type="triangle"/>
+          </a:ln>
+        </p:spPr>
+        <p:style>
+          <a:lnRef idx="1">
+            <a:schemeClr val="accent1"/>
+          </a:lnRef>
+          <a:fillRef idx="0">
+            <a:schemeClr val="accent1"/>
+          </a:fillRef>
+          <a:effectRef idx="0">
+            <a:schemeClr val="accent1"/>
+          </a:effectRef>
+          <a:fontRef idx="minor">
+            <a:schemeClr val="tx1"/>
+          </a:fontRef>
+        </p:style>
+      </p:cxnSp>
+      <p:cxnSp>
+        <p:nvCxnSpPr>
+          <p:cNvPr id="33" name="Connettore 2 32">
+            <a:extLst>
+              <a:ext uri="{FF2B5EF4-FFF2-40B4-BE49-F238E27FC236}">
+                <a16:creationId xmlns:a16="http://schemas.microsoft.com/office/drawing/2014/main" id="{42B07A6A-0271-577D-FA8A-6ED7C483F8D6}"/>
+              </a:ext>
+            </a:extLst>
+          </p:cNvPr>
+          <p:cNvCxnSpPr>
+            <a:cxnSpLocks/>
+          </p:cNvCxnSpPr>
+          <p:nvPr/>
+        </p:nvCxnSpPr>
+        <p:spPr>
+          <a:xfrm>
+            <a:off x="4344389" y="1056233"/>
+            <a:ext cx="0" cy="236634"/>
+          </a:xfrm>
+          <a:prstGeom prst="straightConnector1">
+            <a:avLst/>
+          </a:prstGeom>
+          <a:ln>
+            <a:solidFill>
+              <a:srgbClr val="FFC000"/>
+            </a:solidFill>
+            <a:tailEnd type="triangle"/>
+          </a:ln>
+        </p:spPr>
+        <p:style>
+          <a:lnRef idx="1">
+            <a:schemeClr val="accent1"/>
+          </a:lnRef>
+          <a:fillRef idx="0">
+            <a:schemeClr val="accent1"/>
+          </a:fillRef>
+          <a:effectRef idx="0">
+            <a:schemeClr val="accent1"/>
+          </a:effectRef>
+          <a:fontRef idx="minor">
+            <a:schemeClr val="tx1"/>
+          </a:fontRef>
+        </p:style>
+      </p:cxnSp>
+      <p:sp>
+        <p:nvSpPr>
+          <p:cNvPr id="34" name="Sottotitolo 2">
+            <a:extLst>
+              <a:ext uri="{FF2B5EF4-FFF2-40B4-BE49-F238E27FC236}">
+                <a16:creationId xmlns:a16="http://schemas.microsoft.com/office/drawing/2014/main" id="{6D3E3ACB-A2B1-8038-9D8B-BA99031ECB2E}"/>
+              </a:ext>
+            </a:extLst>
+          </p:cNvPr>
+          <p:cNvSpPr txBox="1">
+            <a:spLocks/>
+          </p:cNvSpPr>
+          <p:nvPr/>
+        </p:nvSpPr>
+        <p:spPr>
+          <a:xfrm>
+            <a:off x="2018521" y="767064"/>
+            <a:ext cx="570584" cy="432861"/>
+          </a:xfrm>
+          <a:prstGeom prst="rect">
+            <a:avLst/>
+          </a:prstGeom>
+        </p:spPr>
+        <p:txBody>
+          <a:bodyPr vert="horz" lIns="91440" tIns="45720" rIns="91440" bIns="45720" rtlCol="0">
+            <a:normAutofit fontScale="85000" lnSpcReduction="10000"/>
+          </a:bodyPr>
+          <a:lstStyle>
+            <a:lvl1pPr marL="0" indent="0" algn="ctr" defTabSz="914400" rtl="0" eaLnBrk="1" latinLnBrk="0" hangingPunct="1">
+              <a:lnSpc>
+                <a:spcPct val="90000"/>
+              </a:lnSpc>
+              <a:spcBef>
+                <a:spcPts val="1000"/>
+              </a:spcBef>
+              <a:buFont typeface="Arial" panose="020B0604020202020204" pitchFamily="34" charset="0"/>
+              <a:buNone/>
+              <a:defRPr sz="2400" kern="1200">
+                <a:solidFill>
+                  <a:schemeClr val="tx2">
+                    <a:lumMod val="50000"/>
+                  </a:schemeClr>
+                </a:solidFill>
+                <a:latin typeface="+mn-lt"/>
+                <a:ea typeface="+mn-ea"/>
+                <a:cs typeface="+mn-cs"/>
+              </a:defRPr>
+            </a:lvl1pPr>
+            <a:lvl2pPr marL="457200" indent="0" algn="ctr" defTabSz="914400" rtl="0" eaLnBrk="1" latinLnBrk="0" hangingPunct="1">
+              <a:lnSpc>
+                <a:spcPct val="90000"/>
+              </a:lnSpc>
+              <a:spcBef>
+                <a:spcPts val="500"/>
+              </a:spcBef>
+              <a:buFont typeface="Arial" panose="020B0604020202020204" pitchFamily="34" charset="0"/>
+              <a:buNone/>
+              <a:defRPr sz="2000" kern="1200">
+                <a:solidFill>
+                  <a:schemeClr val="tx2">
+                    <a:lumMod val="50000"/>
+                  </a:schemeClr>
+                </a:solidFill>
+                <a:latin typeface="+mn-lt"/>
+                <a:ea typeface="+mn-ea"/>
+                <a:cs typeface="+mn-cs"/>
+              </a:defRPr>
+            </a:lvl2pPr>
+            <a:lvl3pPr marL="914400" indent="0" algn="ctr" defTabSz="914400" rtl="0" eaLnBrk="1" latinLnBrk="0" hangingPunct="1">
+              <a:lnSpc>
+                <a:spcPct val="90000"/>
+              </a:lnSpc>
+              <a:spcBef>
+                <a:spcPts val="500"/>
+              </a:spcBef>
+              <a:buFont typeface="Arial" panose="020B0604020202020204" pitchFamily="34" charset="0"/>
+              <a:buNone/>
+              <a:defRPr sz="1800" kern="1200">
+                <a:solidFill>
+                  <a:schemeClr val="tx2">
+                    <a:lumMod val="50000"/>
+                  </a:schemeClr>
+                </a:solidFill>
+                <a:latin typeface="+mn-lt"/>
+                <a:ea typeface="+mn-ea"/>
+                <a:cs typeface="+mn-cs"/>
+              </a:defRPr>
+            </a:lvl3pPr>
+            <a:lvl4pPr marL="1371600" indent="0" algn="ctr" defTabSz="914400" rtl="0" eaLnBrk="1" latinLnBrk="0" hangingPunct="1">
+              <a:lnSpc>
+                <a:spcPct val="90000"/>
+              </a:lnSpc>
+              <a:spcBef>
+                <a:spcPts val="500"/>
+              </a:spcBef>
+              <a:buFont typeface="Arial" panose="020B0604020202020204" pitchFamily="34" charset="0"/>
+              <a:buNone/>
+              <a:defRPr sz="1600" kern="1200">
+                <a:solidFill>
+                  <a:schemeClr val="tx2">
+                    <a:lumMod val="50000"/>
+                  </a:schemeClr>
+                </a:solidFill>
+                <a:latin typeface="+mn-lt"/>
+                <a:ea typeface="+mn-ea"/>
+                <a:cs typeface="+mn-cs"/>
+              </a:defRPr>
+            </a:lvl4pPr>
+            <a:lvl5pPr marL="1828800" indent="0" algn="ctr" defTabSz="914400" rtl="0" eaLnBrk="1" latinLnBrk="0" hangingPunct="1">
+              <a:lnSpc>
+                <a:spcPct val="90000"/>
+              </a:lnSpc>
+              <a:spcBef>
+                <a:spcPts val="500"/>
+              </a:spcBef>
+              <a:buFont typeface="Arial" panose="020B0604020202020204" pitchFamily="34" charset="0"/>
+              <a:buNone/>
+              <a:defRPr sz="1600" kern="1200">
+                <a:solidFill>
+                  <a:schemeClr val="tx2">
+                    <a:lumMod val="50000"/>
+                  </a:schemeClr>
+                </a:solidFill>
+                <a:latin typeface="+mn-lt"/>
+                <a:ea typeface="+mn-ea"/>
+                <a:cs typeface="+mn-cs"/>
+              </a:defRPr>
+            </a:lvl5pPr>
+            <a:lvl6pPr marL="2286000" indent="0" algn="ctr" defTabSz="914400" rtl="0" eaLnBrk="1" latinLnBrk="0" hangingPunct="1">
+              <a:lnSpc>
+                <a:spcPct val="90000"/>
+              </a:lnSpc>
+              <a:spcBef>
+                <a:spcPts val="500"/>
+              </a:spcBef>
+              <a:buFont typeface="Arial" panose="020B0604020202020204" pitchFamily="34" charset="0"/>
+              <a:buNone/>
+              <a:defRPr sz="1600" kern="1200">
+                <a:solidFill>
+                  <a:schemeClr val="tx1"/>
+                </a:solidFill>
+                <a:latin typeface="+mn-lt"/>
+                <a:ea typeface="+mn-ea"/>
+                <a:cs typeface="+mn-cs"/>
+              </a:defRPr>
+            </a:lvl6pPr>
+            <a:lvl7pPr marL="2743200" indent="0" algn="ctr" defTabSz="914400" rtl="0" eaLnBrk="1" latinLnBrk="0" hangingPunct="1">
+              <a:lnSpc>
+                <a:spcPct val="90000"/>
+              </a:lnSpc>
+              <a:spcBef>
+                <a:spcPts val="500"/>
+              </a:spcBef>
+              <a:buFont typeface="Arial" panose="020B0604020202020204" pitchFamily="34" charset="0"/>
+              <a:buNone/>
+              <a:defRPr sz="1600" kern="1200">
+                <a:solidFill>
+                  <a:schemeClr val="tx1"/>
+                </a:solidFill>
+                <a:latin typeface="+mn-lt"/>
+                <a:ea typeface="+mn-ea"/>
+                <a:cs typeface="+mn-cs"/>
+              </a:defRPr>
+            </a:lvl7pPr>
+            <a:lvl8pPr marL="3200400" indent="0" algn="ctr" defTabSz="914400" rtl="0" eaLnBrk="1" latinLnBrk="0" hangingPunct="1">
+              <a:lnSpc>
+                <a:spcPct val="90000"/>
+              </a:lnSpc>
+              <a:spcBef>
+                <a:spcPts val="500"/>
+              </a:spcBef>
+              <a:buFont typeface="Arial" panose="020B0604020202020204" pitchFamily="34" charset="0"/>
+              <a:buNone/>
+              <a:defRPr sz="1600" kern="1200">
+                <a:solidFill>
+                  <a:schemeClr val="tx1"/>
+                </a:solidFill>
+                <a:latin typeface="+mn-lt"/>
+                <a:ea typeface="+mn-ea"/>
+                <a:cs typeface="+mn-cs"/>
+              </a:defRPr>
+            </a:lvl8pPr>
+            <a:lvl9pPr marL="3657600" indent="0" algn="ctr" defTabSz="914400" rtl="0" eaLnBrk="1" latinLnBrk="0" hangingPunct="1">
+              <a:lnSpc>
+                <a:spcPct val="90000"/>
+              </a:lnSpc>
+              <a:spcBef>
+                <a:spcPts val="500"/>
+              </a:spcBef>
+              <a:buFont typeface="Arial" panose="020B0604020202020204" pitchFamily="34" charset="0"/>
+              <a:buNone/>
+              <a:defRPr sz="1600" kern="1200">
+                <a:solidFill>
+                  <a:schemeClr val="tx1"/>
+                </a:solidFill>
+                <a:latin typeface="+mn-lt"/>
+                <a:ea typeface="+mn-ea"/>
+                <a:cs typeface="+mn-cs"/>
+              </a:defRPr>
+            </a:lvl9pPr>
+          </a:lstStyle>
+          <a:p>
+            <a:pPr algn="l"/>
+            <a:r>
+              <a:rPr lang="en-US" sz="1800" dirty="0">
+                <a:solidFill>
+                  <a:srgbClr val="FF0000"/>
+                </a:solidFill>
+              </a:rPr>
+              <a:t>Time</a:t>
+            </a:r>
+          </a:p>
+        </p:txBody>
+      </p:sp>
+      <p:sp>
+        <p:nvSpPr>
+          <p:cNvPr id="35" name="Sottotitolo 2">
+            <a:extLst>
+              <a:ext uri="{FF2B5EF4-FFF2-40B4-BE49-F238E27FC236}">
+                <a16:creationId xmlns:a16="http://schemas.microsoft.com/office/drawing/2014/main" id="{5A875B76-BE2A-912F-A2EF-8A198E1B6D4A}"/>
+              </a:ext>
+            </a:extLst>
+          </p:cNvPr>
+          <p:cNvSpPr txBox="1">
+            <a:spLocks/>
+          </p:cNvSpPr>
+          <p:nvPr/>
+        </p:nvSpPr>
+        <p:spPr>
+          <a:xfrm>
+            <a:off x="3544928" y="789037"/>
+            <a:ext cx="1555666" cy="432861"/>
+          </a:xfrm>
+          <a:prstGeom prst="rect">
+            <a:avLst/>
+          </a:prstGeom>
+        </p:spPr>
+        <p:txBody>
+          <a:bodyPr vert="horz" lIns="91440" tIns="45720" rIns="91440" bIns="45720" rtlCol="0">
+            <a:normAutofit fontScale="85000" lnSpcReduction="10000"/>
+          </a:bodyPr>
+          <a:lstStyle>
+            <a:lvl1pPr marL="0" indent="0" algn="ctr" defTabSz="914400" rtl="0" eaLnBrk="1" latinLnBrk="0" hangingPunct="1">
+              <a:lnSpc>
+                <a:spcPct val="90000"/>
+              </a:lnSpc>
+              <a:spcBef>
+                <a:spcPts val="1000"/>
+              </a:spcBef>
+              <a:buFont typeface="Arial" panose="020B0604020202020204" pitchFamily="34" charset="0"/>
+              <a:buNone/>
+              <a:defRPr sz="2400" kern="1200">
+                <a:solidFill>
+                  <a:schemeClr val="tx2">
+                    <a:lumMod val="50000"/>
+                  </a:schemeClr>
+                </a:solidFill>
+                <a:latin typeface="+mn-lt"/>
+                <a:ea typeface="+mn-ea"/>
+                <a:cs typeface="+mn-cs"/>
+              </a:defRPr>
+            </a:lvl1pPr>
+            <a:lvl2pPr marL="457200" indent="0" algn="ctr" defTabSz="914400" rtl="0" eaLnBrk="1" latinLnBrk="0" hangingPunct="1">
+              <a:lnSpc>
+                <a:spcPct val="90000"/>
+              </a:lnSpc>
+              <a:spcBef>
+                <a:spcPts val="500"/>
+              </a:spcBef>
+              <a:buFont typeface="Arial" panose="020B0604020202020204" pitchFamily="34" charset="0"/>
+              <a:buNone/>
+              <a:defRPr sz="2000" kern="1200">
+                <a:solidFill>
+                  <a:schemeClr val="tx2">
+                    <a:lumMod val="50000"/>
+                  </a:schemeClr>
+                </a:solidFill>
+                <a:latin typeface="+mn-lt"/>
+                <a:ea typeface="+mn-ea"/>
+                <a:cs typeface="+mn-cs"/>
+              </a:defRPr>
+            </a:lvl2pPr>
+            <a:lvl3pPr marL="914400" indent="0" algn="ctr" defTabSz="914400" rtl="0" eaLnBrk="1" latinLnBrk="0" hangingPunct="1">
+              <a:lnSpc>
+                <a:spcPct val="90000"/>
+              </a:lnSpc>
+              <a:spcBef>
+                <a:spcPts val="500"/>
+              </a:spcBef>
+              <a:buFont typeface="Arial" panose="020B0604020202020204" pitchFamily="34" charset="0"/>
+              <a:buNone/>
+              <a:defRPr sz="1800" kern="1200">
+                <a:solidFill>
+                  <a:schemeClr val="tx2">
+                    <a:lumMod val="50000"/>
+                  </a:schemeClr>
+                </a:solidFill>
+                <a:latin typeface="+mn-lt"/>
+                <a:ea typeface="+mn-ea"/>
+                <a:cs typeface="+mn-cs"/>
+              </a:defRPr>
+            </a:lvl3pPr>
+            <a:lvl4pPr marL="1371600" indent="0" algn="ctr" defTabSz="914400" rtl="0" eaLnBrk="1" latinLnBrk="0" hangingPunct="1">
+              <a:lnSpc>
+                <a:spcPct val="90000"/>
+              </a:lnSpc>
+              <a:spcBef>
+                <a:spcPts val="500"/>
+              </a:spcBef>
+              <a:buFont typeface="Arial" panose="020B0604020202020204" pitchFamily="34" charset="0"/>
+              <a:buNone/>
+              <a:defRPr sz="1600" kern="1200">
+                <a:solidFill>
+                  <a:schemeClr val="tx2">
+                    <a:lumMod val="50000"/>
+                  </a:schemeClr>
+                </a:solidFill>
+                <a:latin typeface="+mn-lt"/>
+                <a:ea typeface="+mn-ea"/>
+                <a:cs typeface="+mn-cs"/>
+              </a:defRPr>
+            </a:lvl4pPr>
+            <a:lvl5pPr marL="1828800" indent="0" algn="ctr" defTabSz="914400" rtl="0" eaLnBrk="1" latinLnBrk="0" hangingPunct="1">
+              <a:lnSpc>
+                <a:spcPct val="90000"/>
+              </a:lnSpc>
+              <a:spcBef>
+                <a:spcPts val="500"/>
+              </a:spcBef>
+              <a:buFont typeface="Arial" panose="020B0604020202020204" pitchFamily="34" charset="0"/>
+              <a:buNone/>
+              <a:defRPr sz="1600" kern="1200">
+                <a:solidFill>
+                  <a:schemeClr val="tx2">
+                    <a:lumMod val="50000"/>
+                  </a:schemeClr>
+                </a:solidFill>
+                <a:latin typeface="+mn-lt"/>
+                <a:ea typeface="+mn-ea"/>
+                <a:cs typeface="+mn-cs"/>
+              </a:defRPr>
+            </a:lvl5pPr>
+            <a:lvl6pPr marL="2286000" indent="0" algn="ctr" defTabSz="914400" rtl="0" eaLnBrk="1" latinLnBrk="0" hangingPunct="1">
+              <a:lnSpc>
+                <a:spcPct val="90000"/>
+              </a:lnSpc>
+              <a:spcBef>
+                <a:spcPts val="500"/>
+              </a:spcBef>
+              <a:buFont typeface="Arial" panose="020B0604020202020204" pitchFamily="34" charset="0"/>
+              <a:buNone/>
+              <a:defRPr sz="1600" kern="1200">
+                <a:solidFill>
+                  <a:schemeClr val="tx1"/>
+                </a:solidFill>
+                <a:latin typeface="+mn-lt"/>
+                <a:ea typeface="+mn-ea"/>
+                <a:cs typeface="+mn-cs"/>
+              </a:defRPr>
+            </a:lvl6pPr>
+            <a:lvl7pPr marL="2743200" indent="0" algn="ctr" defTabSz="914400" rtl="0" eaLnBrk="1" latinLnBrk="0" hangingPunct="1">
+              <a:lnSpc>
+                <a:spcPct val="90000"/>
+              </a:lnSpc>
+              <a:spcBef>
+                <a:spcPts val="500"/>
+              </a:spcBef>
+              <a:buFont typeface="Arial" panose="020B0604020202020204" pitchFamily="34" charset="0"/>
+              <a:buNone/>
+              <a:defRPr sz="1600" kern="1200">
+                <a:solidFill>
+                  <a:schemeClr val="tx1"/>
+                </a:solidFill>
+                <a:latin typeface="+mn-lt"/>
+                <a:ea typeface="+mn-ea"/>
+                <a:cs typeface="+mn-cs"/>
+              </a:defRPr>
+            </a:lvl7pPr>
+            <a:lvl8pPr marL="3200400" indent="0" algn="ctr" defTabSz="914400" rtl="0" eaLnBrk="1" latinLnBrk="0" hangingPunct="1">
+              <a:lnSpc>
+                <a:spcPct val="90000"/>
+              </a:lnSpc>
+              <a:spcBef>
+                <a:spcPts val="500"/>
+              </a:spcBef>
+              <a:buFont typeface="Arial" panose="020B0604020202020204" pitchFamily="34" charset="0"/>
+              <a:buNone/>
+              <a:defRPr sz="1600" kern="1200">
+                <a:solidFill>
+                  <a:schemeClr val="tx1"/>
+                </a:solidFill>
+                <a:latin typeface="+mn-lt"/>
+                <a:ea typeface="+mn-ea"/>
+                <a:cs typeface="+mn-cs"/>
+              </a:defRPr>
+            </a:lvl8pPr>
+            <a:lvl9pPr marL="3657600" indent="0" algn="ctr" defTabSz="914400" rtl="0" eaLnBrk="1" latinLnBrk="0" hangingPunct="1">
+              <a:lnSpc>
+                <a:spcPct val="90000"/>
+              </a:lnSpc>
+              <a:spcBef>
+                <a:spcPts val="500"/>
+              </a:spcBef>
+              <a:buFont typeface="Arial" panose="020B0604020202020204" pitchFamily="34" charset="0"/>
+              <a:buNone/>
+              <a:defRPr sz="1600" kern="1200">
+                <a:solidFill>
+                  <a:schemeClr val="tx1"/>
+                </a:solidFill>
+                <a:latin typeface="+mn-lt"/>
+                <a:ea typeface="+mn-ea"/>
+                <a:cs typeface="+mn-cs"/>
+              </a:defRPr>
+            </a:lvl9pPr>
+          </a:lstStyle>
+          <a:p>
+            <a:pPr algn="l"/>
+            <a:r>
+              <a:rPr lang="en-US" sz="1800" dirty="0">
+                <a:solidFill>
+                  <a:srgbClr val="FFC000"/>
+                </a:solidFill>
+              </a:rPr>
+              <a:t>Contouring error</a:t>
+            </a:r>
+          </a:p>
+        </p:txBody>
+      </p:sp>
+      <p:cxnSp>
+        <p:nvCxnSpPr>
+          <p:cNvPr id="36" name="Connettore 2 35">
+            <a:extLst>
+              <a:ext uri="{FF2B5EF4-FFF2-40B4-BE49-F238E27FC236}">
+                <a16:creationId xmlns:a16="http://schemas.microsoft.com/office/drawing/2014/main" id="{1C66B8A0-A6C9-E31A-7E5A-DCCE05D239C6}"/>
+              </a:ext>
+            </a:extLst>
+          </p:cNvPr>
+          <p:cNvCxnSpPr>
+            <a:cxnSpLocks/>
+          </p:cNvCxnSpPr>
+          <p:nvPr/>
+        </p:nvCxnSpPr>
+        <p:spPr>
+          <a:xfrm>
+            <a:off x="6449148" y="1067874"/>
+            <a:ext cx="0" cy="236634"/>
+          </a:xfrm>
+          <a:prstGeom prst="straightConnector1">
+            <a:avLst/>
+          </a:prstGeom>
+          <a:ln>
+            <a:solidFill>
+              <a:srgbClr val="92D050"/>
+            </a:solidFill>
+            <a:tailEnd type="triangle"/>
+          </a:ln>
+        </p:spPr>
+        <p:style>
+          <a:lnRef idx="1">
+            <a:schemeClr val="accent1"/>
+          </a:lnRef>
+          <a:fillRef idx="0">
+            <a:schemeClr val="accent1"/>
+          </a:fillRef>
+          <a:effectRef idx="0">
+            <a:schemeClr val="accent1"/>
+          </a:effectRef>
+          <a:fontRef idx="minor">
+            <a:schemeClr val="tx1"/>
+          </a:fontRef>
+        </p:style>
+      </p:cxnSp>
+      <p:sp>
+        <p:nvSpPr>
+          <p:cNvPr id="37" name="Sottotitolo 2">
+            <a:extLst>
+              <a:ext uri="{FF2B5EF4-FFF2-40B4-BE49-F238E27FC236}">
+                <a16:creationId xmlns:a16="http://schemas.microsoft.com/office/drawing/2014/main" id="{CB987D96-8907-F97A-2C78-3F1D5F79BBA5}"/>
+              </a:ext>
+            </a:extLst>
+          </p:cNvPr>
+          <p:cNvSpPr txBox="1">
+            <a:spLocks/>
+          </p:cNvSpPr>
+          <p:nvPr/>
+        </p:nvSpPr>
+        <p:spPr>
+          <a:xfrm>
+            <a:off x="5608969" y="789554"/>
+            <a:ext cx="1860467" cy="432861"/>
+          </a:xfrm>
+          <a:prstGeom prst="rect">
+            <a:avLst/>
+          </a:prstGeom>
+        </p:spPr>
+        <p:txBody>
+          <a:bodyPr vert="horz" lIns="91440" tIns="45720" rIns="91440" bIns="45720" rtlCol="0">
+            <a:normAutofit fontScale="85000" lnSpcReduction="10000"/>
+          </a:bodyPr>
+          <a:lstStyle>
+            <a:lvl1pPr marL="0" indent="0" algn="ctr" defTabSz="914400" rtl="0" eaLnBrk="1" latinLnBrk="0" hangingPunct="1">
+              <a:lnSpc>
+                <a:spcPct val="90000"/>
+              </a:lnSpc>
+              <a:spcBef>
+                <a:spcPts val="1000"/>
+              </a:spcBef>
+              <a:buFont typeface="Arial" panose="020B0604020202020204" pitchFamily="34" charset="0"/>
+              <a:buNone/>
+              <a:defRPr sz="2400" kern="1200">
+                <a:solidFill>
+                  <a:schemeClr val="tx2">
+                    <a:lumMod val="50000"/>
+                  </a:schemeClr>
+                </a:solidFill>
+                <a:latin typeface="+mn-lt"/>
+                <a:ea typeface="+mn-ea"/>
+                <a:cs typeface="+mn-cs"/>
+              </a:defRPr>
+            </a:lvl1pPr>
+            <a:lvl2pPr marL="457200" indent="0" algn="ctr" defTabSz="914400" rtl="0" eaLnBrk="1" latinLnBrk="0" hangingPunct="1">
+              <a:lnSpc>
+                <a:spcPct val="90000"/>
+              </a:lnSpc>
+              <a:spcBef>
+                <a:spcPts val="500"/>
+              </a:spcBef>
+              <a:buFont typeface="Arial" panose="020B0604020202020204" pitchFamily="34" charset="0"/>
+              <a:buNone/>
+              <a:defRPr sz="2000" kern="1200">
+                <a:solidFill>
+                  <a:schemeClr val="tx2">
+                    <a:lumMod val="50000"/>
+                  </a:schemeClr>
+                </a:solidFill>
+                <a:latin typeface="+mn-lt"/>
+                <a:ea typeface="+mn-ea"/>
+                <a:cs typeface="+mn-cs"/>
+              </a:defRPr>
+            </a:lvl2pPr>
+            <a:lvl3pPr marL="914400" indent="0" algn="ctr" defTabSz="914400" rtl="0" eaLnBrk="1" latinLnBrk="0" hangingPunct="1">
+              <a:lnSpc>
+                <a:spcPct val="90000"/>
+              </a:lnSpc>
+              <a:spcBef>
+                <a:spcPts val="500"/>
+              </a:spcBef>
+              <a:buFont typeface="Arial" panose="020B0604020202020204" pitchFamily="34" charset="0"/>
+              <a:buNone/>
+              <a:defRPr sz="1800" kern="1200">
+                <a:solidFill>
+                  <a:schemeClr val="tx2">
+                    <a:lumMod val="50000"/>
+                  </a:schemeClr>
+                </a:solidFill>
+                <a:latin typeface="+mn-lt"/>
+                <a:ea typeface="+mn-ea"/>
+                <a:cs typeface="+mn-cs"/>
+              </a:defRPr>
+            </a:lvl3pPr>
+            <a:lvl4pPr marL="1371600" indent="0" algn="ctr" defTabSz="914400" rtl="0" eaLnBrk="1" latinLnBrk="0" hangingPunct="1">
+              <a:lnSpc>
+                <a:spcPct val="90000"/>
+              </a:lnSpc>
+              <a:spcBef>
+                <a:spcPts val="500"/>
+              </a:spcBef>
+              <a:buFont typeface="Arial" panose="020B0604020202020204" pitchFamily="34" charset="0"/>
+              <a:buNone/>
+              <a:defRPr sz="1600" kern="1200">
+                <a:solidFill>
+                  <a:schemeClr val="tx2">
+                    <a:lumMod val="50000"/>
+                  </a:schemeClr>
+                </a:solidFill>
+                <a:latin typeface="+mn-lt"/>
+                <a:ea typeface="+mn-ea"/>
+                <a:cs typeface="+mn-cs"/>
+              </a:defRPr>
+            </a:lvl4pPr>
+            <a:lvl5pPr marL="1828800" indent="0" algn="ctr" defTabSz="914400" rtl="0" eaLnBrk="1" latinLnBrk="0" hangingPunct="1">
+              <a:lnSpc>
+                <a:spcPct val="90000"/>
+              </a:lnSpc>
+              <a:spcBef>
+                <a:spcPts val="500"/>
+              </a:spcBef>
+              <a:buFont typeface="Arial" panose="020B0604020202020204" pitchFamily="34" charset="0"/>
+              <a:buNone/>
+              <a:defRPr sz="1600" kern="1200">
+                <a:solidFill>
+                  <a:schemeClr val="tx2">
+                    <a:lumMod val="50000"/>
+                  </a:schemeClr>
+                </a:solidFill>
+                <a:latin typeface="+mn-lt"/>
+                <a:ea typeface="+mn-ea"/>
+                <a:cs typeface="+mn-cs"/>
+              </a:defRPr>
+            </a:lvl5pPr>
+            <a:lvl6pPr marL="2286000" indent="0" algn="ctr" defTabSz="914400" rtl="0" eaLnBrk="1" latinLnBrk="0" hangingPunct="1">
+              <a:lnSpc>
+                <a:spcPct val="90000"/>
+              </a:lnSpc>
+              <a:spcBef>
+                <a:spcPts val="500"/>
+              </a:spcBef>
+              <a:buFont typeface="Arial" panose="020B0604020202020204" pitchFamily="34" charset="0"/>
+              <a:buNone/>
+              <a:defRPr sz="1600" kern="1200">
+                <a:solidFill>
+                  <a:schemeClr val="tx1"/>
+                </a:solidFill>
+                <a:latin typeface="+mn-lt"/>
+                <a:ea typeface="+mn-ea"/>
+                <a:cs typeface="+mn-cs"/>
+              </a:defRPr>
+            </a:lvl6pPr>
+            <a:lvl7pPr marL="2743200" indent="0" algn="ctr" defTabSz="914400" rtl="0" eaLnBrk="1" latinLnBrk="0" hangingPunct="1">
+              <a:lnSpc>
+                <a:spcPct val="90000"/>
+              </a:lnSpc>
+              <a:spcBef>
+                <a:spcPts val="500"/>
+              </a:spcBef>
+              <a:buFont typeface="Arial" panose="020B0604020202020204" pitchFamily="34" charset="0"/>
+              <a:buNone/>
+              <a:defRPr sz="1600" kern="1200">
+                <a:solidFill>
+                  <a:schemeClr val="tx1"/>
+                </a:solidFill>
+                <a:latin typeface="+mn-lt"/>
+                <a:ea typeface="+mn-ea"/>
+                <a:cs typeface="+mn-cs"/>
+              </a:defRPr>
+            </a:lvl7pPr>
+            <a:lvl8pPr marL="3200400" indent="0" algn="ctr" defTabSz="914400" rtl="0" eaLnBrk="1" latinLnBrk="0" hangingPunct="1">
+              <a:lnSpc>
+                <a:spcPct val="90000"/>
+              </a:lnSpc>
+              <a:spcBef>
+                <a:spcPts val="500"/>
+              </a:spcBef>
+              <a:buFont typeface="Arial" panose="020B0604020202020204" pitchFamily="34" charset="0"/>
+              <a:buNone/>
+              <a:defRPr sz="1600" kern="1200">
+                <a:solidFill>
+                  <a:schemeClr val="tx1"/>
+                </a:solidFill>
+                <a:latin typeface="+mn-lt"/>
+                <a:ea typeface="+mn-ea"/>
+                <a:cs typeface="+mn-cs"/>
+              </a:defRPr>
+            </a:lvl8pPr>
+            <a:lvl9pPr marL="3657600" indent="0" algn="ctr" defTabSz="914400" rtl="0" eaLnBrk="1" latinLnBrk="0" hangingPunct="1">
+              <a:lnSpc>
+                <a:spcPct val="90000"/>
+              </a:lnSpc>
+              <a:spcBef>
+                <a:spcPts val="500"/>
+              </a:spcBef>
+              <a:buFont typeface="Arial" panose="020B0604020202020204" pitchFamily="34" charset="0"/>
+              <a:buNone/>
+              <a:defRPr sz="1600" kern="1200">
+                <a:solidFill>
+                  <a:schemeClr val="tx1"/>
+                </a:solidFill>
+                <a:latin typeface="+mn-lt"/>
+                <a:ea typeface="+mn-ea"/>
+                <a:cs typeface="+mn-cs"/>
+              </a:defRPr>
+            </a:lvl9pPr>
+          </a:lstStyle>
+          <a:p>
+            <a:pPr algn="l"/>
+            <a:r>
+              <a:rPr lang="en-US" sz="1800" dirty="0">
+                <a:solidFill>
+                  <a:srgbClr val="92D050"/>
+                </a:solidFill>
+              </a:rPr>
+              <a:t>Energy Consumption</a:t>
+            </a:r>
+          </a:p>
+        </p:txBody>
+      </p:sp>
+      <mc:AlternateContent xmlns:mc="http://schemas.openxmlformats.org/markup-compatibility/2006">
+        <mc:Choice xmlns:a14="http://schemas.microsoft.com/office/drawing/2010/main" Requires="a14">
+          <p:sp>
+            <p:nvSpPr>
+              <p:cNvPr id="39" name="CasellaDiTesto 38">
+                <a:extLst>
+                  <a:ext uri="{FF2B5EF4-FFF2-40B4-BE49-F238E27FC236}">
+                    <a16:creationId xmlns:a16="http://schemas.microsoft.com/office/drawing/2014/main" id="{2EC58B1C-32DC-3BA4-68A9-32F1F99E78B3}"/>
+                  </a:ext>
+                </a:extLst>
+              </p:cNvPr>
+              <p:cNvSpPr txBox="1"/>
+              <p:nvPr/>
+            </p:nvSpPr>
+            <p:spPr>
+              <a:xfrm>
+                <a:off x="1392618" y="1468546"/>
+                <a:ext cx="278598" cy="369332"/>
+              </a:xfrm>
+              <a:prstGeom prst="rect">
+                <a:avLst/>
+              </a:prstGeom>
+              <a:noFill/>
+            </p:spPr>
+            <p:txBody>
+              <a:bodyPr wrap="square">
+                <a:spAutoFit/>
+              </a:bodyPr>
+              <a:lstStyle/>
+              <a:p>
+                <a:pPr/>
+                <a14:m>
+                  <m:oMathPara xmlns:m="http://schemas.openxmlformats.org/officeDocument/2006/math">
+                    <m:oMathParaPr>
+                      <m:jc m:val="left"/>
+                    </m:oMathParaPr>
+                    <m:oMath xmlns:m="http://schemas.openxmlformats.org/officeDocument/2006/math">
+                      <m:r>
+                        <a:rPr lang="it-IT" b="0" i="1" smtClean="0">
+                          <a:latin typeface="Cambria Math" panose="02040503050406030204" pitchFamily="18" charset="0"/>
+                          <a:ea typeface="Cambria Math" panose="02040503050406030204" pitchFamily="18" charset="0"/>
+                        </a:rPr>
+                        <m:t>𝑥</m:t>
+                      </m:r>
+                    </m:oMath>
+                  </m:oMathPara>
+                </a14:m>
+                <a:endParaRPr lang="it-IT" dirty="0"/>
+              </a:p>
+            </p:txBody>
+          </p:sp>
+        </mc:Choice>
+        <mc:Fallback>
+          <p:sp>
+            <p:nvSpPr>
+              <p:cNvPr id="39" name="CasellaDiTesto 38">
+                <a:extLst>
+                  <a:ext uri="{FF2B5EF4-FFF2-40B4-BE49-F238E27FC236}">
+                    <a16:creationId xmlns:a16="http://schemas.microsoft.com/office/drawing/2014/main" id="{2EC58B1C-32DC-3BA4-68A9-32F1F99E78B3}"/>
+                  </a:ext>
+                </a:extLst>
+              </p:cNvPr>
+              <p:cNvSpPr txBox="1">
+                <a:spLocks noRot="1" noChangeAspect="1" noMove="1" noResize="1" noEditPoints="1" noAdjustHandles="1" noChangeArrowheads="1" noChangeShapeType="1" noTextEdit="1"/>
+              </p:cNvSpPr>
+              <p:nvPr/>
+            </p:nvSpPr>
+            <p:spPr>
+              <a:xfrm>
+                <a:off x="1392618" y="1468546"/>
+                <a:ext cx="278598" cy="369332"/>
+              </a:xfrm>
+              <a:prstGeom prst="rect">
+                <a:avLst/>
+              </a:prstGeom>
+              <a:blipFill>
+                <a:blip r:embed="rId12"/>
+                <a:stretch>
+                  <a:fillRect/>
+                </a:stretch>
+              </a:blipFill>
+            </p:spPr>
+            <p:txBody>
+              <a:bodyPr/>
+              <a:lstStyle/>
+              <a:p>
+                <a:r>
+                  <a:rPr lang="it-IT">
+                    <a:noFill/>
+                  </a:rPr>
+                  <a:t> </a:t>
+                </a:r>
+              </a:p>
+            </p:txBody>
+          </p:sp>
+        </mc:Fallback>
+      </mc:AlternateContent>
+      <p:sp>
+        <p:nvSpPr>
+          <p:cNvPr id="41" name="Ovale 40">
+            <a:extLst>
+              <a:ext uri="{FF2B5EF4-FFF2-40B4-BE49-F238E27FC236}">
+                <a16:creationId xmlns:a16="http://schemas.microsoft.com/office/drawing/2014/main" id="{39045CF9-5B87-FFDE-7F8F-900E5D8B6936}"/>
+              </a:ext>
+            </a:extLst>
+          </p:cNvPr>
+          <p:cNvSpPr/>
+          <p:nvPr/>
+        </p:nvSpPr>
+        <p:spPr>
+          <a:xfrm>
+            <a:off x="7551950" y="901300"/>
+            <a:ext cx="1467359" cy="1016058"/>
+          </a:xfrm>
+          <a:prstGeom prst="ellipse">
+            <a:avLst/>
+          </a:prstGeom>
+          <a:noFill/>
+          <a:ln>
+            <a:solidFill>
+              <a:srgbClr val="FFC000"/>
+            </a:solidFill>
+          </a:ln>
+        </p:spPr>
+        <p:style>
+          <a:lnRef idx="2">
+            <a:schemeClr val="accent1">
+              <a:shade val="50000"/>
+            </a:schemeClr>
+          </a:lnRef>
+          <a:fillRef idx="1">
+            <a:schemeClr val="accent1"/>
+          </a:fillRef>
+          <a:effectRef idx="0">
+            <a:schemeClr val="accent1"/>
+          </a:effectRef>
+          <a:fontRef idx="minor">
+            <a:schemeClr val="lt1"/>
+          </a:fontRef>
+        </p:style>
+        <p:txBody>
+          <a:bodyPr rtlCol="0" anchor="ctr"/>
+          <a:lstStyle/>
+          <a:p>
+            <a:pPr algn="ctr"/>
+            <a:endParaRPr lang="it-IT" sz="1200" dirty="0">
+              <a:solidFill>
+                <a:schemeClr val="accent1">
+                  <a:lumMod val="75000"/>
+                </a:schemeClr>
+              </a:solidFill>
+            </a:endParaRPr>
+          </a:p>
+        </p:txBody>
+      </p:sp>
+      <p:sp>
+        <p:nvSpPr>
+          <p:cNvPr id="43" name="CasellaDiTesto 42">
+            <a:extLst>
+              <a:ext uri="{FF2B5EF4-FFF2-40B4-BE49-F238E27FC236}">
+                <a16:creationId xmlns:a16="http://schemas.microsoft.com/office/drawing/2014/main" id="{6035B387-8934-DED3-A8BF-27FC08EB272E}"/>
+              </a:ext>
+            </a:extLst>
+          </p:cNvPr>
+          <p:cNvSpPr txBox="1"/>
+          <p:nvPr/>
+        </p:nvSpPr>
+        <p:spPr>
+          <a:xfrm>
+            <a:off x="7469436" y="879327"/>
+            <a:ext cx="1632386" cy="923330"/>
+          </a:xfrm>
+          <a:prstGeom prst="rect">
+            <a:avLst/>
+          </a:prstGeom>
+          <a:noFill/>
+        </p:spPr>
+        <p:txBody>
+          <a:bodyPr wrap="square">
+            <a:spAutoFit/>
+          </a:bodyPr>
+          <a:lstStyle/>
+          <a:p>
+            <a:pPr algn="ctr"/>
+            <a:r>
+              <a:rPr lang="it-IT" sz="1800" dirty="0">
+                <a:solidFill>
+                  <a:schemeClr val="accent1">
+                    <a:lumMod val="75000"/>
+                  </a:schemeClr>
+                </a:solidFill>
+              </a:rPr>
+              <a:t>Multi</a:t>
+            </a:r>
+          </a:p>
+          <a:p>
+            <a:pPr algn="ctr"/>
+            <a:r>
+              <a:rPr lang="it-IT" sz="1800" dirty="0" err="1">
+                <a:solidFill>
+                  <a:schemeClr val="accent1">
+                    <a:lumMod val="75000"/>
+                  </a:schemeClr>
+                </a:solidFill>
+              </a:rPr>
+              <a:t>optmization</a:t>
+            </a:r>
+            <a:r>
+              <a:rPr lang="it-IT" sz="1800" dirty="0">
+                <a:solidFill>
+                  <a:schemeClr val="accent1">
+                    <a:lumMod val="75000"/>
+                  </a:schemeClr>
+                </a:solidFill>
+              </a:rPr>
+              <a:t> </a:t>
+            </a:r>
+          </a:p>
+          <a:p>
+            <a:pPr algn="ctr"/>
+            <a:r>
+              <a:rPr lang="it-IT" sz="1800" dirty="0" err="1">
+                <a:solidFill>
+                  <a:schemeClr val="accent1">
+                    <a:lumMod val="75000"/>
+                  </a:schemeClr>
+                </a:solidFill>
+              </a:rPr>
+              <a:t>problem</a:t>
+            </a:r>
+            <a:endParaRPr lang="it-IT" sz="1800" dirty="0">
+              <a:solidFill>
+                <a:schemeClr val="accent1">
+                  <a:lumMod val="75000"/>
+                </a:schemeClr>
+              </a:solidFill>
+            </a:endParaRPr>
+          </a:p>
+        </p:txBody>
+      </p:sp>
+      <mc:AlternateContent xmlns:mc="http://schemas.openxmlformats.org/markup-compatibility/2006">
+        <mc:Choice xmlns:a14="http://schemas.microsoft.com/office/drawing/2010/main" Requires="a14">
+          <p:sp>
+            <p:nvSpPr>
+              <p:cNvPr id="44" name="CasellaDiTesto 43">
+                <a:extLst>
+                  <a:ext uri="{FF2B5EF4-FFF2-40B4-BE49-F238E27FC236}">
+                    <a16:creationId xmlns:a16="http://schemas.microsoft.com/office/drawing/2014/main" id="{40C1AC09-A915-F0BD-0D02-DBC62C56187F}"/>
+                  </a:ext>
+                </a:extLst>
+              </p:cNvPr>
+              <p:cNvSpPr txBox="1"/>
+              <p:nvPr/>
+            </p:nvSpPr>
+            <p:spPr>
+              <a:xfrm>
+                <a:off x="297120" y="5674485"/>
+                <a:ext cx="2600460" cy="369332"/>
+              </a:xfrm>
+              <a:prstGeom prst="rect">
+                <a:avLst/>
+              </a:prstGeom>
+              <a:noFill/>
+            </p:spPr>
+            <p:txBody>
+              <a:bodyPr wrap="square">
+                <a:spAutoFit/>
+              </a:bodyPr>
+              <a:lstStyle/>
+              <a:p>
+                <a:pPr/>
+                <a14:m>
+                  <m:oMath xmlns:m="http://schemas.openxmlformats.org/officeDocument/2006/math">
+                    <m:r>
+                      <m:rPr>
+                        <m:sty m:val="p"/>
+                      </m:rPr>
+                      <a:rPr lang="it-IT" i="1" smtClean="0">
+                        <a:latin typeface="Cambria Math" panose="02040503050406030204" pitchFamily="18" charset="0"/>
+                      </a:rPr>
+                      <m:t>x</m:t>
+                    </m:r>
+                  </m:oMath>
+                </a14:m>
+                <a:r>
+                  <a:rPr lang="it-IT" dirty="0"/>
+                  <a:t>: </a:t>
+                </a:r>
+                <a:r>
+                  <a:rPr lang="it-IT" dirty="0" err="1"/>
+                  <a:t>optimization</a:t>
+                </a:r>
+                <a:r>
+                  <a:rPr lang="it-IT" dirty="0"/>
+                  <a:t> </a:t>
+                </a:r>
+                <a:r>
+                  <a:rPr lang="it-IT" dirty="0" err="1"/>
+                  <a:t>variables</a:t>
+                </a:r>
+                <a:endParaRPr lang="it-IT" dirty="0"/>
+              </a:p>
+            </p:txBody>
+          </p:sp>
+        </mc:Choice>
+        <mc:Fallback>
+          <p:sp>
+            <p:nvSpPr>
+              <p:cNvPr id="44" name="CasellaDiTesto 43">
+                <a:extLst>
+                  <a:ext uri="{FF2B5EF4-FFF2-40B4-BE49-F238E27FC236}">
+                    <a16:creationId xmlns:a16="http://schemas.microsoft.com/office/drawing/2014/main" id="{40C1AC09-A915-F0BD-0D02-DBC62C56187F}"/>
+                  </a:ext>
+                </a:extLst>
+              </p:cNvPr>
+              <p:cNvSpPr txBox="1">
+                <a:spLocks noRot="1" noChangeAspect="1" noMove="1" noResize="1" noEditPoints="1" noAdjustHandles="1" noChangeArrowheads="1" noChangeShapeType="1" noTextEdit="1"/>
+              </p:cNvSpPr>
+              <p:nvPr/>
+            </p:nvSpPr>
+            <p:spPr>
+              <a:xfrm>
+                <a:off x="297120" y="5674485"/>
+                <a:ext cx="2600460" cy="369332"/>
+              </a:xfrm>
+              <a:prstGeom prst="rect">
+                <a:avLst/>
+              </a:prstGeom>
+              <a:blipFill>
+                <a:blip r:embed="rId13"/>
+                <a:stretch>
+                  <a:fillRect t="-10000" b="-26667"/>
+                </a:stretch>
+              </a:blipFill>
+            </p:spPr>
+            <p:txBody>
+              <a:bodyPr/>
+              <a:lstStyle/>
+              <a:p>
+                <a:r>
+                  <a:rPr lang="it-IT">
+                    <a:noFill/>
+                  </a:rPr>
+                  <a:t> </a:t>
+                </a:r>
+              </a:p>
+            </p:txBody>
+          </p:sp>
+        </mc:Fallback>
+      </mc:AlternateContent>
+      <mc:AlternateContent xmlns:mc="http://schemas.openxmlformats.org/markup-compatibility/2006">
+        <mc:Choice xmlns:a14="http://schemas.microsoft.com/office/drawing/2010/main" Requires="a14">
+          <p:sp>
+            <p:nvSpPr>
+              <p:cNvPr id="46" name="CasellaDiTesto 45">
+                <a:extLst>
+                  <a:ext uri="{FF2B5EF4-FFF2-40B4-BE49-F238E27FC236}">
+                    <a16:creationId xmlns:a16="http://schemas.microsoft.com/office/drawing/2014/main" id="{7F73FE5D-8D98-9DB4-FB18-3A42A3AD380C}"/>
+                  </a:ext>
+                </a:extLst>
+              </p:cNvPr>
+              <p:cNvSpPr txBox="1"/>
+              <p:nvPr/>
+            </p:nvSpPr>
+            <p:spPr>
+              <a:xfrm>
+                <a:off x="1923679" y="5577624"/>
+                <a:ext cx="3028207" cy="551626"/>
+              </a:xfrm>
+              <a:prstGeom prst="rect">
+                <a:avLst/>
+              </a:prstGeom>
+              <a:noFill/>
+            </p:spPr>
+            <p:txBody>
+              <a:bodyPr wrap="square">
+                <a:spAutoFit/>
+              </a:bodyPr>
+              <a:lstStyle/>
+              <a:p>
+                <a:pPr/>
+                <a14:m>
+                  <m:oMathPara xmlns:m="http://schemas.openxmlformats.org/officeDocument/2006/math">
+                    <m:oMathParaPr>
+                      <m:jc m:val="centerGroup"/>
+                    </m:oMathParaPr>
+                    <m:oMath xmlns:m="http://schemas.openxmlformats.org/officeDocument/2006/math">
+                      <m:r>
+                        <m:rPr>
+                          <m:sty m:val="p"/>
+                        </m:rPr>
+                        <a:rPr lang="it-IT" i="1" smtClean="0">
+                          <a:latin typeface="Cambria Math" panose="02040503050406030204" pitchFamily="18" charset="0"/>
+                        </a:rPr>
+                        <m:t>x</m:t>
+                      </m:r>
+                      <m:r>
+                        <a:rPr lang="it-IT" b="0" i="1" smtClean="0">
+                          <a:latin typeface="Cambria Math" panose="02040503050406030204" pitchFamily="18" charset="0"/>
+                        </a:rPr>
+                        <m:t>=</m:t>
+                      </m:r>
+                      <m:d>
+                        <m:dPr>
+                          <m:begChr m:val="["/>
+                          <m:endChr m:val="]"/>
+                          <m:ctrlPr>
+                            <a:rPr lang="it-IT" b="0" i="1" smtClean="0">
+                              <a:latin typeface="Cambria Math" panose="02040503050406030204" pitchFamily="18" charset="0"/>
+                            </a:rPr>
+                          </m:ctrlPr>
+                        </m:dPr>
+                        <m:e>
+                          <m:m>
+                            <m:mPr>
+                              <m:mcs>
+                                <m:mc>
+                                  <m:mcPr>
+                                    <m:count m:val="1"/>
+                                    <m:mcJc m:val="center"/>
+                                  </m:mcPr>
+                                </m:mc>
+                              </m:mcs>
+                              <m:ctrlPr>
+                                <a:rPr lang="it-IT" b="0" i="1" smtClean="0">
+                                  <a:latin typeface="Cambria Math" panose="02040503050406030204" pitchFamily="18" charset="0"/>
+                                </a:rPr>
+                              </m:ctrlPr>
+                            </m:mPr>
+                            <m:mr>
+                              <m:e>
+                                <m:sSub>
+                                  <m:sSubPr>
+                                    <m:ctrlPr>
+                                      <a:rPr lang="it-IT" b="0" i="1" smtClean="0">
+                                        <a:latin typeface="Cambria Math" panose="02040503050406030204" pitchFamily="18" charset="0"/>
+                                      </a:rPr>
+                                    </m:ctrlPr>
+                                  </m:sSubPr>
+                                  <m:e>
+                                    <m:r>
+                                      <a:rPr lang="it-IT" b="0" i="1" smtClean="0">
+                                        <a:latin typeface="Cambria Math" panose="02040503050406030204" pitchFamily="18" charset="0"/>
+                                        <a:ea typeface="Cambria Math" panose="02040503050406030204" pitchFamily="18" charset="0"/>
+                                      </a:rPr>
+                                      <m:t>𝜏</m:t>
+                                    </m:r>
+                                  </m:e>
+                                  <m:sub>
+                                    <m:r>
+                                      <a:rPr lang="it-IT" b="0" i="1" smtClean="0">
+                                        <a:latin typeface="Cambria Math" panose="02040503050406030204" pitchFamily="18" charset="0"/>
+                                      </a:rPr>
+                                      <m:t>𝑟</m:t>
+                                    </m:r>
+                                  </m:sub>
+                                </m:sSub>
+                              </m:e>
+                            </m:mr>
+                            <m:mr>
+                              <m:e>
+                                <m:sSub>
+                                  <m:sSubPr>
+                                    <m:ctrlPr>
+                                      <a:rPr lang="it-IT" b="0" i="1" smtClean="0">
+                                        <a:latin typeface="Cambria Math" panose="02040503050406030204" pitchFamily="18" charset="0"/>
+                                      </a:rPr>
+                                    </m:ctrlPr>
+                                  </m:sSubPr>
+                                  <m:e>
+                                    <m:r>
+                                      <a:rPr lang="it-IT" b="0" i="1" smtClean="0">
+                                        <a:latin typeface="Cambria Math" panose="02040503050406030204" pitchFamily="18" charset="0"/>
+                                        <a:ea typeface="Cambria Math" panose="02040503050406030204" pitchFamily="18" charset="0"/>
+                                      </a:rPr>
+                                      <m:t>𝜏</m:t>
+                                    </m:r>
+                                  </m:e>
+                                  <m:sub>
+                                    <m:r>
+                                      <a:rPr lang="it-IT" b="0" i="1" smtClean="0">
+                                        <a:latin typeface="Cambria Math" panose="02040503050406030204" pitchFamily="18" charset="0"/>
+                                      </a:rPr>
+                                      <m:t>𝑙</m:t>
+                                    </m:r>
+                                  </m:sub>
+                                </m:sSub>
+                              </m:e>
+                            </m:mr>
+                          </m:m>
+                        </m:e>
+                      </m:d>
+                    </m:oMath>
+                  </m:oMathPara>
+                </a14:m>
+                <a:endParaRPr lang="it-IT" dirty="0"/>
+              </a:p>
+            </p:txBody>
+          </p:sp>
+        </mc:Choice>
+        <mc:Fallback>
+          <p:sp>
+            <p:nvSpPr>
+              <p:cNvPr id="46" name="CasellaDiTesto 45">
+                <a:extLst>
+                  <a:ext uri="{FF2B5EF4-FFF2-40B4-BE49-F238E27FC236}">
+                    <a16:creationId xmlns:a16="http://schemas.microsoft.com/office/drawing/2014/main" id="{7F73FE5D-8D98-9DB4-FB18-3A42A3AD380C}"/>
+                  </a:ext>
+                </a:extLst>
+              </p:cNvPr>
+              <p:cNvSpPr txBox="1">
+                <a:spLocks noRot="1" noChangeAspect="1" noMove="1" noResize="1" noEditPoints="1" noAdjustHandles="1" noChangeArrowheads="1" noChangeShapeType="1" noTextEdit="1"/>
+              </p:cNvSpPr>
+              <p:nvPr/>
+            </p:nvSpPr>
+            <p:spPr>
+              <a:xfrm>
+                <a:off x="1923679" y="5577624"/>
+                <a:ext cx="3028207" cy="551626"/>
+              </a:xfrm>
+              <a:prstGeom prst="rect">
+                <a:avLst/>
+              </a:prstGeom>
+              <a:blipFill>
+                <a:blip r:embed="rId14"/>
+                <a:stretch>
+                  <a:fillRect/>
+                </a:stretch>
+              </a:blipFill>
+            </p:spPr>
+            <p:txBody>
+              <a:bodyPr/>
+              <a:lstStyle/>
+              <a:p>
+                <a:r>
+                  <a:rPr lang="it-IT">
+                    <a:noFill/>
+                  </a:rPr>
+                  <a:t> </a:t>
+                </a:r>
+              </a:p>
+            </p:txBody>
+          </p:sp>
+        </mc:Fallback>
+      </mc:AlternateContent>
+    </p:spTree>
+    <p:extLst>
+      <p:ext uri="{BB962C8B-B14F-4D97-AF65-F5344CB8AC3E}">
         <p14:creationId xmlns:p14="http://schemas.microsoft.com/office/powerpoint/2010/main" val="730537023"/>
       </p:ext>
     </p:extLst>
@@ -12053,7 +15976,7 @@
 </p:sld>
 </file>
 
-<file path=ppt/slides/slide6.xml><?xml version="1.0" encoding="utf-8"?>
+<file path=ppt/slides/slide7.xml><?xml version="1.0" encoding="utf-8"?>
 <p:sld xmlns:a="http://schemas.openxmlformats.org/drawingml/2006/main" xmlns:r="http://schemas.openxmlformats.org/officeDocument/2006/relationships" xmlns:p="http://schemas.openxmlformats.org/presentationml/2006/main">
   <p:cSld>
     <p:spTree>
@@ -12714,7 +16637,7 @@
 </p:sld>
 </file>
 
-<file path=ppt/slides/slide7.xml><?xml version="1.0" encoding="utf-8"?>
+<file path=ppt/slides/slide8.xml><?xml version="1.0" encoding="utf-8"?>
 <p:sld xmlns:a="http://schemas.openxmlformats.org/drawingml/2006/main" xmlns:r="http://schemas.openxmlformats.org/officeDocument/2006/relationships" xmlns:p="http://schemas.openxmlformats.org/presentationml/2006/main">
   <p:cSld>
     <p:spTree>

--- a/Presentations/Presentation_11_11.pptx
+++ b/Presentations/Presentation_11_11.pptx
@@ -6,7 +6,7 @@
     <p:sldMasterId id="2147483672" r:id="rId2"/>
   </p:sldMasterIdLst>
   <p:notesMasterIdLst>
-    <p:notesMasterId r:id="rId11"/>
+    <p:notesMasterId r:id="rId12"/>
   </p:notesMasterIdLst>
   <p:sldIdLst>
     <p:sldId id="259" r:id="rId3"/>
@@ -17,6 +17,7 @@
     <p:sldId id="264" r:id="rId8"/>
     <p:sldId id="262" r:id="rId9"/>
     <p:sldId id="263" r:id="rId10"/>
+    <p:sldId id="266" r:id="rId11"/>
   </p:sldIdLst>
   <p:sldSz cx="9144000" cy="6858000" type="screen4x3"/>
   <p:notesSz cx="6858000" cy="9144000"/>
@@ -5449,6 +5450,90 @@
     <p:extLst>
       <p:ext uri="{BB962C8B-B14F-4D97-AF65-F5344CB8AC3E}">
         <p14:creationId xmlns:p14="http://schemas.microsoft.com/office/powerpoint/2010/main" val="3833510217"/>
+      </p:ext>
+    </p:extLst>
+  </p:cSld>
+  <p:clrMapOvr>
+    <a:masterClrMapping/>
+  </p:clrMapOvr>
+</p:notes>
+</file>
+
+<file path=ppt/notesSlides/notesSlide4.xml><?xml version="1.0" encoding="utf-8"?>
+<p:notes xmlns:a="http://schemas.openxmlformats.org/drawingml/2006/main" xmlns:r="http://schemas.openxmlformats.org/officeDocument/2006/relationships" xmlns:p="http://schemas.openxmlformats.org/presentationml/2006/main">
+  <p:cSld>
+    <p:spTree>
+      <p:nvGrpSpPr>
+        <p:cNvPr id="1" name=""/>
+        <p:cNvGrpSpPr/>
+        <p:nvPr/>
+      </p:nvGrpSpPr>
+      <p:grpSpPr>
+        <a:xfrm>
+          <a:off x="0" y="0"/>
+          <a:ext cx="0" cy="0"/>
+          <a:chOff x="0" y="0"/>
+          <a:chExt cx="0" cy="0"/>
+        </a:xfrm>
+      </p:grpSpPr>
+      <p:sp>
+        <p:nvSpPr>
+          <p:cNvPr id="2" name="Segnaposto immagine diapositiva 1"/>
+          <p:cNvSpPr>
+            <a:spLocks noGrp="1" noRot="1" noChangeAspect="1"/>
+          </p:cNvSpPr>
+          <p:nvPr>
+            <p:ph type="sldImg"/>
+          </p:nvPr>
+        </p:nvSpPr>
+        <p:spPr/>
+      </p:sp>
+      <p:sp>
+        <p:nvSpPr>
+          <p:cNvPr id="3" name="Segnaposto note 2"/>
+          <p:cNvSpPr>
+            <a:spLocks noGrp="1"/>
+          </p:cNvSpPr>
+          <p:nvPr>
+            <p:ph type="body" idx="1"/>
+          </p:nvPr>
+        </p:nvSpPr>
+        <p:spPr/>
+        <p:txBody>
+          <a:bodyPr/>
+          <a:lstStyle/>
+          <a:p>
+            <a:endParaRPr lang="it-IT" dirty="0"/>
+          </a:p>
+        </p:txBody>
+      </p:sp>
+      <p:sp>
+        <p:nvSpPr>
+          <p:cNvPr id="4" name="Segnaposto numero diapositiva 3"/>
+          <p:cNvSpPr>
+            <a:spLocks noGrp="1"/>
+          </p:cNvSpPr>
+          <p:nvPr>
+            <p:ph type="sldNum" sz="quarter" idx="5"/>
+          </p:nvPr>
+        </p:nvSpPr>
+        <p:spPr/>
+        <p:txBody>
+          <a:bodyPr/>
+          <a:lstStyle/>
+          <a:p>
+            <a:fld id="{BB6912C9-2727-4ECF-B850-59AB2EFCA88F}" type="slidenum">
+              <a:rPr lang="it-IT" smtClean="0"/>
+              <a:t>9</a:t>
+            </a:fld>
+            <a:endParaRPr lang="it-IT"/>
+          </a:p>
+        </p:txBody>
+      </p:sp>
+    </p:spTree>
+    <p:extLst>
+      <p:ext uri="{BB962C8B-B14F-4D97-AF65-F5344CB8AC3E}">
+        <p14:creationId xmlns:p14="http://schemas.microsoft.com/office/powerpoint/2010/main" val="3568281343"/>
       </p:ext>
     </p:extLst>
   </p:cSld>
@@ -11187,7 +11272,7 @@
             </p:nvSpPr>
             <p:spPr>
               <a:xfrm>
-                <a:off x="658240" y="1273890"/>
+                <a:off x="658241" y="1273890"/>
                 <a:ext cx="4057650" cy="7571303"/>
               </a:xfrm>
               <a:prstGeom prst="rect">
@@ -11879,7 +11964,6 @@
                 </a:r>
               </a:p>
               <a:p>
-                <a:pPr/>
                 <a14:m>
                   <m:oMath xmlns:m="http://schemas.openxmlformats.org/officeDocument/2006/math">
                     <m:acc>
@@ -11962,7 +12046,6 @@
                 </a:r>
               </a:p>
               <a:p>
-                <a:pPr/>
                 <a14:m>
                   <m:oMath xmlns:m="http://schemas.openxmlformats.org/officeDocument/2006/math">
                     <m:acc>
@@ -12045,7 +12128,6 @@
                 </a:r>
               </a:p>
               <a:p>
-                <a:pPr/>
                 <a:endParaRPr lang="it-IT" sz="1800" dirty="0">
                   <a:effectLst/>
                   <a:latin typeface="Calibri" panose="020F0502020204030204" pitchFamily="34" charset="0"/>
@@ -12054,7 +12136,6 @@
                 </a:endParaRPr>
               </a:p>
               <a:p>
-                <a:pPr/>
                 <a:endParaRPr lang="it-IT" sz="1800" dirty="0">
                   <a:effectLst/>
                   <a:latin typeface="Calibri" panose="020F0502020204030204" pitchFamily="34" charset="0"/>
@@ -12103,7 +12184,7 @@
             </p:nvSpPr>
             <p:spPr>
               <a:xfrm>
-                <a:off x="658240" y="1273890"/>
+                <a:off x="658241" y="1273890"/>
                 <a:ext cx="4057650" cy="7571303"/>
               </a:xfrm>
               <a:prstGeom prst="rect">
@@ -12401,8 +12482,8 @@
         </p:nvSpPr>
         <p:spPr>
           <a:xfrm>
-            <a:off x="2810974" y="41297"/>
-            <a:ext cx="3522051" cy="646290"/>
+            <a:off x="1632852" y="7532"/>
+            <a:ext cx="5902320" cy="646290"/>
           </a:xfrm>
           <a:prstGeom prst="rect">
             <a:avLst/>
@@ -12426,7 +12507,7 @@
                   </a:schemeClr>
                 </a:solidFill>
               </a:rPr>
-              <a:t>Cost Function</a:t>
+              <a:t>Cost Function and constraints</a:t>
             </a:r>
           </a:p>
         </p:txBody>
@@ -12507,8 +12588,8 @@
           </a:prstGeom>
         </p:spPr>
       </p:pic>
-      <mc:AlternateContent xmlns:mc="http://schemas.openxmlformats.org/markup-compatibility/2006">
-        <mc:Choice xmlns:a14="http://schemas.microsoft.com/office/drawing/2010/main" Requires="a14">
+      <mc:AlternateContent xmlns:mc="http://schemas.openxmlformats.org/markup-compatibility/2006" xmlns:a14="http://schemas.microsoft.com/office/drawing/2010/main">
+        <mc:Choice Requires="a14">
           <p:sp>
             <p:nvSpPr>
               <p:cNvPr id="14" name="CasellaDiTesto 13">
@@ -12537,7 +12618,6 @@
               </a:bodyPr>
               <a:lstStyle/>
               <a:p>
-                <a:pPr/>
                 <a14:m>
                   <m:oMath xmlns:m="http://schemas.openxmlformats.org/officeDocument/2006/math">
                     <m:acc>
@@ -12628,7 +12708,7 @@
             </p:txBody>
           </p:sp>
         </mc:Choice>
-        <mc:Fallback>
+        <mc:Fallback xmlns="">
           <p:sp>
             <p:nvSpPr>
               <p:cNvPr id="14" name="CasellaDiTesto 13">
@@ -12673,8 +12753,8 @@
           </p:sp>
         </mc:Fallback>
       </mc:AlternateContent>
-      <mc:AlternateContent xmlns:mc="http://schemas.openxmlformats.org/markup-compatibility/2006">
-        <mc:Choice xmlns:a14="http://schemas.microsoft.com/office/drawing/2010/main" Requires="a14">
+      <mc:AlternateContent xmlns:mc="http://schemas.openxmlformats.org/markup-compatibility/2006" xmlns:a14="http://schemas.microsoft.com/office/drawing/2010/main">
+        <mc:Choice Requires="a14">
           <p:sp>
             <p:nvSpPr>
               <p:cNvPr id="15" name="CasellaDiTesto 14">
@@ -12754,7 +12834,7 @@
             </p:txBody>
           </p:sp>
         </mc:Choice>
-        <mc:Fallback>
+        <mc:Fallback xmlns="">
           <p:sp>
             <p:nvSpPr>
               <p:cNvPr id="15" name="CasellaDiTesto 14">
@@ -12835,8 +12915,8 @@
           </a:p>
         </p:txBody>
       </p:sp>
-      <mc:AlternateContent xmlns:mc="http://schemas.openxmlformats.org/markup-compatibility/2006">
-        <mc:Choice xmlns:a14="http://schemas.microsoft.com/office/drawing/2010/main" Requires="a14">
+      <mc:AlternateContent xmlns:mc="http://schemas.openxmlformats.org/markup-compatibility/2006" xmlns:a14="http://schemas.microsoft.com/office/drawing/2010/main">
+        <mc:Choice Requires="a14">
           <p:sp>
             <p:nvSpPr>
               <p:cNvPr id="17" name="CasellaDiTesto 16">
@@ -12934,7 +13014,7 @@
             </p:txBody>
           </p:sp>
         </mc:Choice>
-        <mc:Fallback>
+        <mc:Fallback xmlns="">
           <p:sp>
             <p:nvSpPr>
               <p:cNvPr id="17" name="CasellaDiTesto 16">
@@ -13399,8 +13479,8 @@
           </a:p>
         </p:txBody>
       </p:sp>
-      <mc:AlternateContent xmlns:mc="http://schemas.openxmlformats.org/markup-compatibility/2006">
-        <mc:Choice xmlns:a14="http://schemas.microsoft.com/office/drawing/2010/main" Requires="a14">
+      <mc:AlternateContent xmlns:mc="http://schemas.openxmlformats.org/markup-compatibility/2006" xmlns:a14="http://schemas.microsoft.com/office/drawing/2010/main">
+        <mc:Choice Requires="a14">
           <p:sp>
             <p:nvSpPr>
               <p:cNvPr id="21" name="CasellaDiTesto 20">
@@ -13498,7 +13578,7 @@
             </p:txBody>
           </p:sp>
         </mc:Choice>
-        <mc:Fallback>
+        <mc:Fallback xmlns="">
           <p:sp>
             <p:nvSpPr>
               <p:cNvPr id="21" name="CasellaDiTesto 20">
@@ -13543,8 +13623,8 @@
           </p:sp>
         </mc:Fallback>
       </mc:AlternateContent>
-      <mc:AlternateContent xmlns:mc="http://schemas.openxmlformats.org/markup-compatibility/2006">
-        <mc:Choice xmlns:a14="http://schemas.microsoft.com/office/drawing/2010/main" Requires="a14">
+      <mc:AlternateContent xmlns:mc="http://schemas.openxmlformats.org/markup-compatibility/2006" xmlns:a14="http://schemas.microsoft.com/office/drawing/2010/main">
+        <mc:Choice Requires="a14">
           <p:sp>
             <p:nvSpPr>
               <p:cNvPr id="22" name="CasellaDiTesto 21">
@@ -13636,7 +13716,7 @@
             </p:txBody>
           </p:sp>
         </mc:Choice>
-        <mc:Fallback>
+        <mc:Fallback xmlns="">
           <p:sp>
             <p:nvSpPr>
               <p:cNvPr id="22" name="CasellaDiTesto 21">
@@ -13698,7 +13778,7 @@
         <p:spPr>
           <a:xfrm>
             <a:off x="2729939" y="3293160"/>
-            <a:ext cx="1842060" cy="432861"/>
+            <a:ext cx="1842060" cy="491264"/>
           </a:xfrm>
           <a:prstGeom prst="rect">
             <a:avLst/>
@@ -13706,7 +13786,7 @@
         </p:spPr>
         <p:txBody>
           <a:bodyPr vert="horz" lIns="91440" tIns="45720" rIns="91440" bIns="45720" rtlCol="0">
-            <a:normAutofit fontScale="85000" lnSpcReduction="20000"/>
+            <a:normAutofit fontScale="92500" lnSpcReduction="20000"/>
           </a:bodyPr>
           <a:lstStyle>
             <a:lvl1pPr marL="0" indent="0" algn="ctr" defTabSz="914400" rtl="0" eaLnBrk="1" latinLnBrk="0" hangingPunct="1">
@@ -13891,8 +13971,8 @@
           </a:p>
         </p:txBody>
       </p:sp>
-      <mc:AlternateContent xmlns:mc="http://schemas.openxmlformats.org/markup-compatibility/2006">
-        <mc:Choice xmlns:a14="http://schemas.microsoft.com/office/drawing/2010/main" Requires="a14">
+      <mc:AlternateContent xmlns:mc="http://schemas.openxmlformats.org/markup-compatibility/2006" xmlns:a14="http://schemas.microsoft.com/office/drawing/2010/main">
+        <mc:Choice Requires="a14">
           <p:sp>
             <p:nvSpPr>
               <p:cNvPr id="24" name="CasellaDiTesto 23">
@@ -13984,7 +14064,7 @@
             </p:txBody>
           </p:sp>
         </mc:Choice>
-        <mc:Fallback>
+        <mc:Fallback xmlns="">
           <p:sp>
             <p:nvSpPr>
               <p:cNvPr id="24" name="CasellaDiTesto 23">
@@ -14239,8 +14319,8 @@
           </a:p>
         </p:txBody>
       </p:sp>
-      <mc:AlternateContent xmlns:mc="http://schemas.openxmlformats.org/markup-compatibility/2006">
-        <mc:Choice xmlns:a14="http://schemas.microsoft.com/office/drawing/2010/main" Requires="a14">
+      <mc:AlternateContent xmlns:mc="http://schemas.openxmlformats.org/markup-compatibility/2006" xmlns:a14="http://schemas.microsoft.com/office/drawing/2010/main">
+        <mc:Choice Requires="a14">
           <p:sp>
             <p:nvSpPr>
               <p:cNvPr id="29" name="CasellaDiTesto 28">
@@ -14599,7 +14679,7 @@
             </p:txBody>
           </p:sp>
         </mc:Choice>
-        <mc:Fallback>
+        <mc:Fallback xmlns="">
           <p:sp>
             <p:nvSpPr>
               <p:cNvPr id="29" name="CasellaDiTesto 28">
@@ -15418,8 +15498,8 @@
           </a:p>
         </p:txBody>
       </p:sp>
-      <mc:AlternateContent xmlns:mc="http://schemas.openxmlformats.org/markup-compatibility/2006">
-        <mc:Choice xmlns:a14="http://schemas.microsoft.com/office/drawing/2010/main" Requires="a14">
+      <mc:AlternateContent xmlns:mc="http://schemas.openxmlformats.org/markup-compatibility/2006" xmlns:a14="http://schemas.microsoft.com/office/drawing/2010/main">
+        <mc:Choice Requires="a14">
           <p:sp>
             <p:nvSpPr>
               <p:cNvPr id="39" name="CasellaDiTesto 38">
@@ -15470,7 +15550,7 @@
             </p:txBody>
           </p:sp>
         </mc:Choice>
-        <mc:Fallback>
+        <mc:Fallback xmlns="">
           <p:sp>
             <p:nvSpPr>
               <p:cNvPr id="39" name="CasellaDiTesto 38">
@@ -15658,8 +15738,8 @@
           </a:p>
         </p:txBody>
       </p:sp>
-      <mc:AlternateContent xmlns:mc="http://schemas.openxmlformats.org/markup-compatibility/2006">
-        <mc:Choice xmlns:a14="http://schemas.microsoft.com/office/drawing/2010/main" Requires="a14">
+      <mc:AlternateContent xmlns:mc="http://schemas.openxmlformats.org/markup-compatibility/2006" xmlns:a14="http://schemas.microsoft.com/office/drawing/2010/main">
+        <mc:Choice Requires="a14">
           <p:sp>
             <p:nvSpPr>
               <p:cNvPr id="44" name="CasellaDiTesto 43">
@@ -15688,7 +15768,6 @@
               </a:bodyPr>
               <a:lstStyle/>
               <a:p>
-                <a:pPr/>
                 <a14:m>
                   <m:oMath xmlns:m="http://schemas.openxmlformats.org/officeDocument/2006/math">
                     <m:r>
@@ -15723,7 +15802,7 @@
             </p:txBody>
           </p:sp>
         </mc:Choice>
-        <mc:Fallback>
+        <mc:Fallback xmlns="">
           <p:sp>
             <p:nvSpPr>
               <p:cNvPr id="44" name="CasellaDiTesto 43">
@@ -15768,8 +15847,8 @@
           </p:sp>
         </mc:Fallback>
       </mc:AlternateContent>
-      <mc:AlternateContent xmlns:mc="http://schemas.openxmlformats.org/markup-compatibility/2006">
-        <mc:Choice xmlns:a14="http://schemas.microsoft.com/office/drawing/2010/main" Requires="a14">
+      <mc:AlternateContent xmlns:mc="http://schemas.openxmlformats.org/markup-compatibility/2006" xmlns:a14="http://schemas.microsoft.com/office/drawing/2010/main">
+        <mc:Choice Requires="a14">
           <p:sp>
             <p:nvSpPr>
               <p:cNvPr id="46" name="CasellaDiTesto 45">
@@ -15918,7 +15997,7 @@
             </p:txBody>
           </p:sp>
         </mc:Choice>
-        <mc:Fallback>
+        <mc:Fallback xmlns="">
           <p:sp>
             <p:nvSpPr>
               <p:cNvPr id="46" name="CasellaDiTesto 45">
@@ -16654,6 +16733,42 @@
           <a:chExt cx="0" cy="0"/>
         </a:xfrm>
       </p:grpSpPr>
+      <p:pic>
+        <p:nvPicPr>
+          <p:cNvPr id="15" name="Immagine 14">
+            <a:extLst>
+              <a:ext uri="{FF2B5EF4-FFF2-40B4-BE49-F238E27FC236}">
+                <a16:creationId xmlns:a16="http://schemas.microsoft.com/office/drawing/2014/main" id="{32E935ED-8864-C94D-47B6-3FC5CC124675}"/>
+              </a:ext>
+            </a:extLst>
+          </p:cNvPr>
+          <p:cNvPicPr>
+            <a:picLocks noChangeAspect="1"/>
+          </p:cNvPicPr>
+          <p:nvPr/>
+        </p:nvPicPr>
+        <p:blipFill>
+          <a:blip r:embed="rId3">
+            <a:extLst>
+              <a:ext uri="{28A0092B-C50C-407E-A947-70E740481C1C}">
+                <a14:useLocalDpi xmlns:a14="http://schemas.microsoft.com/office/drawing/2010/main" val="0"/>
+              </a:ext>
+            </a:extLst>
+          </a:blip>
+          <a:stretch>
+            <a:fillRect/>
+          </a:stretch>
+        </p:blipFill>
+        <p:spPr>
+          <a:xfrm>
+            <a:off x="-1" y="1433450"/>
+            <a:ext cx="9144000" cy="4102369"/>
+          </a:xfrm>
+          <a:prstGeom prst="rect">
+            <a:avLst/>
+          </a:prstGeom>
+        </p:spPr>
+      </p:pic>
       <p:sp>
         <p:nvSpPr>
           <p:cNvPr id="2" name="CasellaDiTesto 1">
@@ -16705,8 +16820,8 @@
         </p:nvSpPr>
         <p:spPr>
           <a:xfrm>
-            <a:off x="2681095" y="0"/>
-            <a:ext cx="4086609" cy="646290"/>
+            <a:off x="2937778" y="-10242"/>
+            <a:ext cx="3268443" cy="646290"/>
           </a:xfrm>
           <a:prstGeom prst="rect">
             <a:avLst/>
@@ -16830,42 +16945,6 @@
       </p:sp>
       <p:pic>
         <p:nvPicPr>
-          <p:cNvPr id="4" name="Immagine 3">
-            <a:extLst>
-              <a:ext uri="{FF2B5EF4-FFF2-40B4-BE49-F238E27FC236}">
-                <a16:creationId xmlns:a16="http://schemas.microsoft.com/office/drawing/2014/main" id="{5079C5AE-3812-4680-B01F-A816DE44EC09}"/>
-              </a:ext>
-            </a:extLst>
-          </p:cNvPr>
-          <p:cNvPicPr>
-            <a:picLocks noChangeAspect="1"/>
-          </p:cNvPicPr>
-          <p:nvPr/>
-        </p:nvPicPr>
-        <p:blipFill>
-          <a:blip r:embed="rId3">
-            <a:extLst>
-              <a:ext uri="{28A0092B-C50C-407E-A947-70E740481C1C}">
-                <a14:useLocalDpi xmlns:a14="http://schemas.microsoft.com/office/drawing/2010/main" val="0"/>
-              </a:ext>
-            </a:extLst>
-          </a:blip>
-          <a:stretch>
-            <a:fillRect/>
-          </a:stretch>
-        </p:blipFill>
-        <p:spPr>
-          <a:xfrm>
-            <a:off x="0" y="1140032"/>
-            <a:ext cx="9144000" cy="4560124"/>
-          </a:xfrm>
-          <a:prstGeom prst="rect">
-            <a:avLst/>
-          </a:prstGeom>
-        </p:spPr>
-      </p:pic>
-      <p:pic>
-        <p:nvPicPr>
           <p:cNvPr id="5" name="Elemento grafico 4" descr="Robot contorno">
             <a:extLst>
               <a:ext uri="{FF2B5EF4-FFF2-40B4-BE49-F238E27FC236}">
@@ -16942,6 +17021,380 @@
           </a:prstGeom>
         </p:spPr>
       </p:pic>
+      <p:sp>
+        <p:nvSpPr>
+          <p:cNvPr id="8" name="Ovale 7">
+            <a:extLst>
+              <a:ext uri="{FF2B5EF4-FFF2-40B4-BE49-F238E27FC236}">
+                <a16:creationId xmlns:a16="http://schemas.microsoft.com/office/drawing/2014/main" id="{34312CFB-FB68-797D-DC83-A7BB291414C7}"/>
+              </a:ext>
+            </a:extLst>
+          </p:cNvPr>
+          <p:cNvSpPr/>
+          <p:nvPr/>
+        </p:nvSpPr>
+        <p:spPr>
+          <a:xfrm>
+            <a:off x="2448534" y="2160083"/>
+            <a:ext cx="817182" cy="516575"/>
+          </a:xfrm>
+          <a:prstGeom prst="ellipse">
+            <a:avLst/>
+          </a:prstGeom>
+          <a:noFill/>
+          <a:ln w="28575">
+            <a:solidFill>
+              <a:schemeClr val="accent1">
+                <a:lumMod val="75000"/>
+              </a:schemeClr>
+            </a:solidFill>
+          </a:ln>
+        </p:spPr>
+        <p:style>
+          <a:lnRef idx="2">
+            <a:schemeClr val="accent1">
+              <a:shade val="50000"/>
+            </a:schemeClr>
+          </a:lnRef>
+          <a:fillRef idx="1">
+            <a:schemeClr val="accent1"/>
+          </a:fillRef>
+          <a:effectRef idx="0">
+            <a:schemeClr val="accent1"/>
+          </a:effectRef>
+          <a:fontRef idx="minor">
+            <a:schemeClr val="lt1"/>
+          </a:fontRef>
+        </p:style>
+        <p:txBody>
+          <a:bodyPr rtlCol="0" anchor="ctr"/>
+          <a:lstStyle/>
+          <a:p>
+            <a:pPr algn="ctr"/>
+            <a:endParaRPr lang="it-IT" sz="1200" dirty="0">
+              <a:solidFill>
+                <a:schemeClr val="accent1">
+                  <a:lumMod val="75000"/>
+                </a:schemeClr>
+              </a:solidFill>
+            </a:endParaRPr>
+          </a:p>
+        </p:txBody>
+      </p:sp>
+      <p:sp>
+        <p:nvSpPr>
+          <p:cNvPr id="9" name="Ovale 8">
+            <a:extLst>
+              <a:ext uri="{FF2B5EF4-FFF2-40B4-BE49-F238E27FC236}">
+                <a16:creationId xmlns:a16="http://schemas.microsoft.com/office/drawing/2014/main" id="{399C260A-7ACD-0A55-D72F-BE549A833515}"/>
+              </a:ext>
+            </a:extLst>
+          </p:cNvPr>
+          <p:cNvSpPr/>
+          <p:nvPr/>
+        </p:nvSpPr>
+        <p:spPr>
+          <a:xfrm>
+            <a:off x="2626663" y="3933714"/>
+            <a:ext cx="817182" cy="516575"/>
+          </a:xfrm>
+          <a:prstGeom prst="ellipse">
+            <a:avLst/>
+          </a:prstGeom>
+          <a:noFill/>
+          <a:ln w="28575">
+            <a:solidFill>
+              <a:schemeClr val="accent1">
+                <a:lumMod val="50000"/>
+              </a:schemeClr>
+            </a:solidFill>
+          </a:ln>
+        </p:spPr>
+        <p:style>
+          <a:lnRef idx="2">
+            <a:schemeClr val="accent1">
+              <a:shade val="50000"/>
+            </a:schemeClr>
+          </a:lnRef>
+          <a:fillRef idx="1">
+            <a:schemeClr val="accent1"/>
+          </a:fillRef>
+          <a:effectRef idx="0">
+            <a:schemeClr val="accent1"/>
+          </a:effectRef>
+          <a:fontRef idx="minor">
+            <a:schemeClr val="lt1"/>
+          </a:fontRef>
+        </p:style>
+        <p:txBody>
+          <a:bodyPr rtlCol="0" anchor="ctr"/>
+          <a:lstStyle/>
+          <a:p>
+            <a:pPr algn="ctr"/>
+            <a:endParaRPr lang="it-IT" sz="1200" dirty="0">
+              <a:solidFill>
+                <a:schemeClr val="accent1">
+                  <a:lumMod val="50000"/>
+                </a:schemeClr>
+              </a:solidFill>
+            </a:endParaRPr>
+          </a:p>
+        </p:txBody>
+      </p:sp>
+      <p:sp>
+        <p:nvSpPr>
+          <p:cNvPr id="10" name="Google Shape;680;p3">
+            <a:extLst>
+              <a:ext uri="{FF2B5EF4-FFF2-40B4-BE49-F238E27FC236}">
+                <a16:creationId xmlns:a16="http://schemas.microsoft.com/office/drawing/2014/main" id="{DF5F7DB8-82E6-2DC7-033A-B708DF6C6D09}"/>
+              </a:ext>
+            </a:extLst>
+          </p:cNvPr>
+          <p:cNvSpPr txBox="1"/>
+          <p:nvPr/>
+        </p:nvSpPr>
+        <p:spPr>
+          <a:xfrm>
+            <a:off x="2724518" y="2924286"/>
+            <a:ext cx="1087462" cy="338514"/>
+          </a:xfrm>
+          <a:prstGeom prst="rect">
+            <a:avLst/>
+          </a:prstGeom>
+          <a:solidFill>
+            <a:schemeClr val="bg1"/>
+          </a:solidFill>
+          <a:ln>
+            <a:noFill/>
+          </a:ln>
+        </p:spPr>
+        <p:txBody>
+          <a:bodyPr spcFirstLastPara="1" wrap="square" lIns="91425" tIns="45700" rIns="91425" bIns="45700" anchor="t" anchorCtr="0">
+            <a:spAutoFit/>
+          </a:bodyPr>
+          <a:lstStyle/>
+          <a:p>
+            <a:r>
+              <a:rPr lang="fr-FR" sz="1600" b="1" dirty="0">
+                <a:solidFill>
+                  <a:schemeClr val="accent1">
+                    <a:lumMod val="75000"/>
+                  </a:schemeClr>
+                </a:solidFill>
+                <a:latin typeface="Encode Sans ExtraBold" panose="020B0604020202020204" charset="0"/>
+                <a:ea typeface="Encode Sans ExtraBold"/>
+                <a:cs typeface="Encode Sans ExtraBold"/>
+              </a:rPr>
+              <a:t>Speed Reg</a:t>
+            </a:r>
+          </a:p>
+        </p:txBody>
+      </p:sp>
+      <p:sp>
+        <p:nvSpPr>
+          <p:cNvPr id="11" name="Google Shape;680;p3">
+            <a:extLst>
+              <a:ext uri="{FF2B5EF4-FFF2-40B4-BE49-F238E27FC236}">
+                <a16:creationId xmlns:a16="http://schemas.microsoft.com/office/drawing/2014/main" id="{32F9992A-4CA9-2DA5-2715-C5C228595C73}"/>
+              </a:ext>
+            </a:extLst>
+          </p:cNvPr>
+          <p:cNvSpPr txBox="1"/>
+          <p:nvPr/>
+        </p:nvSpPr>
+        <p:spPr>
+          <a:xfrm>
+            <a:off x="3657105" y="4859169"/>
+            <a:ext cx="914895" cy="338514"/>
+          </a:xfrm>
+          <a:prstGeom prst="rect">
+            <a:avLst/>
+          </a:prstGeom>
+          <a:solidFill>
+            <a:schemeClr val="bg1"/>
+          </a:solidFill>
+          <a:ln>
+            <a:noFill/>
+          </a:ln>
+        </p:spPr>
+        <p:txBody>
+          <a:bodyPr spcFirstLastPara="1" wrap="square" lIns="91425" tIns="45700" rIns="91425" bIns="45700" anchor="t" anchorCtr="0">
+            <a:spAutoFit/>
+          </a:bodyPr>
+          <a:lstStyle/>
+          <a:p>
+            <a:r>
+              <a:rPr lang="fr-FR" sz="1600" b="1" dirty="0" err="1">
+                <a:solidFill>
+                  <a:schemeClr val="accent1">
+                    <a:lumMod val="50000"/>
+                  </a:schemeClr>
+                </a:solidFill>
+                <a:latin typeface="Encode Sans ExtraBold" panose="020B0604020202020204" charset="0"/>
+                <a:ea typeface="Encode Sans ExtraBold"/>
+                <a:cs typeface="Encode Sans ExtraBold"/>
+              </a:rPr>
+              <a:t>Yaw</a:t>
+            </a:r>
+            <a:r>
+              <a:rPr lang="fr-FR" sz="1600" b="1" dirty="0">
+                <a:solidFill>
+                  <a:schemeClr val="accent1">
+                    <a:lumMod val="50000"/>
+                  </a:schemeClr>
+                </a:solidFill>
+                <a:latin typeface="Encode Sans ExtraBold" panose="020B0604020202020204" charset="0"/>
+                <a:ea typeface="Encode Sans ExtraBold"/>
+                <a:cs typeface="Encode Sans ExtraBold"/>
+              </a:rPr>
+              <a:t> Reg</a:t>
+            </a:r>
+          </a:p>
+        </p:txBody>
+      </p:sp>
+      <p:sp>
+        <p:nvSpPr>
+          <p:cNvPr id="13" name="Google Shape;680;p3">
+            <a:extLst>
+              <a:ext uri="{FF2B5EF4-FFF2-40B4-BE49-F238E27FC236}">
+                <a16:creationId xmlns:a16="http://schemas.microsoft.com/office/drawing/2014/main" id="{D90690DD-F3A3-4941-6154-47C66AAF3D13}"/>
+              </a:ext>
+            </a:extLst>
+          </p:cNvPr>
+          <p:cNvSpPr txBox="1"/>
+          <p:nvPr/>
+        </p:nvSpPr>
+        <p:spPr>
+          <a:xfrm>
+            <a:off x="1507533" y="1001989"/>
+            <a:ext cx="1438655" cy="338514"/>
+          </a:xfrm>
+          <a:prstGeom prst="rect">
+            <a:avLst/>
+          </a:prstGeom>
+          <a:solidFill>
+            <a:schemeClr val="bg1"/>
+          </a:solidFill>
+          <a:ln>
+            <a:noFill/>
+          </a:ln>
+        </p:spPr>
+        <p:txBody>
+          <a:bodyPr spcFirstLastPara="1" wrap="square" lIns="91425" tIns="45700" rIns="91425" bIns="45700" anchor="t" anchorCtr="0">
+            <a:spAutoFit/>
+          </a:bodyPr>
+          <a:lstStyle/>
+          <a:p>
+            <a:r>
+              <a:rPr lang="fr-FR" sz="1600" b="1" dirty="0">
+                <a:solidFill>
+                  <a:schemeClr val="accent1">
+                    <a:lumMod val="75000"/>
+                  </a:schemeClr>
+                </a:solidFill>
+                <a:latin typeface="Encode Sans ExtraBold" panose="020B0604020202020204" charset="0"/>
+                <a:ea typeface="Encode Sans ExtraBold"/>
+                <a:cs typeface="Encode Sans ExtraBold"/>
+              </a:rPr>
+              <a:t>Speed Reg</a:t>
+            </a:r>
+          </a:p>
+        </p:txBody>
+      </p:sp>
+      <p:cxnSp>
+        <p:nvCxnSpPr>
+          <p:cNvPr id="17" name="Connettore 2 16">
+            <a:extLst>
+              <a:ext uri="{FF2B5EF4-FFF2-40B4-BE49-F238E27FC236}">
+                <a16:creationId xmlns:a16="http://schemas.microsoft.com/office/drawing/2014/main" id="{C00066C0-4DA1-7D55-0880-7BA785D5A45D}"/>
+              </a:ext>
+            </a:extLst>
+          </p:cNvPr>
+          <p:cNvCxnSpPr>
+            <a:cxnSpLocks/>
+            <a:stCxn id="10" idx="0"/>
+          </p:cNvCxnSpPr>
+          <p:nvPr/>
+        </p:nvCxnSpPr>
+        <p:spPr>
+          <a:xfrm flipH="1" flipV="1">
+            <a:off x="3004458" y="2644628"/>
+            <a:ext cx="263791" cy="279658"/>
+          </a:xfrm>
+          <a:prstGeom prst="straightConnector1">
+            <a:avLst/>
+          </a:prstGeom>
+          <a:ln>
+            <a:solidFill>
+              <a:schemeClr val="accent1">
+                <a:lumMod val="75000"/>
+              </a:schemeClr>
+            </a:solidFill>
+            <a:tailEnd type="triangle"/>
+          </a:ln>
+        </p:spPr>
+        <p:style>
+          <a:lnRef idx="1">
+            <a:schemeClr val="accent1"/>
+          </a:lnRef>
+          <a:fillRef idx="0">
+            <a:schemeClr val="accent1"/>
+          </a:fillRef>
+          <a:effectRef idx="0">
+            <a:schemeClr val="accent1"/>
+          </a:effectRef>
+          <a:fontRef idx="minor">
+            <a:schemeClr val="tx1"/>
+          </a:fontRef>
+        </p:style>
+      </p:cxnSp>
+      <p:cxnSp>
+        <p:nvCxnSpPr>
+          <p:cNvPr id="21" name="Connettore 2 20">
+            <a:extLst>
+              <a:ext uri="{FF2B5EF4-FFF2-40B4-BE49-F238E27FC236}">
+                <a16:creationId xmlns:a16="http://schemas.microsoft.com/office/drawing/2014/main" id="{EC3E604C-9603-B326-8DB3-B3E449A555A0}"/>
+              </a:ext>
+            </a:extLst>
+          </p:cNvPr>
+          <p:cNvCxnSpPr>
+            <a:cxnSpLocks/>
+            <a:stCxn id="11" idx="0"/>
+          </p:cNvCxnSpPr>
+          <p:nvPr/>
+        </p:nvCxnSpPr>
+        <p:spPr>
+          <a:xfrm flipH="1" flipV="1">
+            <a:off x="3265716" y="4450289"/>
+            <a:ext cx="848837" cy="408880"/>
+          </a:xfrm>
+          <a:prstGeom prst="straightConnector1">
+            <a:avLst/>
+          </a:prstGeom>
+          <a:ln>
+            <a:solidFill>
+              <a:schemeClr val="accent1">
+                <a:lumMod val="50000"/>
+              </a:schemeClr>
+            </a:solidFill>
+            <a:tailEnd type="triangle"/>
+          </a:ln>
+        </p:spPr>
+        <p:style>
+          <a:lnRef idx="1">
+            <a:schemeClr val="accent1"/>
+          </a:lnRef>
+          <a:fillRef idx="0">
+            <a:schemeClr val="accent1"/>
+          </a:fillRef>
+          <a:effectRef idx="0">
+            <a:schemeClr val="accent1"/>
+          </a:effectRef>
+          <a:fontRef idx="minor">
+            <a:schemeClr val="tx1"/>
+          </a:fontRef>
+        </p:style>
+      </p:cxnSp>
     </p:spTree>
     <p:extLst>
       <p:ext uri="{BB962C8B-B14F-4D97-AF65-F5344CB8AC3E}">
@@ -16952,6 +17405,510 @@
   <p:clrMapOvr>
     <a:masterClrMapping/>
   </p:clrMapOvr>
+</p:sld>
+</file>
+
+<file path=ppt/slides/slide9.xml><?xml version="1.0" encoding="utf-8"?>
+<p:sld xmlns:a="http://schemas.openxmlformats.org/drawingml/2006/main" xmlns:r="http://schemas.openxmlformats.org/officeDocument/2006/relationships" xmlns:p="http://schemas.openxmlformats.org/presentationml/2006/main">
+  <p:cSld>
+    <p:spTree>
+      <p:nvGrpSpPr>
+        <p:cNvPr id="1" name=""/>
+        <p:cNvGrpSpPr/>
+        <p:nvPr/>
+      </p:nvGrpSpPr>
+      <p:grpSpPr>
+        <a:xfrm>
+          <a:off x="0" y="0"/>
+          <a:ext cx="0" cy="0"/>
+          <a:chOff x="0" y="0"/>
+          <a:chExt cx="0" cy="0"/>
+        </a:xfrm>
+      </p:grpSpPr>
+      <p:sp>
+        <p:nvSpPr>
+          <p:cNvPr id="2" name="CasellaDiTesto 1">
+            <a:extLst>
+              <a:ext uri="{FF2B5EF4-FFF2-40B4-BE49-F238E27FC236}">
+                <a16:creationId xmlns:a16="http://schemas.microsoft.com/office/drawing/2014/main" id="{3AF889E4-2C62-33E8-7E4A-42BCF15BF0B1}"/>
+              </a:ext>
+            </a:extLst>
+          </p:cNvPr>
+          <p:cNvSpPr txBox="1"/>
+          <p:nvPr/>
+        </p:nvSpPr>
+        <p:spPr>
+          <a:xfrm>
+            <a:off x="0" y="6588696"/>
+            <a:ext cx="3562597" cy="269304"/>
+          </a:xfrm>
+          <a:prstGeom prst="rect">
+            <a:avLst/>
+          </a:prstGeom>
+          <a:solidFill>
+            <a:schemeClr val="bg1"/>
+          </a:solidFill>
+        </p:spPr>
+        <p:txBody>
+          <a:bodyPr wrap="square" rtlCol="0">
+            <a:spAutoFit/>
+          </a:bodyPr>
+          <a:lstStyle/>
+          <a:p>
+            <a:r>
+              <a:rPr lang="it-IT" sz="1150" dirty="0"/>
+              <a:t>Cataldo, Giacomelli, Gottardini</a:t>
+            </a:r>
+          </a:p>
+        </p:txBody>
+      </p:sp>
+      <p:sp>
+        <p:nvSpPr>
+          <p:cNvPr id="43" name="Google Shape;680;p3">
+            <a:extLst>
+              <a:ext uri="{FF2B5EF4-FFF2-40B4-BE49-F238E27FC236}">
+                <a16:creationId xmlns:a16="http://schemas.microsoft.com/office/drawing/2014/main" id="{8D77598D-F31A-8499-A6A9-28EA0EC7AE18}"/>
+              </a:ext>
+            </a:extLst>
+          </p:cNvPr>
+          <p:cNvSpPr txBox="1"/>
+          <p:nvPr/>
+        </p:nvSpPr>
+        <p:spPr>
+          <a:xfrm>
+            <a:off x="1375558" y="-23694"/>
+            <a:ext cx="6697683" cy="646290"/>
+          </a:xfrm>
+          <a:prstGeom prst="rect">
+            <a:avLst/>
+          </a:prstGeom>
+          <a:noFill/>
+          <a:ln>
+            <a:noFill/>
+          </a:ln>
+        </p:spPr>
+        <p:txBody>
+          <a:bodyPr spcFirstLastPara="1" wrap="square" lIns="91425" tIns="45700" rIns="91425" bIns="45700" anchor="t" anchorCtr="0">
+            <a:spAutoFit/>
+          </a:bodyPr>
+          <a:lstStyle/>
+          <a:p>
+            <a:r>
+              <a:rPr lang="fr-FR" sz="3600" dirty="0">
+                <a:solidFill>
+                  <a:schemeClr val="accent1">
+                    <a:lumMod val="75000"/>
+                  </a:schemeClr>
+                </a:solidFill>
+                <a:latin typeface="Encode Sans ExtraBold" panose="020B0604020202020204" charset="0"/>
+                <a:ea typeface="Encode Sans ExtraBold"/>
+                <a:cs typeface="Encode Sans ExtraBold"/>
+              </a:rPr>
+              <a:t>Path Following </a:t>
+            </a:r>
+            <a:r>
+              <a:rPr lang="fr-FR" sz="3600" dirty="0" err="1">
+                <a:solidFill>
+                  <a:schemeClr val="accent1">
+                    <a:lumMod val="75000"/>
+                  </a:schemeClr>
+                </a:solidFill>
+                <a:latin typeface="Encode Sans ExtraBold" panose="020B0604020202020204" charset="0"/>
+                <a:ea typeface="Encode Sans ExtraBold"/>
+                <a:cs typeface="Encode Sans ExtraBold"/>
+              </a:rPr>
+              <a:t>with</a:t>
+            </a:r>
+            <a:r>
+              <a:rPr lang="fr-FR" sz="3600" dirty="0">
+                <a:solidFill>
+                  <a:schemeClr val="accent1">
+                    <a:lumMod val="75000"/>
+                  </a:schemeClr>
+                </a:solidFill>
+                <a:latin typeface="Encode Sans ExtraBold" panose="020B0604020202020204" charset="0"/>
+                <a:ea typeface="Encode Sans ExtraBold"/>
+                <a:cs typeface="Encode Sans ExtraBold"/>
+              </a:rPr>
+              <a:t> PID </a:t>
+            </a:r>
+            <a:r>
+              <a:rPr lang="fr-FR" sz="3600" dirty="0" err="1">
+                <a:solidFill>
+                  <a:schemeClr val="accent1">
+                    <a:lumMod val="75000"/>
+                  </a:schemeClr>
+                </a:solidFill>
+                <a:latin typeface="Encode Sans ExtraBold" panose="020B0604020202020204" charset="0"/>
+                <a:ea typeface="Encode Sans ExtraBold"/>
+                <a:cs typeface="Encode Sans ExtraBold"/>
+              </a:rPr>
+              <a:t>regulators</a:t>
+            </a:r>
+            <a:endParaRPr lang="fr-FR" sz="3600" dirty="0">
+              <a:solidFill>
+                <a:schemeClr val="accent1">
+                  <a:lumMod val="75000"/>
+                </a:schemeClr>
+              </a:solidFill>
+              <a:latin typeface="Encode Sans ExtraBold" panose="020B0604020202020204" charset="0"/>
+              <a:ea typeface="Encode Sans ExtraBold"/>
+              <a:cs typeface="Encode Sans ExtraBold"/>
+            </a:endParaRPr>
+          </a:p>
+        </p:txBody>
+      </p:sp>
+      <p:sp>
+        <p:nvSpPr>
+          <p:cNvPr id="49" name="AutoShape 2" descr="Icona del motore elettrico Immagini Vettoriali Stock | Depositphotos">
+            <a:extLst>
+              <a:ext uri="{FF2B5EF4-FFF2-40B4-BE49-F238E27FC236}">
+                <a16:creationId xmlns:a16="http://schemas.microsoft.com/office/drawing/2014/main" id="{5D188F32-3120-9891-5BD1-3B0E4D8E2539}"/>
+              </a:ext>
+            </a:extLst>
+          </p:cNvPr>
+          <p:cNvSpPr>
+            <a:spLocks noChangeAspect="1" noChangeArrowheads="1"/>
+          </p:cNvSpPr>
+          <p:nvPr/>
+        </p:nvSpPr>
+        <p:spPr bwMode="auto">
+          <a:xfrm>
+            <a:off x="4419600" y="3276600"/>
+            <a:ext cx="304800" cy="304800"/>
+          </a:xfrm>
+          <a:prstGeom prst="rect">
+            <a:avLst/>
+          </a:prstGeom>
+          <a:noFill/>
+          <a:extLst>
+            <a:ext uri="{909E8E84-426E-40DD-AFC4-6F175D3DCCD1}">
+              <a14:hiddenFill xmlns:a14="http://schemas.microsoft.com/office/drawing/2010/main">
+                <a:solidFill>
+                  <a:srgbClr val="FFFFFF"/>
+                </a:solidFill>
+              </a14:hiddenFill>
+            </a:ext>
+          </a:extLst>
+        </p:spPr>
+        <p:txBody>
+          <a:bodyPr vert="horz" wrap="square" lIns="91440" tIns="45720" rIns="91440" bIns="45720" numCol="1" anchor="t" anchorCtr="0" compatLnSpc="1">
+            <a:prstTxWarp prst="textNoShape">
+              <a:avLst/>
+            </a:prstTxWarp>
+          </a:bodyPr>
+          <a:lstStyle/>
+          <a:p>
+            <a:endParaRPr lang="it-IT"/>
+          </a:p>
+        </p:txBody>
+      </p:sp>
+      <p:sp>
+        <p:nvSpPr>
+          <p:cNvPr id="50" name="AutoShape 4" descr="Icona del motore elettrico Immagini Vettoriali Stock | Depositphotos">
+            <a:extLst>
+              <a:ext uri="{FF2B5EF4-FFF2-40B4-BE49-F238E27FC236}">
+                <a16:creationId xmlns:a16="http://schemas.microsoft.com/office/drawing/2014/main" id="{5CBD532C-1E88-3B95-EE82-1EB9FD962050}"/>
+              </a:ext>
+            </a:extLst>
+          </p:cNvPr>
+          <p:cNvSpPr>
+            <a:spLocks noChangeAspect="1" noChangeArrowheads="1"/>
+          </p:cNvSpPr>
+          <p:nvPr/>
+        </p:nvSpPr>
+        <p:spPr bwMode="auto">
+          <a:xfrm>
+            <a:off x="4572000" y="3429000"/>
+            <a:ext cx="304800" cy="304800"/>
+          </a:xfrm>
+          <a:prstGeom prst="rect">
+            <a:avLst/>
+          </a:prstGeom>
+          <a:noFill/>
+          <a:extLst>
+            <a:ext uri="{909E8E84-426E-40DD-AFC4-6F175D3DCCD1}">
+              <a14:hiddenFill xmlns:a14="http://schemas.microsoft.com/office/drawing/2010/main">
+                <a:solidFill>
+                  <a:srgbClr val="FFFFFF"/>
+                </a:solidFill>
+              </a14:hiddenFill>
+            </a:ext>
+          </a:extLst>
+        </p:spPr>
+        <p:txBody>
+          <a:bodyPr vert="horz" wrap="square" lIns="91440" tIns="45720" rIns="91440" bIns="45720" numCol="1" anchor="t" anchorCtr="0" compatLnSpc="1">
+            <a:prstTxWarp prst="textNoShape">
+              <a:avLst/>
+            </a:prstTxWarp>
+          </a:bodyPr>
+          <a:lstStyle/>
+          <a:p>
+            <a:endParaRPr lang="it-IT"/>
+          </a:p>
+        </p:txBody>
+      </p:sp>
+      <p:pic>
+        <p:nvPicPr>
+          <p:cNvPr id="5" name="Elemento grafico 4" descr="Robot contorno">
+            <a:extLst>
+              <a:ext uri="{FF2B5EF4-FFF2-40B4-BE49-F238E27FC236}">
+                <a16:creationId xmlns:a16="http://schemas.microsoft.com/office/drawing/2014/main" id="{0FE8AE3D-2A7F-9C37-1162-97D25BD32F81}"/>
+              </a:ext>
+            </a:extLst>
+          </p:cNvPr>
+          <p:cNvPicPr>
+            <a:picLocks noChangeAspect="1"/>
+          </p:cNvPicPr>
+          <p:nvPr/>
+        </p:nvPicPr>
+        <p:blipFill>
+          <a:blip r:embed="rId5" cstate="print">
+            <a:extLst>
+              <a:ext uri="{28A0092B-C50C-407E-A947-70E740481C1C}">
+                <a14:useLocalDpi xmlns:a14="http://schemas.microsoft.com/office/drawing/2010/main" val="0"/>
+              </a:ext>
+              <a:ext uri="{96DAC541-7B7A-43D3-8B79-37D633B846F1}">
+                <asvg:svgBlip xmlns:asvg="http://schemas.microsoft.com/office/drawing/2016/SVG/main" r:embed="rId6"/>
+              </a:ext>
+            </a:extLst>
+          </a:blip>
+          <a:stretch>
+            <a:fillRect/>
+          </a:stretch>
+        </p:blipFill>
+        <p:spPr>
+          <a:xfrm>
+            <a:off x="4302696" y="6558549"/>
+            <a:ext cx="269304" cy="269304"/>
+          </a:xfrm>
+          <a:prstGeom prst="rect">
+            <a:avLst/>
+          </a:prstGeom>
+        </p:spPr>
+      </p:pic>
+      <p:pic>
+        <p:nvPicPr>
+          <p:cNvPr id="6" name="Elemento grafico 5" descr="Robot contorno">
+            <a:extLst>
+              <a:ext uri="{FF2B5EF4-FFF2-40B4-BE49-F238E27FC236}">
+                <a16:creationId xmlns:a16="http://schemas.microsoft.com/office/drawing/2014/main" id="{8AD2BC0E-F1D6-EF6E-465B-DEFACB5321B8}"/>
+              </a:ext>
+            </a:extLst>
+          </p:cNvPr>
+          <p:cNvPicPr>
+            <a:picLocks noChangeAspect="1"/>
+          </p:cNvPicPr>
+          <p:nvPr/>
+        </p:nvPicPr>
+        <p:blipFill>
+          <a:blip r:embed="rId5" cstate="print">
+            <a:extLst>
+              <a:ext uri="{28A0092B-C50C-407E-A947-70E740481C1C}">
+                <a14:useLocalDpi xmlns:a14="http://schemas.microsoft.com/office/drawing/2010/main" val="0"/>
+              </a:ext>
+              <a:ext uri="{96DAC541-7B7A-43D3-8B79-37D633B846F1}">
+                <asvg:svgBlip xmlns:asvg="http://schemas.microsoft.com/office/drawing/2016/SVG/main" r:embed="rId6"/>
+              </a:ext>
+            </a:extLst>
+          </a:blip>
+          <a:stretch>
+            <a:fillRect/>
+          </a:stretch>
+        </p:blipFill>
+        <p:spPr>
+          <a:xfrm>
+            <a:off x="8542186" y="31286"/>
+            <a:ext cx="494935" cy="494935"/>
+          </a:xfrm>
+          <a:prstGeom prst="rect">
+            <a:avLst/>
+          </a:prstGeom>
+        </p:spPr>
+      </p:pic>
+      <p:pic>
+        <p:nvPicPr>
+          <p:cNvPr id="3" name="film">
+            <a:hlinkClick r:id="" action="ppaction://media"/>
+            <a:extLst>
+              <a:ext uri="{FF2B5EF4-FFF2-40B4-BE49-F238E27FC236}">
+                <a16:creationId xmlns:a16="http://schemas.microsoft.com/office/drawing/2014/main" id="{E3B323A8-4512-6303-88AE-1E84C269E4C8}"/>
+              </a:ext>
+            </a:extLst>
+          </p:cNvPr>
+          <p:cNvPicPr>
+            <a:picLocks noChangeAspect="1"/>
+          </p:cNvPicPr>
+          <p:nvPr>
+            <a:videoFile r:link="rId2"/>
+            <p:extLst>
+              <p:ext uri="{DAA4B4D4-6D71-4841-9C94-3DE7FCFB9230}">
+                <p14:media xmlns:p14="http://schemas.microsoft.com/office/powerpoint/2010/main" r:embed="rId1"/>
+              </p:ext>
+            </p:extLst>
+          </p:nvPr>
+        </p:nvPicPr>
+        <p:blipFill>
+          <a:blip r:embed="rId7"/>
+          <a:stretch>
+            <a:fillRect/>
+          </a:stretch>
+        </p:blipFill>
+        <p:spPr>
+          <a:xfrm>
+            <a:off x="1104405" y="828303"/>
+            <a:ext cx="6968836" cy="5226628"/>
+          </a:xfrm>
+          <a:prstGeom prst="rect">
+            <a:avLst/>
+          </a:prstGeom>
+        </p:spPr>
+      </p:pic>
+    </p:spTree>
+    <p:extLst>
+      <p:ext uri="{BB962C8B-B14F-4D97-AF65-F5344CB8AC3E}">
+        <p14:creationId xmlns:p14="http://schemas.microsoft.com/office/powerpoint/2010/main" val="3011567890"/>
+      </p:ext>
+    </p:extLst>
+  </p:cSld>
+  <p:clrMapOvr>
+    <a:masterClrMapping/>
+  </p:clrMapOvr>
+  <p:timing>
+    <p:tnLst>
+      <p:par>
+        <p:cTn id="1" dur="indefinite" restart="never" nodeType="tmRoot">
+          <p:childTnLst>
+            <p:seq concurrent="1" nextAc="seek">
+              <p:cTn id="2" dur="indefinite" nodeType="mainSeq">
+                <p:childTnLst>
+                  <p:par>
+                    <p:cTn id="3" fill="hold">
+                      <p:stCondLst>
+                        <p:cond delay="indefinite"/>
+                      </p:stCondLst>
+                      <p:childTnLst>
+                        <p:par>
+                          <p:cTn id="4" fill="hold">
+                            <p:stCondLst>
+                              <p:cond delay="0"/>
+                            </p:stCondLst>
+                            <p:childTnLst>
+                              <p:par>
+                                <p:cTn id="5" presetID="1" presetClass="mediacall" presetSubtype="0" fill="hold" nodeType="clickEffect">
+                                  <p:stCondLst>
+                                    <p:cond delay="0"/>
+                                  </p:stCondLst>
+                                  <p:childTnLst>
+                                    <p:cmd type="call" cmd="playFrom(0.0)">
+                                      <p:cBhvr>
+                                        <p:cTn id="6" dur="25133" fill="hold"/>
+                                        <p:tgtEl>
+                                          <p:spTgt spid="3"/>
+                                        </p:tgtEl>
+                                      </p:cBhvr>
+                                    </p:cmd>
+                                  </p:childTnLst>
+                                </p:cTn>
+                              </p:par>
+                            </p:childTnLst>
+                          </p:cTn>
+                        </p:par>
+                      </p:childTnLst>
+                    </p:cTn>
+                  </p:par>
+                </p:childTnLst>
+              </p:cTn>
+              <p:prevCondLst>
+                <p:cond evt="onPrev" delay="0">
+                  <p:tgtEl>
+                    <p:sldTgt/>
+                  </p:tgtEl>
+                </p:cond>
+              </p:prevCondLst>
+              <p:nextCondLst>
+                <p:cond evt="onNext" delay="0">
+                  <p:tgtEl>
+                    <p:sldTgt/>
+                  </p:tgtEl>
+                </p:cond>
+              </p:nextCondLst>
+            </p:seq>
+            <p:video>
+              <p:cMediaNode vol="80000">
+                <p:cTn id="7" fill="hold" display="0">
+                  <p:stCondLst>
+                    <p:cond delay="indefinite"/>
+                  </p:stCondLst>
+                </p:cTn>
+                <p:tgtEl>
+                  <p:spTgt spid="3"/>
+                </p:tgtEl>
+              </p:cMediaNode>
+            </p:video>
+            <p:seq concurrent="1" nextAc="seek">
+              <p:cTn id="8" restart="whenNotActive" fill="hold" evtFilter="cancelBubble" nodeType="interactiveSeq">
+                <p:stCondLst>
+                  <p:cond evt="onClick" delay="0">
+                    <p:tgtEl>
+                      <p:spTgt spid="3"/>
+                    </p:tgtEl>
+                  </p:cond>
+                </p:stCondLst>
+                <p:endSync evt="end" delay="0">
+                  <p:rtn val="all"/>
+                </p:endSync>
+                <p:childTnLst>
+                  <p:par>
+                    <p:cTn id="9" fill="hold">
+                      <p:stCondLst>
+                        <p:cond delay="0"/>
+                      </p:stCondLst>
+                      <p:childTnLst>
+                        <p:par>
+                          <p:cTn id="10" fill="hold">
+                            <p:stCondLst>
+                              <p:cond delay="0"/>
+                            </p:stCondLst>
+                            <p:childTnLst>
+                              <p:par>
+                                <p:cTn id="11" presetID="2" presetClass="mediacall" presetSubtype="0" fill="hold" nodeType="clickEffect">
+                                  <p:stCondLst>
+                                    <p:cond delay="0"/>
+                                  </p:stCondLst>
+                                  <p:childTnLst>
+                                    <p:cmd type="call" cmd="togglePause">
+                                      <p:cBhvr>
+                                        <p:cTn id="12" dur="1" fill="hold"/>
+                                        <p:tgtEl>
+                                          <p:spTgt spid="3"/>
+                                        </p:tgtEl>
+                                      </p:cBhvr>
+                                    </p:cmd>
+                                  </p:childTnLst>
+                                </p:cTn>
+                              </p:par>
+                            </p:childTnLst>
+                          </p:cTn>
+                        </p:par>
+                      </p:childTnLst>
+                    </p:cTn>
+                  </p:par>
+                </p:childTnLst>
+              </p:cTn>
+              <p:nextCondLst>
+                <p:cond evt="onClick" delay="0">
+                  <p:tgtEl>
+                    <p:spTgt spid="3"/>
+                  </p:tgtEl>
+                </p:cond>
+              </p:nextCondLst>
+            </p:seq>
+          </p:childTnLst>
+        </p:cTn>
+      </p:par>
+    </p:tnLst>
+  </p:timing>
 </p:sld>
 </file>
 
